--- a/documents/4. diffuser_디자인기획서/화면정의서_모바일_1차 수정.pptx
+++ b/documents/4. diffuser_디자인기획서/화면정의서_모바일_1차 수정.pptx
@@ -18,24 +18,23 @@
     <p:sldId id="292" r:id="rId12"/>
     <p:sldId id="296" r:id="rId13"/>
     <p:sldId id="297" r:id="rId14"/>
-    <p:sldId id="314" r:id="rId15"/>
-    <p:sldId id="301" r:id="rId16"/>
-    <p:sldId id="302" r:id="rId17"/>
-    <p:sldId id="310" r:id="rId18"/>
-    <p:sldId id="313" r:id="rId19"/>
-    <p:sldId id="312" r:id="rId20"/>
-    <p:sldId id="303" r:id="rId21"/>
-    <p:sldId id="290" r:id="rId22"/>
-    <p:sldId id="291" r:id="rId23"/>
-    <p:sldId id="304" r:id="rId24"/>
-    <p:sldId id="306" r:id="rId25"/>
-    <p:sldId id="305" r:id="rId26"/>
-    <p:sldId id="308" r:id="rId27"/>
-    <p:sldId id="307" r:id="rId28"/>
-    <p:sldId id="309" r:id="rId29"/>
+    <p:sldId id="301" r:id="rId15"/>
+    <p:sldId id="302" r:id="rId16"/>
+    <p:sldId id="310" r:id="rId17"/>
+    <p:sldId id="313" r:id="rId18"/>
+    <p:sldId id="312" r:id="rId19"/>
+    <p:sldId id="303" r:id="rId20"/>
+    <p:sldId id="290" r:id="rId21"/>
+    <p:sldId id="291" r:id="rId22"/>
+    <p:sldId id="304" r:id="rId23"/>
+    <p:sldId id="306" r:id="rId24"/>
+    <p:sldId id="305" r:id="rId25"/>
+    <p:sldId id="308" r:id="rId26"/>
+    <p:sldId id="307" r:id="rId27"/>
+    <p:sldId id="309" r:id="rId28"/>
   </p:sldIdLst>
   <p:sldSz cx="12192000" cy="6858000"/>
-  <p:notesSz cx="6858000" cy="9144000"/>
+  <p:notesSz cx="9866313" cy="6735763"/>
   <p:defaultTextStyle>
     <a:defPPr>
       <a:defRPr lang="ko-KR"/>
@@ -286,7 +285,7 @@
           <a:p>
             <a:fld id="{1197B5C2-121A-4499-A081-6864B930DA86}" type="datetimeFigureOut">
               <a:rPr lang="ko-KR" altLang="en-US" smtClean="0"/>
-              <a:t>2019-03-11</a:t>
+              <a:t>2019-03-13</a:t>
             </a:fld>
             <a:endParaRPr lang="ko-KR" altLang="en-US"/>
           </a:p>
@@ -484,7 +483,7 @@
           <a:p>
             <a:fld id="{1197B5C2-121A-4499-A081-6864B930DA86}" type="datetimeFigureOut">
               <a:rPr lang="ko-KR" altLang="en-US" smtClean="0"/>
-              <a:t>2019-03-11</a:t>
+              <a:t>2019-03-13</a:t>
             </a:fld>
             <a:endParaRPr lang="ko-KR" altLang="en-US"/>
           </a:p>
@@ -692,7 +691,7 @@
           <a:p>
             <a:fld id="{1197B5C2-121A-4499-A081-6864B930DA86}" type="datetimeFigureOut">
               <a:rPr lang="ko-KR" altLang="en-US" smtClean="0"/>
-              <a:t>2019-03-11</a:t>
+              <a:t>2019-03-13</a:t>
             </a:fld>
             <a:endParaRPr lang="ko-KR" altLang="en-US"/>
           </a:p>
@@ -890,7 +889,7 @@
           <a:p>
             <a:fld id="{1197B5C2-121A-4499-A081-6864B930DA86}" type="datetimeFigureOut">
               <a:rPr lang="ko-KR" altLang="en-US" smtClean="0"/>
-              <a:t>2019-03-11</a:t>
+              <a:t>2019-03-13</a:t>
             </a:fld>
             <a:endParaRPr lang="ko-KR" altLang="en-US"/>
           </a:p>
@@ -1165,7 +1164,7 @@
           <a:p>
             <a:fld id="{1197B5C2-121A-4499-A081-6864B930DA86}" type="datetimeFigureOut">
               <a:rPr lang="ko-KR" altLang="en-US" smtClean="0"/>
-              <a:t>2019-03-11</a:t>
+              <a:t>2019-03-13</a:t>
             </a:fld>
             <a:endParaRPr lang="ko-KR" altLang="en-US"/>
           </a:p>
@@ -1430,7 +1429,7 @@
           <a:p>
             <a:fld id="{1197B5C2-121A-4499-A081-6864B930DA86}" type="datetimeFigureOut">
               <a:rPr lang="ko-KR" altLang="en-US" smtClean="0"/>
-              <a:t>2019-03-11</a:t>
+              <a:t>2019-03-13</a:t>
             </a:fld>
             <a:endParaRPr lang="ko-KR" altLang="en-US"/>
           </a:p>
@@ -1842,7 +1841,7 @@
           <a:p>
             <a:fld id="{1197B5C2-121A-4499-A081-6864B930DA86}" type="datetimeFigureOut">
               <a:rPr lang="ko-KR" altLang="en-US" smtClean="0"/>
-              <a:t>2019-03-11</a:t>
+              <a:t>2019-03-13</a:t>
             </a:fld>
             <a:endParaRPr lang="ko-KR" altLang="en-US"/>
           </a:p>
@@ -1983,7 +1982,7 @@
           <a:p>
             <a:fld id="{1197B5C2-121A-4499-A081-6864B930DA86}" type="datetimeFigureOut">
               <a:rPr lang="ko-KR" altLang="en-US" smtClean="0"/>
-              <a:t>2019-03-11</a:t>
+              <a:t>2019-03-13</a:t>
             </a:fld>
             <a:endParaRPr lang="ko-KR" altLang="en-US"/>
           </a:p>
@@ -2096,7 +2095,7 @@
           <a:p>
             <a:fld id="{1197B5C2-121A-4499-A081-6864B930DA86}" type="datetimeFigureOut">
               <a:rPr lang="ko-KR" altLang="en-US" smtClean="0"/>
-              <a:t>2019-03-11</a:t>
+              <a:t>2019-03-13</a:t>
             </a:fld>
             <a:endParaRPr lang="ko-KR" altLang="en-US"/>
           </a:p>
@@ -2407,7 +2406,7 @@
           <a:p>
             <a:fld id="{1197B5C2-121A-4499-A081-6864B930DA86}" type="datetimeFigureOut">
               <a:rPr lang="ko-KR" altLang="en-US" smtClean="0"/>
-              <a:t>2019-03-11</a:t>
+              <a:t>2019-03-13</a:t>
             </a:fld>
             <a:endParaRPr lang="ko-KR" altLang="en-US"/>
           </a:p>
@@ -2695,7 +2694,7 @@
           <a:p>
             <a:fld id="{1197B5C2-121A-4499-A081-6864B930DA86}" type="datetimeFigureOut">
               <a:rPr lang="ko-KR" altLang="en-US" smtClean="0"/>
-              <a:t>2019-03-11</a:t>
+              <a:t>2019-03-13</a:t>
             </a:fld>
             <a:endParaRPr lang="ko-KR" altLang="en-US"/>
           </a:p>
@@ -2936,7 +2935,7 @@
           <a:p>
             <a:fld id="{1197B5C2-121A-4499-A081-6864B930DA86}" type="datetimeFigureOut">
               <a:rPr lang="ko-KR" altLang="en-US" smtClean="0"/>
-              <a:t>2019-03-11</a:t>
+              <a:t>2019-03-13</a:t>
             </a:fld>
             <a:endParaRPr lang="ko-KR" altLang="en-US"/>
           </a:p>
@@ -9652,1707 +9651,6 @@
       </p:grpSpPr>
       <p:pic>
         <p:nvPicPr>
-          <p:cNvPr id="4" name="그림 3">
-            <a:extLst>
-              <a:ext uri="{FF2B5EF4-FFF2-40B4-BE49-F238E27FC236}">
-                <a16:creationId xmlns:a16="http://schemas.microsoft.com/office/drawing/2014/main" id="{BCCFC60D-685B-4310-BDA1-50520D74E3C5}"/>
-              </a:ext>
-            </a:extLst>
-          </p:cNvPr>
-          <p:cNvPicPr>
-            <a:picLocks noChangeAspect="1"/>
-          </p:cNvPicPr>
-          <p:nvPr/>
-        </p:nvPicPr>
-        <p:blipFill rotWithShape="1">
-          <a:blip r:embed="rId2">
-            <a:extLst>
-              <a:ext uri="{28A0092B-C50C-407E-A947-70E740481C1C}">
-                <a14:useLocalDpi xmlns:a14="http://schemas.microsoft.com/office/drawing/2010/main" val="0"/>
-              </a:ext>
-            </a:extLst>
-          </a:blip>
-          <a:srcRect b="48162"/>
-          <a:stretch/>
-        </p:blipFill>
-        <p:spPr>
-          <a:xfrm>
-            <a:off x="4383131" y="612227"/>
-            <a:ext cx="3447393" cy="419950"/>
-          </a:xfrm>
-          <a:prstGeom prst="rect">
-            <a:avLst/>
-          </a:prstGeom>
-        </p:spPr>
-      </p:pic>
-      <p:pic>
-        <p:nvPicPr>
-          <p:cNvPr id="12" name="그림 11">
-            <a:extLst>
-              <a:ext uri="{FF2B5EF4-FFF2-40B4-BE49-F238E27FC236}">
-                <a16:creationId xmlns:a16="http://schemas.microsoft.com/office/drawing/2014/main" id="{B1ACA387-CC9B-4B85-917E-26173CA477EF}"/>
-              </a:ext>
-            </a:extLst>
-          </p:cNvPr>
-          <p:cNvPicPr>
-            <a:picLocks noChangeAspect="1"/>
-          </p:cNvPicPr>
-          <p:nvPr/>
-        </p:nvPicPr>
-        <p:blipFill>
-          <a:blip r:embed="rId3">
-            <a:extLst>
-              <a:ext uri="{28A0092B-C50C-407E-A947-70E740481C1C}">
-                <a14:useLocalDpi xmlns:a14="http://schemas.microsoft.com/office/drawing/2010/main" val="0"/>
-              </a:ext>
-            </a:extLst>
-          </a:blip>
-          <a:stretch>
-            <a:fillRect/>
-          </a:stretch>
-        </p:blipFill>
-        <p:spPr>
-          <a:xfrm>
-            <a:off x="5642250" y="749391"/>
-            <a:ext cx="943712" cy="190648"/>
-          </a:xfrm>
-          <a:prstGeom prst="rect">
-            <a:avLst/>
-          </a:prstGeom>
-        </p:spPr>
-      </p:pic>
-      <p:sp>
-        <p:nvSpPr>
-          <p:cNvPr id="39" name="직사각형 38">
-            <a:extLst>
-              <a:ext uri="{FF2B5EF4-FFF2-40B4-BE49-F238E27FC236}">
-                <a16:creationId xmlns:a16="http://schemas.microsoft.com/office/drawing/2014/main" id="{72512F7F-7176-40CD-ADB3-A73FCBAA8724}"/>
-              </a:ext>
-            </a:extLst>
-          </p:cNvPr>
-          <p:cNvSpPr/>
-          <p:nvPr/>
-        </p:nvSpPr>
-        <p:spPr>
-          <a:xfrm>
-            <a:off x="4365453" y="5785559"/>
-            <a:ext cx="3447393" cy="382081"/>
-          </a:xfrm>
-          <a:prstGeom prst="rect">
-            <a:avLst/>
-          </a:prstGeom>
-          <a:solidFill>
-            <a:srgbClr val="F8F8F8"/>
-          </a:solidFill>
-          <a:ln>
-            <a:noFill/>
-          </a:ln>
-        </p:spPr>
-        <p:style>
-          <a:lnRef idx="2">
-            <a:schemeClr val="accent1">
-              <a:shade val="50000"/>
-            </a:schemeClr>
-          </a:lnRef>
-          <a:fillRef idx="1">
-            <a:schemeClr val="accent1"/>
-          </a:fillRef>
-          <a:effectRef idx="0">
-            <a:schemeClr val="accent1"/>
-          </a:effectRef>
-          <a:fontRef idx="minor">
-            <a:schemeClr val="lt1"/>
-          </a:fontRef>
-        </p:style>
-        <p:txBody>
-          <a:bodyPr rtlCol="0" anchor="ctr"/>
-          <a:lstStyle/>
-          <a:p>
-            <a:pPr algn="ctr"/>
-            <a:endParaRPr lang="ko-KR" altLang="en-US"/>
-          </a:p>
-        </p:txBody>
-      </p:sp>
-      <p:sp>
-        <p:nvSpPr>
-          <p:cNvPr id="40" name="직사각형 39">
-            <a:extLst>
-              <a:ext uri="{FF2B5EF4-FFF2-40B4-BE49-F238E27FC236}">
-                <a16:creationId xmlns:a16="http://schemas.microsoft.com/office/drawing/2014/main" id="{9D0820DE-BB18-4E7B-BBF2-7E43C572B005}"/>
-              </a:ext>
-            </a:extLst>
-          </p:cNvPr>
-          <p:cNvSpPr/>
-          <p:nvPr/>
-        </p:nvSpPr>
-        <p:spPr>
-          <a:xfrm>
-            <a:off x="3771901" y="5802858"/>
-            <a:ext cx="4160520" cy="382081"/>
-          </a:xfrm>
-          <a:prstGeom prst="rect">
-            <a:avLst/>
-          </a:prstGeom>
-          <a:solidFill>
-            <a:srgbClr val="ED6C89"/>
-          </a:solidFill>
-          <a:ln>
-            <a:solidFill>
-              <a:schemeClr val="bg1">
-                <a:lumMod val="85000"/>
-              </a:schemeClr>
-            </a:solidFill>
-          </a:ln>
-        </p:spPr>
-        <p:style>
-          <a:lnRef idx="2">
-            <a:schemeClr val="accent1">
-              <a:shade val="50000"/>
-            </a:schemeClr>
-          </a:lnRef>
-          <a:fillRef idx="1">
-            <a:schemeClr val="accent1"/>
-          </a:fillRef>
-          <a:effectRef idx="0">
-            <a:schemeClr val="accent1"/>
-          </a:effectRef>
-          <a:fontRef idx="minor">
-            <a:schemeClr val="lt1"/>
-          </a:fontRef>
-        </p:style>
-        <p:txBody>
-          <a:bodyPr rtlCol="0" anchor="ctr"/>
-          <a:lstStyle/>
-          <a:p>
-            <a:pPr algn="ctr"/>
-            <a:endParaRPr lang="ko-KR" altLang="en-US"/>
-          </a:p>
-        </p:txBody>
-      </p:sp>
-      <p:sp>
-        <p:nvSpPr>
-          <p:cNvPr id="44" name="사각형: 둥근 모서리 43">
-            <a:extLst>
-              <a:ext uri="{FF2B5EF4-FFF2-40B4-BE49-F238E27FC236}">
-                <a16:creationId xmlns:a16="http://schemas.microsoft.com/office/drawing/2014/main" id="{4E6D752D-0246-43B6-A82E-C258BE6EE18F}"/>
-              </a:ext>
-            </a:extLst>
-          </p:cNvPr>
-          <p:cNvSpPr/>
-          <p:nvPr/>
-        </p:nvSpPr>
-        <p:spPr>
-          <a:xfrm>
-            <a:off x="4225020" y="6173132"/>
-            <a:ext cx="4042679" cy="446608"/>
-          </a:xfrm>
-          <a:prstGeom prst="roundRect">
-            <a:avLst>
-              <a:gd name="adj" fmla="val 3788"/>
-            </a:avLst>
-          </a:prstGeom>
-          <a:solidFill>
-            <a:schemeClr val="bg1"/>
-          </a:solidFill>
-          <a:ln>
-            <a:solidFill>
-              <a:schemeClr val="bg1"/>
-            </a:solidFill>
-          </a:ln>
-        </p:spPr>
-        <p:style>
-          <a:lnRef idx="2">
-            <a:schemeClr val="accent1">
-              <a:shade val="50000"/>
-            </a:schemeClr>
-          </a:lnRef>
-          <a:fillRef idx="1">
-            <a:schemeClr val="accent1"/>
-          </a:fillRef>
-          <a:effectRef idx="0">
-            <a:schemeClr val="accent1"/>
-          </a:effectRef>
-          <a:fontRef idx="minor">
-            <a:schemeClr val="lt1"/>
-          </a:fontRef>
-        </p:style>
-        <p:txBody>
-          <a:bodyPr rtlCol="0" anchor="ctr"/>
-          <a:lstStyle/>
-          <a:p>
-            <a:pPr algn="ctr"/>
-            <a:endParaRPr lang="ko-KR" altLang="en-US" dirty="0"/>
-          </a:p>
-        </p:txBody>
-      </p:sp>
-      <p:sp>
-        <p:nvSpPr>
-          <p:cNvPr id="42" name="사각형: 둥근 모서리 41">
-            <a:extLst>
-              <a:ext uri="{FF2B5EF4-FFF2-40B4-BE49-F238E27FC236}">
-                <a16:creationId xmlns:a16="http://schemas.microsoft.com/office/drawing/2014/main" id="{57F93A8A-1C84-4C88-A901-35446B82019C}"/>
-              </a:ext>
-            </a:extLst>
-          </p:cNvPr>
-          <p:cNvSpPr/>
-          <p:nvPr/>
-        </p:nvSpPr>
-        <p:spPr>
-          <a:xfrm>
-            <a:off x="7805739" y="612228"/>
-            <a:ext cx="378194" cy="6003818"/>
-          </a:xfrm>
-          <a:prstGeom prst="roundRect">
-            <a:avLst>
-              <a:gd name="adj" fmla="val 3788"/>
-            </a:avLst>
-          </a:prstGeom>
-          <a:solidFill>
-            <a:schemeClr val="bg1"/>
-          </a:solidFill>
-          <a:ln>
-            <a:solidFill>
-              <a:schemeClr val="bg1"/>
-            </a:solidFill>
-          </a:ln>
-        </p:spPr>
-        <p:style>
-          <a:lnRef idx="2">
-            <a:schemeClr val="accent1">
-              <a:shade val="50000"/>
-            </a:schemeClr>
-          </a:lnRef>
-          <a:fillRef idx="1">
-            <a:schemeClr val="accent1"/>
-          </a:fillRef>
-          <a:effectRef idx="0">
-            <a:schemeClr val="accent1"/>
-          </a:effectRef>
-          <a:fontRef idx="minor">
-            <a:schemeClr val="lt1"/>
-          </a:fontRef>
-        </p:style>
-        <p:txBody>
-          <a:bodyPr rtlCol="0" anchor="ctr"/>
-          <a:lstStyle/>
-          <a:p>
-            <a:pPr algn="ctr"/>
-            <a:endParaRPr lang="ko-KR" altLang="en-US" dirty="0"/>
-          </a:p>
-        </p:txBody>
-      </p:sp>
-      <p:sp>
-        <p:nvSpPr>
-          <p:cNvPr id="43" name="사각형: 둥근 모서리 42">
-            <a:extLst>
-              <a:ext uri="{FF2B5EF4-FFF2-40B4-BE49-F238E27FC236}">
-                <a16:creationId xmlns:a16="http://schemas.microsoft.com/office/drawing/2014/main" id="{88539E2D-7508-4C3F-A7CC-4D5C7CFBEF15}"/>
-              </a:ext>
-            </a:extLst>
-          </p:cNvPr>
-          <p:cNvSpPr/>
-          <p:nvPr/>
-        </p:nvSpPr>
-        <p:spPr>
-          <a:xfrm>
-            <a:off x="2803456" y="3861351"/>
-            <a:ext cx="61891" cy="352002"/>
-          </a:xfrm>
-          <a:prstGeom prst="roundRect">
-            <a:avLst>
-              <a:gd name="adj" fmla="val 3788"/>
-            </a:avLst>
-          </a:prstGeom>
-          <a:solidFill>
-            <a:schemeClr val="bg1"/>
-          </a:solidFill>
-          <a:ln>
-            <a:solidFill>
-              <a:schemeClr val="bg1"/>
-            </a:solidFill>
-          </a:ln>
-        </p:spPr>
-        <p:style>
-          <a:lnRef idx="2">
-            <a:schemeClr val="accent1">
-              <a:shade val="50000"/>
-            </a:schemeClr>
-          </a:lnRef>
-          <a:fillRef idx="1">
-            <a:schemeClr val="accent1"/>
-          </a:fillRef>
-          <a:effectRef idx="0">
-            <a:schemeClr val="accent1"/>
-          </a:effectRef>
-          <a:fontRef idx="minor">
-            <a:schemeClr val="lt1"/>
-          </a:fontRef>
-        </p:style>
-        <p:txBody>
-          <a:bodyPr rtlCol="0" anchor="ctr"/>
-          <a:lstStyle/>
-          <a:p>
-            <a:pPr algn="ctr"/>
-            <a:endParaRPr lang="ko-KR" altLang="en-US" dirty="0"/>
-          </a:p>
-        </p:txBody>
-      </p:sp>
-      <p:sp>
-        <p:nvSpPr>
-          <p:cNvPr id="2" name="직사각형 1">
-            <a:extLst>
-              <a:ext uri="{FF2B5EF4-FFF2-40B4-BE49-F238E27FC236}">
-                <a16:creationId xmlns:a16="http://schemas.microsoft.com/office/drawing/2014/main" id="{DDB0E996-2FB9-4658-8C23-5CA5627BD19A}"/>
-              </a:ext>
-            </a:extLst>
-          </p:cNvPr>
-          <p:cNvSpPr/>
-          <p:nvPr/>
-        </p:nvSpPr>
-        <p:spPr>
-          <a:xfrm>
-            <a:off x="4383468" y="1020327"/>
-            <a:ext cx="3407982" cy="473730"/>
-          </a:xfrm>
-          <a:prstGeom prst="rect">
-            <a:avLst/>
-          </a:prstGeom>
-          <a:solidFill>
-            <a:srgbClr val="EA778E"/>
-          </a:solidFill>
-          <a:ln>
-            <a:solidFill>
-              <a:schemeClr val="bg2">
-                <a:lumMod val="50000"/>
-              </a:schemeClr>
-            </a:solidFill>
-          </a:ln>
-        </p:spPr>
-        <p:style>
-          <a:lnRef idx="2">
-            <a:schemeClr val="accent1">
-              <a:shade val="50000"/>
-            </a:schemeClr>
-          </a:lnRef>
-          <a:fillRef idx="1">
-            <a:schemeClr val="accent1"/>
-          </a:fillRef>
-          <a:effectRef idx="0">
-            <a:schemeClr val="accent1"/>
-          </a:effectRef>
-          <a:fontRef idx="minor">
-            <a:schemeClr val="lt1"/>
-          </a:fontRef>
-        </p:style>
-        <p:txBody>
-          <a:bodyPr rtlCol="0" anchor="ctr"/>
-          <a:lstStyle/>
-          <a:p>
-            <a:pPr algn="ctr"/>
-            <a:endParaRPr lang="ko-KR" altLang="en-US"/>
-          </a:p>
-        </p:txBody>
-      </p:sp>
-      <p:sp>
-        <p:nvSpPr>
-          <p:cNvPr id="109" name="직사각형 108">
-            <a:extLst>
-              <a:ext uri="{FF2B5EF4-FFF2-40B4-BE49-F238E27FC236}">
-                <a16:creationId xmlns:a16="http://schemas.microsoft.com/office/drawing/2014/main" id="{77D59C73-2E24-4418-9E62-B2516D9316A4}"/>
-              </a:ext>
-            </a:extLst>
-          </p:cNvPr>
-          <p:cNvSpPr/>
-          <p:nvPr/>
-        </p:nvSpPr>
-        <p:spPr>
-          <a:xfrm>
-            <a:off x="4383469" y="1491677"/>
-            <a:ext cx="3407982" cy="473730"/>
-          </a:xfrm>
-          <a:prstGeom prst="rect">
-            <a:avLst/>
-          </a:prstGeom>
-          <a:solidFill>
-            <a:srgbClr val="EA778E"/>
-          </a:solidFill>
-          <a:ln>
-            <a:solidFill>
-              <a:schemeClr val="bg2">
-                <a:lumMod val="50000"/>
-              </a:schemeClr>
-            </a:solidFill>
-          </a:ln>
-        </p:spPr>
-        <p:style>
-          <a:lnRef idx="2">
-            <a:schemeClr val="accent1">
-              <a:shade val="50000"/>
-            </a:schemeClr>
-          </a:lnRef>
-          <a:fillRef idx="1">
-            <a:schemeClr val="accent1"/>
-          </a:fillRef>
-          <a:effectRef idx="0">
-            <a:schemeClr val="accent1"/>
-          </a:effectRef>
-          <a:fontRef idx="minor">
-            <a:schemeClr val="lt1"/>
-          </a:fontRef>
-        </p:style>
-        <p:txBody>
-          <a:bodyPr rtlCol="0" anchor="ctr"/>
-          <a:lstStyle/>
-          <a:p>
-            <a:pPr algn="ctr"/>
-            <a:endParaRPr lang="ko-KR" altLang="en-US" dirty="0"/>
-          </a:p>
-        </p:txBody>
-      </p:sp>
-      <p:sp>
-        <p:nvSpPr>
-          <p:cNvPr id="110" name="직사각형 109">
-            <a:extLst>
-              <a:ext uri="{FF2B5EF4-FFF2-40B4-BE49-F238E27FC236}">
-                <a16:creationId xmlns:a16="http://schemas.microsoft.com/office/drawing/2014/main" id="{5CAB591B-4825-420D-962C-6243470B2CA3}"/>
-              </a:ext>
-            </a:extLst>
-          </p:cNvPr>
-          <p:cNvSpPr/>
-          <p:nvPr/>
-        </p:nvSpPr>
-        <p:spPr>
-          <a:xfrm>
-            <a:off x="4383469" y="1958071"/>
-            <a:ext cx="3407981" cy="473730"/>
-          </a:xfrm>
-          <a:prstGeom prst="rect">
-            <a:avLst/>
-          </a:prstGeom>
-          <a:solidFill>
-            <a:srgbClr val="EA778E"/>
-          </a:solidFill>
-          <a:ln>
-            <a:solidFill>
-              <a:schemeClr val="bg2">
-                <a:lumMod val="50000"/>
-              </a:schemeClr>
-            </a:solidFill>
-          </a:ln>
-        </p:spPr>
-        <p:style>
-          <a:lnRef idx="2">
-            <a:schemeClr val="accent1">
-              <a:shade val="50000"/>
-            </a:schemeClr>
-          </a:lnRef>
-          <a:fillRef idx="1">
-            <a:schemeClr val="accent1"/>
-          </a:fillRef>
-          <a:effectRef idx="0">
-            <a:schemeClr val="accent1"/>
-          </a:effectRef>
-          <a:fontRef idx="minor">
-            <a:schemeClr val="lt1"/>
-          </a:fontRef>
-        </p:style>
-        <p:txBody>
-          <a:bodyPr rtlCol="0" anchor="ctr"/>
-          <a:lstStyle/>
-          <a:p>
-            <a:pPr algn="ctr"/>
-            <a:endParaRPr lang="ko-KR" altLang="en-US" dirty="0"/>
-          </a:p>
-        </p:txBody>
-      </p:sp>
-      <p:sp>
-        <p:nvSpPr>
-          <p:cNvPr id="129" name="직사각형 128">
-            <a:extLst>
-              <a:ext uri="{FF2B5EF4-FFF2-40B4-BE49-F238E27FC236}">
-                <a16:creationId xmlns:a16="http://schemas.microsoft.com/office/drawing/2014/main" id="{8A3C3884-9D6B-45FA-9FDD-145C22B4B18A}"/>
-              </a:ext>
-            </a:extLst>
-          </p:cNvPr>
-          <p:cNvSpPr/>
-          <p:nvPr/>
-        </p:nvSpPr>
-        <p:spPr>
-          <a:xfrm>
-            <a:off x="4383469" y="2431396"/>
-            <a:ext cx="3407981" cy="473730"/>
-          </a:xfrm>
-          <a:prstGeom prst="rect">
-            <a:avLst/>
-          </a:prstGeom>
-          <a:solidFill>
-            <a:srgbClr val="EA778E"/>
-          </a:solidFill>
-          <a:ln>
-            <a:solidFill>
-              <a:schemeClr val="bg2">
-                <a:lumMod val="50000"/>
-              </a:schemeClr>
-            </a:solidFill>
-          </a:ln>
-        </p:spPr>
-        <p:style>
-          <a:lnRef idx="2">
-            <a:schemeClr val="accent1">
-              <a:shade val="50000"/>
-            </a:schemeClr>
-          </a:lnRef>
-          <a:fillRef idx="1">
-            <a:schemeClr val="accent1"/>
-          </a:fillRef>
-          <a:effectRef idx="0">
-            <a:schemeClr val="accent1"/>
-          </a:effectRef>
-          <a:fontRef idx="minor">
-            <a:schemeClr val="lt1"/>
-          </a:fontRef>
-        </p:style>
-        <p:txBody>
-          <a:bodyPr rtlCol="0" anchor="ctr"/>
-          <a:lstStyle/>
-          <a:p>
-            <a:pPr algn="ctr"/>
-            <a:endParaRPr lang="ko-KR" altLang="en-US"/>
-          </a:p>
-        </p:txBody>
-      </p:sp>
-      <p:sp>
-        <p:nvSpPr>
-          <p:cNvPr id="130" name="직사각형 129">
-            <a:extLst>
-              <a:ext uri="{FF2B5EF4-FFF2-40B4-BE49-F238E27FC236}">
-                <a16:creationId xmlns:a16="http://schemas.microsoft.com/office/drawing/2014/main" id="{230BFF1B-20D2-443F-B537-F313A2FB5C49}"/>
-              </a:ext>
-            </a:extLst>
-          </p:cNvPr>
-          <p:cNvSpPr/>
-          <p:nvPr/>
-        </p:nvSpPr>
-        <p:spPr>
-          <a:xfrm>
-            <a:off x="4386123" y="2902463"/>
-            <a:ext cx="3405327" cy="2907524"/>
-          </a:xfrm>
-          <a:prstGeom prst="rect">
-            <a:avLst/>
-          </a:prstGeom>
-          <a:solidFill>
-            <a:srgbClr val="ED6C89">
-              <a:alpha val="77000"/>
-            </a:srgbClr>
-          </a:solidFill>
-          <a:ln>
-            <a:solidFill>
-              <a:schemeClr val="bg2">
-                <a:lumMod val="50000"/>
-              </a:schemeClr>
-            </a:solidFill>
-          </a:ln>
-        </p:spPr>
-        <p:style>
-          <a:lnRef idx="2">
-            <a:schemeClr val="accent1">
-              <a:shade val="50000"/>
-            </a:schemeClr>
-          </a:lnRef>
-          <a:fillRef idx="1">
-            <a:schemeClr val="accent1"/>
-          </a:fillRef>
-          <a:effectRef idx="0">
-            <a:schemeClr val="accent1"/>
-          </a:effectRef>
-          <a:fontRef idx="minor">
-            <a:schemeClr val="lt1"/>
-          </a:fontRef>
-        </p:style>
-        <p:txBody>
-          <a:bodyPr rtlCol="0" anchor="ctr"/>
-          <a:lstStyle/>
-          <a:p>
-            <a:pPr algn="ctr"/>
-            <a:endParaRPr lang="ko-KR" altLang="en-US"/>
-          </a:p>
-        </p:txBody>
-      </p:sp>
-      <p:pic>
-        <p:nvPicPr>
-          <p:cNvPr id="9" name="그림 8">
-            <a:extLst>
-              <a:ext uri="{FF2B5EF4-FFF2-40B4-BE49-F238E27FC236}">
-                <a16:creationId xmlns:a16="http://schemas.microsoft.com/office/drawing/2014/main" id="{16558B26-3E5A-495F-B322-54307A6B730F}"/>
-              </a:ext>
-            </a:extLst>
-          </p:cNvPr>
-          <p:cNvPicPr>
-            <a:picLocks noChangeAspect="1"/>
-          </p:cNvPicPr>
-          <p:nvPr/>
-        </p:nvPicPr>
-        <p:blipFill>
-          <a:blip r:embed="rId4">
-            <a:extLst>
-              <a:ext uri="{28A0092B-C50C-407E-A947-70E740481C1C}">
-                <a14:useLocalDpi xmlns:a14="http://schemas.microsoft.com/office/drawing/2010/main" val="0"/>
-              </a:ext>
-            </a:extLst>
-          </a:blip>
-          <a:stretch>
-            <a:fillRect/>
-          </a:stretch>
-        </p:blipFill>
-        <p:spPr>
-          <a:xfrm>
-            <a:off x="4526659" y="1154985"/>
-            <a:ext cx="223979" cy="223979"/>
-          </a:xfrm>
-          <a:prstGeom prst="rect">
-            <a:avLst/>
-          </a:prstGeom>
-        </p:spPr>
-      </p:pic>
-      <p:sp>
-        <p:nvSpPr>
-          <p:cNvPr id="10" name="TextBox 9">
-            <a:extLst>
-              <a:ext uri="{FF2B5EF4-FFF2-40B4-BE49-F238E27FC236}">
-                <a16:creationId xmlns:a16="http://schemas.microsoft.com/office/drawing/2014/main" id="{7A030954-50E4-47E7-BDE0-BD76ADD62857}"/>
-              </a:ext>
-            </a:extLst>
-          </p:cNvPr>
-          <p:cNvSpPr txBox="1"/>
-          <p:nvPr/>
-        </p:nvSpPr>
-        <p:spPr>
-          <a:xfrm>
-            <a:off x="4924822" y="1087065"/>
-            <a:ext cx="2101718" cy="307777"/>
-          </a:xfrm>
-          <a:prstGeom prst="rect">
-            <a:avLst/>
-          </a:prstGeom>
-          <a:noFill/>
-        </p:spPr>
-        <p:txBody>
-          <a:bodyPr wrap="square" rtlCol="0">
-            <a:spAutoFit/>
-          </a:bodyPr>
-          <a:lstStyle/>
-          <a:p>
-            <a:r>
-              <a:rPr lang="en-US" altLang="ko-KR" sz="1400" dirty="0">
-                <a:solidFill>
-                  <a:schemeClr val="bg1"/>
-                </a:solidFill>
-                <a:latin typeface="a고딕13" panose="02020600000000000000" pitchFamily="18" charset="-127"/>
-                <a:ea typeface="a고딕13" panose="02020600000000000000" pitchFamily="18" charset="-127"/>
-              </a:rPr>
-              <a:t>Device Connect</a:t>
-            </a:r>
-            <a:endParaRPr lang="ko-KR" altLang="en-US" sz="1400" dirty="0">
-              <a:solidFill>
-                <a:schemeClr val="bg1"/>
-              </a:solidFill>
-              <a:latin typeface="a고딕13" panose="02020600000000000000" pitchFamily="18" charset="-127"/>
-              <a:ea typeface="a고딕13" panose="02020600000000000000" pitchFamily="18" charset="-127"/>
-            </a:endParaRPr>
-          </a:p>
-        </p:txBody>
-      </p:sp>
-      <p:pic>
-        <p:nvPicPr>
-          <p:cNvPr id="14" name="그림 13">
-            <a:extLst>
-              <a:ext uri="{FF2B5EF4-FFF2-40B4-BE49-F238E27FC236}">
-                <a16:creationId xmlns:a16="http://schemas.microsoft.com/office/drawing/2014/main" id="{72080181-D2E8-4596-90B9-A15765B3FDB3}"/>
-              </a:ext>
-            </a:extLst>
-          </p:cNvPr>
-          <p:cNvPicPr>
-            <a:picLocks noChangeAspect="1"/>
-          </p:cNvPicPr>
-          <p:nvPr/>
-        </p:nvPicPr>
-        <p:blipFill>
-          <a:blip r:embed="rId5">
-            <a:extLst>
-              <a:ext uri="{28A0092B-C50C-407E-A947-70E740481C1C}">
-                <a14:useLocalDpi xmlns:a14="http://schemas.microsoft.com/office/drawing/2010/main" val="0"/>
-              </a:ext>
-            </a:extLst>
-          </a:blip>
-          <a:stretch>
-            <a:fillRect/>
-          </a:stretch>
-        </p:blipFill>
-        <p:spPr>
-          <a:xfrm>
-            <a:off x="4526659" y="1621246"/>
-            <a:ext cx="223982" cy="223982"/>
-          </a:xfrm>
-          <a:prstGeom prst="rect">
-            <a:avLst/>
-          </a:prstGeom>
-        </p:spPr>
-      </p:pic>
-      <p:sp>
-        <p:nvSpPr>
-          <p:cNvPr id="132" name="TextBox 131">
-            <a:extLst>
-              <a:ext uri="{FF2B5EF4-FFF2-40B4-BE49-F238E27FC236}">
-                <a16:creationId xmlns:a16="http://schemas.microsoft.com/office/drawing/2014/main" id="{0E24CF51-0BF1-4AD6-92E4-DE95D7CA241B}"/>
-              </a:ext>
-            </a:extLst>
-          </p:cNvPr>
-          <p:cNvSpPr txBox="1"/>
-          <p:nvPr/>
-        </p:nvSpPr>
-        <p:spPr>
-          <a:xfrm>
-            <a:off x="4924822" y="1574653"/>
-            <a:ext cx="2101718" cy="307777"/>
-          </a:xfrm>
-          <a:prstGeom prst="rect">
-            <a:avLst/>
-          </a:prstGeom>
-          <a:noFill/>
-        </p:spPr>
-        <p:txBody>
-          <a:bodyPr wrap="square" rtlCol="0">
-            <a:spAutoFit/>
-          </a:bodyPr>
-          <a:lstStyle/>
-          <a:p>
-            <a:r>
-              <a:rPr lang="en-US" altLang="ko-KR" sz="1400" dirty="0">
-                <a:solidFill>
-                  <a:schemeClr val="bg1"/>
-                </a:solidFill>
-                <a:latin typeface="a고딕13" panose="02020600000000000000" pitchFamily="18" charset="-127"/>
-                <a:ea typeface="a고딕13" panose="02020600000000000000" pitchFamily="18" charset="-127"/>
-              </a:rPr>
-              <a:t>Sentiment interval</a:t>
-            </a:r>
-            <a:endParaRPr lang="ko-KR" altLang="en-US" sz="1400" dirty="0">
-              <a:solidFill>
-                <a:schemeClr val="bg1"/>
-              </a:solidFill>
-              <a:latin typeface="a고딕13" panose="02020600000000000000" pitchFamily="18" charset="-127"/>
-              <a:ea typeface="a고딕13" panose="02020600000000000000" pitchFamily="18" charset="-127"/>
-            </a:endParaRPr>
-          </a:p>
-        </p:txBody>
-      </p:sp>
-      <p:pic>
-        <p:nvPicPr>
-          <p:cNvPr id="17" name="그림 16">
-            <a:extLst>
-              <a:ext uri="{FF2B5EF4-FFF2-40B4-BE49-F238E27FC236}">
-                <a16:creationId xmlns:a16="http://schemas.microsoft.com/office/drawing/2014/main" id="{D45A38CD-559F-4A3C-A5B2-4CF392D8DB05}"/>
-              </a:ext>
-            </a:extLst>
-          </p:cNvPr>
-          <p:cNvPicPr>
-            <a:picLocks noChangeAspect="1"/>
-          </p:cNvPicPr>
-          <p:nvPr/>
-        </p:nvPicPr>
-        <p:blipFill>
-          <a:blip r:embed="rId6">
-            <a:extLst>
-              <a:ext uri="{28A0092B-C50C-407E-A947-70E740481C1C}">
-                <a14:useLocalDpi xmlns:a14="http://schemas.microsoft.com/office/drawing/2010/main" val="0"/>
-              </a:ext>
-            </a:extLst>
-          </a:blip>
-          <a:stretch>
-            <a:fillRect/>
-          </a:stretch>
-        </p:blipFill>
-        <p:spPr>
-          <a:xfrm>
-            <a:off x="4521105" y="2075002"/>
-            <a:ext cx="235085" cy="235085"/>
-          </a:xfrm>
-          <a:prstGeom prst="rect">
-            <a:avLst/>
-          </a:prstGeom>
-        </p:spPr>
-      </p:pic>
-      <p:sp>
-        <p:nvSpPr>
-          <p:cNvPr id="133" name="TextBox 132">
-            <a:extLst>
-              <a:ext uri="{FF2B5EF4-FFF2-40B4-BE49-F238E27FC236}">
-                <a16:creationId xmlns:a16="http://schemas.microsoft.com/office/drawing/2014/main" id="{5C146C05-F4D3-4EA9-BE0C-D40F717919CC}"/>
-              </a:ext>
-            </a:extLst>
-          </p:cNvPr>
-          <p:cNvSpPr txBox="1"/>
-          <p:nvPr/>
-        </p:nvSpPr>
-        <p:spPr>
-          <a:xfrm>
-            <a:off x="4924822" y="2029387"/>
-            <a:ext cx="2101718" cy="307777"/>
-          </a:xfrm>
-          <a:prstGeom prst="rect">
-            <a:avLst/>
-          </a:prstGeom>
-          <a:noFill/>
-        </p:spPr>
-        <p:txBody>
-          <a:bodyPr wrap="square" rtlCol="0">
-            <a:spAutoFit/>
-          </a:bodyPr>
-          <a:lstStyle/>
-          <a:p>
-            <a:r>
-              <a:rPr lang="en-US" altLang="ko-KR" sz="1400" dirty="0">
-                <a:solidFill>
-                  <a:schemeClr val="bg1"/>
-                </a:solidFill>
-                <a:latin typeface="a고딕13" panose="02020600000000000000" pitchFamily="18" charset="-127"/>
-                <a:ea typeface="a고딕13" panose="02020600000000000000" pitchFamily="18" charset="-127"/>
-              </a:rPr>
-              <a:t>Sentiment stop time</a:t>
-            </a:r>
-            <a:endParaRPr lang="ko-KR" altLang="en-US" sz="1400" dirty="0">
-              <a:solidFill>
-                <a:schemeClr val="bg1"/>
-              </a:solidFill>
-              <a:latin typeface="a고딕13" panose="02020600000000000000" pitchFamily="18" charset="-127"/>
-              <a:ea typeface="a고딕13" panose="02020600000000000000" pitchFamily="18" charset="-127"/>
-            </a:endParaRPr>
-          </a:p>
-        </p:txBody>
-      </p:sp>
-      <p:sp>
-        <p:nvSpPr>
-          <p:cNvPr id="19" name="화살표: 갈매기형 수장 18">
-            <a:extLst>
-              <a:ext uri="{FF2B5EF4-FFF2-40B4-BE49-F238E27FC236}">
-                <a16:creationId xmlns:a16="http://schemas.microsoft.com/office/drawing/2014/main" id="{582A1646-77C2-4DA1-AD7E-6F990CFAAF82}"/>
-              </a:ext>
-            </a:extLst>
-          </p:cNvPr>
-          <p:cNvSpPr/>
-          <p:nvPr/>
-        </p:nvSpPr>
-        <p:spPr>
-          <a:xfrm>
-            <a:off x="7536820" y="1175340"/>
-            <a:ext cx="70558" cy="176497"/>
-          </a:xfrm>
-          <a:prstGeom prst="chevron">
-            <a:avLst>
-              <a:gd name="adj" fmla="val 93836"/>
-            </a:avLst>
-          </a:prstGeom>
-          <a:solidFill>
-            <a:schemeClr val="bg1"/>
-          </a:solidFill>
-          <a:ln>
-            <a:solidFill>
-              <a:schemeClr val="bg1"/>
-            </a:solidFill>
-          </a:ln>
-        </p:spPr>
-        <p:style>
-          <a:lnRef idx="2">
-            <a:schemeClr val="accent1">
-              <a:shade val="50000"/>
-            </a:schemeClr>
-          </a:lnRef>
-          <a:fillRef idx="1">
-            <a:schemeClr val="accent1"/>
-          </a:fillRef>
-          <a:effectRef idx="0">
-            <a:schemeClr val="accent1"/>
-          </a:effectRef>
-          <a:fontRef idx="minor">
-            <a:schemeClr val="lt1"/>
-          </a:fontRef>
-        </p:style>
-        <p:txBody>
-          <a:bodyPr rtlCol="0" anchor="ctr"/>
-          <a:lstStyle/>
-          <a:p>
-            <a:pPr algn="ctr"/>
-            <a:endParaRPr lang="ko-KR" altLang="en-US">
-              <a:solidFill>
-                <a:schemeClr val="tx1"/>
-              </a:solidFill>
-            </a:endParaRPr>
-          </a:p>
-        </p:txBody>
-      </p:sp>
-      <p:sp>
-        <p:nvSpPr>
-          <p:cNvPr id="135" name="화살표: 갈매기형 수장 134">
-            <a:extLst>
-              <a:ext uri="{FF2B5EF4-FFF2-40B4-BE49-F238E27FC236}">
-                <a16:creationId xmlns:a16="http://schemas.microsoft.com/office/drawing/2014/main" id="{5953A84B-701B-4398-9CF8-83F2ADA0E7D2}"/>
-              </a:ext>
-            </a:extLst>
-          </p:cNvPr>
-          <p:cNvSpPr/>
-          <p:nvPr/>
-        </p:nvSpPr>
-        <p:spPr>
-          <a:xfrm>
-            <a:off x="7536820" y="1650493"/>
-            <a:ext cx="70558" cy="176497"/>
-          </a:xfrm>
-          <a:prstGeom prst="chevron">
-            <a:avLst>
-              <a:gd name="adj" fmla="val 93836"/>
-            </a:avLst>
-          </a:prstGeom>
-          <a:solidFill>
-            <a:schemeClr val="bg1"/>
-          </a:solidFill>
-          <a:ln>
-            <a:solidFill>
-              <a:schemeClr val="bg1"/>
-            </a:solidFill>
-          </a:ln>
-        </p:spPr>
-        <p:style>
-          <a:lnRef idx="2">
-            <a:schemeClr val="accent1">
-              <a:shade val="50000"/>
-            </a:schemeClr>
-          </a:lnRef>
-          <a:fillRef idx="1">
-            <a:schemeClr val="accent1"/>
-          </a:fillRef>
-          <a:effectRef idx="0">
-            <a:schemeClr val="accent1"/>
-          </a:effectRef>
-          <a:fontRef idx="minor">
-            <a:schemeClr val="lt1"/>
-          </a:fontRef>
-        </p:style>
-        <p:txBody>
-          <a:bodyPr rtlCol="0" anchor="ctr"/>
-          <a:lstStyle/>
-          <a:p>
-            <a:pPr algn="ctr"/>
-            <a:endParaRPr lang="ko-KR" altLang="en-US">
-              <a:solidFill>
-                <a:schemeClr val="tx1"/>
-              </a:solidFill>
-            </a:endParaRPr>
-          </a:p>
-        </p:txBody>
-      </p:sp>
-      <p:sp>
-        <p:nvSpPr>
-          <p:cNvPr id="136" name="화살표: 갈매기형 수장 135">
-            <a:extLst>
-              <a:ext uri="{FF2B5EF4-FFF2-40B4-BE49-F238E27FC236}">
-                <a16:creationId xmlns:a16="http://schemas.microsoft.com/office/drawing/2014/main" id="{B636FA14-18A2-46D3-A84C-BC3A32CB38DB}"/>
-              </a:ext>
-            </a:extLst>
-          </p:cNvPr>
-          <p:cNvSpPr/>
-          <p:nvPr/>
-        </p:nvSpPr>
-        <p:spPr>
-          <a:xfrm>
-            <a:off x="7536820" y="2105996"/>
-            <a:ext cx="70558" cy="176497"/>
-          </a:xfrm>
-          <a:prstGeom prst="chevron">
-            <a:avLst>
-              <a:gd name="adj" fmla="val 93836"/>
-            </a:avLst>
-          </a:prstGeom>
-          <a:solidFill>
-            <a:schemeClr val="bg1"/>
-          </a:solidFill>
-          <a:ln>
-            <a:solidFill>
-              <a:schemeClr val="bg1"/>
-            </a:solidFill>
-          </a:ln>
-        </p:spPr>
-        <p:style>
-          <a:lnRef idx="2">
-            <a:schemeClr val="accent1">
-              <a:shade val="50000"/>
-            </a:schemeClr>
-          </a:lnRef>
-          <a:fillRef idx="1">
-            <a:schemeClr val="accent1"/>
-          </a:fillRef>
-          <a:effectRef idx="0">
-            <a:schemeClr val="accent1"/>
-          </a:effectRef>
-          <a:fontRef idx="minor">
-            <a:schemeClr val="lt1"/>
-          </a:fontRef>
-        </p:style>
-        <p:txBody>
-          <a:bodyPr rtlCol="0" anchor="ctr"/>
-          <a:lstStyle/>
-          <a:p>
-            <a:pPr algn="ctr"/>
-            <a:endParaRPr lang="ko-KR" altLang="en-US">
-              <a:solidFill>
-                <a:schemeClr val="tx1"/>
-              </a:solidFill>
-            </a:endParaRPr>
-          </a:p>
-        </p:txBody>
-      </p:sp>
-      <p:pic>
-        <p:nvPicPr>
-          <p:cNvPr id="23" name="그림 22">
-            <a:extLst>
-              <a:ext uri="{FF2B5EF4-FFF2-40B4-BE49-F238E27FC236}">
-                <a16:creationId xmlns:a16="http://schemas.microsoft.com/office/drawing/2014/main" id="{030B5EC1-F355-4468-8FEB-D94611D59DA5}"/>
-              </a:ext>
-            </a:extLst>
-          </p:cNvPr>
-          <p:cNvPicPr>
-            <a:picLocks noChangeAspect="1"/>
-          </p:cNvPicPr>
-          <p:nvPr/>
-        </p:nvPicPr>
-        <p:blipFill>
-          <a:blip r:embed="rId7">
-            <a:extLst>
-              <a:ext uri="{28A0092B-C50C-407E-A947-70E740481C1C}">
-                <a14:useLocalDpi xmlns:a14="http://schemas.microsoft.com/office/drawing/2010/main" val="0"/>
-              </a:ext>
-            </a:extLst>
-          </a:blip>
-          <a:stretch>
-            <a:fillRect/>
-          </a:stretch>
-        </p:blipFill>
-        <p:spPr>
-          <a:xfrm>
-            <a:off x="4521105" y="2537019"/>
-            <a:ext cx="264129" cy="264129"/>
-          </a:xfrm>
-          <a:prstGeom prst="rect">
-            <a:avLst/>
-          </a:prstGeom>
-        </p:spPr>
-      </p:pic>
-      <p:sp>
-        <p:nvSpPr>
-          <p:cNvPr id="137" name="TextBox 136">
-            <a:extLst>
-              <a:ext uri="{FF2B5EF4-FFF2-40B4-BE49-F238E27FC236}">
-                <a16:creationId xmlns:a16="http://schemas.microsoft.com/office/drawing/2014/main" id="{36BCFE22-F75D-4725-A1D2-63C0385229A9}"/>
-              </a:ext>
-            </a:extLst>
-          </p:cNvPr>
-          <p:cNvSpPr txBox="1"/>
-          <p:nvPr/>
-        </p:nvSpPr>
-        <p:spPr>
-          <a:xfrm>
-            <a:off x="4924822" y="2519995"/>
-            <a:ext cx="2101718" cy="307777"/>
-          </a:xfrm>
-          <a:prstGeom prst="rect">
-            <a:avLst/>
-          </a:prstGeom>
-          <a:noFill/>
-        </p:spPr>
-        <p:txBody>
-          <a:bodyPr wrap="square" rtlCol="0">
-            <a:spAutoFit/>
-          </a:bodyPr>
-          <a:lstStyle/>
-          <a:p>
-            <a:r>
-              <a:rPr lang="en-US" altLang="ko-KR" sz="1400" dirty="0">
-                <a:solidFill>
-                  <a:schemeClr val="bg1"/>
-                </a:solidFill>
-                <a:latin typeface="a고딕13" panose="02020600000000000000" pitchFamily="18" charset="-127"/>
-                <a:ea typeface="a고딕13" panose="02020600000000000000" pitchFamily="18" charset="-127"/>
-              </a:rPr>
-              <a:t>Notification</a:t>
-            </a:r>
-            <a:endParaRPr lang="ko-KR" altLang="en-US" sz="1400" dirty="0">
-              <a:solidFill>
-                <a:schemeClr val="bg1"/>
-              </a:solidFill>
-              <a:latin typeface="a고딕13" panose="02020600000000000000" pitchFamily="18" charset="-127"/>
-              <a:ea typeface="a고딕13" panose="02020600000000000000" pitchFamily="18" charset="-127"/>
-            </a:endParaRPr>
-          </a:p>
-        </p:txBody>
-      </p:sp>
-      <p:pic>
-        <p:nvPicPr>
-          <p:cNvPr id="27" name="그림 26">
-            <a:extLst>
-              <a:ext uri="{FF2B5EF4-FFF2-40B4-BE49-F238E27FC236}">
-                <a16:creationId xmlns:a16="http://schemas.microsoft.com/office/drawing/2014/main" id="{FAC4126E-411B-477D-B054-823196E043A0}"/>
-              </a:ext>
-            </a:extLst>
-          </p:cNvPr>
-          <p:cNvPicPr>
-            <a:picLocks noChangeAspect="1"/>
-          </p:cNvPicPr>
-          <p:nvPr/>
-        </p:nvPicPr>
-        <p:blipFill>
-          <a:blip r:embed="rId8">
-            <a:duotone>
-              <a:schemeClr val="accent2">
-                <a:shade val="45000"/>
-                <a:satMod val="135000"/>
-              </a:schemeClr>
-              <a:prstClr val="white"/>
-            </a:duotone>
-            <a:extLst>
-              <a:ext uri="{28A0092B-C50C-407E-A947-70E740481C1C}">
-                <a14:useLocalDpi xmlns:a14="http://schemas.microsoft.com/office/drawing/2010/main" val="0"/>
-              </a:ext>
-            </a:extLst>
-          </a:blip>
-          <a:stretch>
-            <a:fillRect/>
-          </a:stretch>
-        </p:blipFill>
-        <p:spPr>
-          <a:xfrm>
-            <a:off x="7362301" y="2492119"/>
-            <a:ext cx="341857" cy="368143"/>
-          </a:xfrm>
-          <a:prstGeom prst="rect">
-            <a:avLst/>
-          </a:prstGeom>
-        </p:spPr>
-      </p:pic>
-      <p:sp>
-        <p:nvSpPr>
-          <p:cNvPr id="143" name="직사각형 142">
-            <a:extLst>
-              <a:ext uri="{FF2B5EF4-FFF2-40B4-BE49-F238E27FC236}">
-                <a16:creationId xmlns:a16="http://schemas.microsoft.com/office/drawing/2014/main" id="{59DF92D8-FBFC-44A0-AFF8-A70DCB354913}"/>
-              </a:ext>
-            </a:extLst>
-          </p:cNvPr>
-          <p:cNvSpPr/>
-          <p:nvPr/>
-        </p:nvSpPr>
-        <p:spPr>
-          <a:xfrm>
-            <a:off x="4383469" y="2894270"/>
-            <a:ext cx="3407981" cy="473730"/>
-          </a:xfrm>
-          <a:prstGeom prst="rect">
-            <a:avLst/>
-          </a:prstGeom>
-          <a:solidFill>
-            <a:srgbClr val="EA778E"/>
-          </a:solidFill>
-          <a:ln>
-            <a:solidFill>
-              <a:schemeClr val="bg2">
-                <a:lumMod val="50000"/>
-              </a:schemeClr>
-            </a:solidFill>
-          </a:ln>
-        </p:spPr>
-        <p:style>
-          <a:lnRef idx="2">
-            <a:schemeClr val="accent1">
-              <a:shade val="50000"/>
-            </a:schemeClr>
-          </a:lnRef>
-          <a:fillRef idx="1">
-            <a:schemeClr val="accent1"/>
-          </a:fillRef>
-          <a:effectRef idx="0">
-            <a:schemeClr val="accent1"/>
-          </a:effectRef>
-          <a:fontRef idx="minor">
-            <a:schemeClr val="lt1"/>
-          </a:fontRef>
-        </p:style>
-        <p:txBody>
-          <a:bodyPr rtlCol="0" anchor="ctr"/>
-          <a:lstStyle/>
-          <a:p>
-            <a:pPr algn="ctr"/>
-            <a:endParaRPr lang="ko-KR" altLang="en-US"/>
-          </a:p>
-        </p:txBody>
-      </p:sp>
-      <p:sp>
-        <p:nvSpPr>
-          <p:cNvPr id="145" name="TextBox 144">
-            <a:extLst>
-              <a:ext uri="{FF2B5EF4-FFF2-40B4-BE49-F238E27FC236}">
-                <a16:creationId xmlns:a16="http://schemas.microsoft.com/office/drawing/2014/main" id="{0B9B5A33-680A-4A22-8845-7E0618960418}"/>
-              </a:ext>
-            </a:extLst>
-          </p:cNvPr>
-          <p:cNvSpPr txBox="1"/>
-          <p:nvPr/>
-        </p:nvSpPr>
-        <p:spPr>
-          <a:xfrm>
-            <a:off x="4924822" y="2982869"/>
-            <a:ext cx="2101718" cy="307777"/>
-          </a:xfrm>
-          <a:prstGeom prst="rect">
-            <a:avLst/>
-          </a:prstGeom>
-          <a:noFill/>
-        </p:spPr>
-        <p:txBody>
-          <a:bodyPr wrap="square" rtlCol="0">
-            <a:spAutoFit/>
-          </a:bodyPr>
-          <a:lstStyle/>
-          <a:p>
-            <a:r>
-              <a:rPr lang="en-US" altLang="ko-KR" sz="1400" dirty="0">
-                <a:solidFill>
-                  <a:schemeClr val="bg1"/>
-                </a:solidFill>
-                <a:latin typeface="a고딕13" panose="02020600000000000000" pitchFamily="18" charset="-127"/>
-                <a:ea typeface="a고딕13" panose="02020600000000000000" pitchFamily="18" charset="-127"/>
-              </a:rPr>
-              <a:t>Guidelines</a:t>
-            </a:r>
-            <a:endParaRPr lang="ko-KR" altLang="en-US" sz="1400" dirty="0">
-              <a:solidFill>
-                <a:schemeClr val="bg1"/>
-              </a:solidFill>
-              <a:latin typeface="a고딕13" panose="02020600000000000000" pitchFamily="18" charset="-127"/>
-              <a:ea typeface="a고딕13" panose="02020600000000000000" pitchFamily="18" charset="-127"/>
-            </a:endParaRPr>
-          </a:p>
-        </p:txBody>
-      </p:sp>
-      <p:sp>
-        <p:nvSpPr>
-          <p:cNvPr id="147" name="화살표: 갈매기형 수장 146">
-            <a:extLst>
-              <a:ext uri="{FF2B5EF4-FFF2-40B4-BE49-F238E27FC236}">
-                <a16:creationId xmlns:a16="http://schemas.microsoft.com/office/drawing/2014/main" id="{3D70AD7A-6156-4E7D-8242-4BE9B7D4EDE1}"/>
-              </a:ext>
-            </a:extLst>
-          </p:cNvPr>
-          <p:cNvSpPr/>
-          <p:nvPr/>
-        </p:nvSpPr>
-        <p:spPr>
-          <a:xfrm>
-            <a:off x="7536820" y="3059621"/>
-            <a:ext cx="70558" cy="176497"/>
-          </a:xfrm>
-          <a:prstGeom prst="chevron">
-            <a:avLst>
-              <a:gd name="adj" fmla="val 93836"/>
-            </a:avLst>
-          </a:prstGeom>
-          <a:solidFill>
-            <a:schemeClr val="bg1"/>
-          </a:solidFill>
-          <a:ln>
-            <a:solidFill>
-              <a:schemeClr val="bg1"/>
-            </a:solidFill>
-          </a:ln>
-        </p:spPr>
-        <p:style>
-          <a:lnRef idx="2">
-            <a:schemeClr val="accent1">
-              <a:shade val="50000"/>
-            </a:schemeClr>
-          </a:lnRef>
-          <a:fillRef idx="1">
-            <a:schemeClr val="accent1"/>
-          </a:fillRef>
-          <a:effectRef idx="0">
-            <a:schemeClr val="accent1"/>
-          </a:effectRef>
-          <a:fontRef idx="minor">
-            <a:schemeClr val="lt1"/>
-          </a:fontRef>
-        </p:style>
-        <p:txBody>
-          <a:bodyPr rtlCol="0" anchor="ctr"/>
-          <a:lstStyle/>
-          <a:p>
-            <a:pPr algn="ctr"/>
-            <a:endParaRPr lang="ko-KR" altLang="en-US">
-              <a:solidFill>
-                <a:schemeClr val="tx1"/>
-              </a:solidFill>
-            </a:endParaRPr>
-          </a:p>
-        </p:txBody>
-      </p:sp>
-      <p:pic>
-        <p:nvPicPr>
-          <p:cNvPr id="1028" name="Picture 4" descr="book iconì ëí ì´ë¯¸ì§ ê²ìê²°ê³¼">
-            <a:extLst>
-              <a:ext uri="{FF2B5EF4-FFF2-40B4-BE49-F238E27FC236}">
-                <a16:creationId xmlns:a16="http://schemas.microsoft.com/office/drawing/2014/main" id="{DDCE3C93-7F8A-4E0F-B6F9-B60EC6FD002B}"/>
-              </a:ext>
-            </a:extLst>
-          </p:cNvPr>
-          <p:cNvPicPr>
-            <a:picLocks noChangeAspect="1" noChangeArrowheads="1"/>
-          </p:cNvPicPr>
-          <p:nvPr/>
-        </p:nvPicPr>
-        <p:blipFill>
-          <a:blip r:embed="rId9">
-            <a:extLst>
-              <a:ext uri="{28A0092B-C50C-407E-A947-70E740481C1C}">
-                <a14:useLocalDpi xmlns:a14="http://schemas.microsoft.com/office/drawing/2010/main" val="0"/>
-              </a:ext>
-            </a:extLst>
-          </a:blip>
-          <a:srcRect/>
-          <a:stretch>
-            <a:fillRect/>
-          </a:stretch>
-        </p:blipFill>
-        <p:spPr bwMode="auto">
-          <a:xfrm>
-            <a:off x="4546283" y="3010344"/>
-            <a:ext cx="230646" cy="230644"/>
-          </a:xfrm>
-          <a:prstGeom prst="rect">
-            <a:avLst/>
-          </a:prstGeom>
-          <a:noFill/>
-          <a:extLst>
-            <a:ext uri="{909E8E84-426E-40DD-AFC4-6F175D3DCCD1}">
-              <a14:hiddenFill xmlns:a14="http://schemas.microsoft.com/office/drawing/2010/main">
-                <a:solidFill>
-                  <a:srgbClr val="FFFFFF"/>
-                </a:solidFill>
-              </a14:hiddenFill>
-            </a:ext>
-          </a:extLst>
-        </p:spPr>
-      </p:pic>
-      <p:sp>
-        <p:nvSpPr>
-          <p:cNvPr id="148" name="사각형: 둥근 모서리 147">
-            <a:extLst>
-              <a:ext uri="{FF2B5EF4-FFF2-40B4-BE49-F238E27FC236}">
-                <a16:creationId xmlns:a16="http://schemas.microsoft.com/office/drawing/2014/main" id="{F1759628-A26C-48B0-8F28-F348CE5168C7}"/>
-              </a:ext>
-            </a:extLst>
-          </p:cNvPr>
-          <p:cNvSpPr/>
-          <p:nvPr/>
-        </p:nvSpPr>
-        <p:spPr>
-          <a:xfrm>
-            <a:off x="3522175" y="514351"/>
-            <a:ext cx="859931" cy="5783406"/>
-          </a:xfrm>
-          <a:prstGeom prst="roundRect">
-            <a:avLst>
-              <a:gd name="adj" fmla="val 3788"/>
-            </a:avLst>
-          </a:prstGeom>
-          <a:solidFill>
-            <a:schemeClr val="bg1"/>
-          </a:solidFill>
-          <a:ln>
-            <a:solidFill>
-              <a:schemeClr val="bg1"/>
-            </a:solidFill>
-          </a:ln>
-        </p:spPr>
-        <p:style>
-          <a:lnRef idx="2">
-            <a:schemeClr val="accent1">
-              <a:shade val="50000"/>
-            </a:schemeClr>
-          </a:lnRef>
-          <a:fillRef idx="1">
-            <a:schemeClr val="accent1"/>
-          </a:fillRef>
-          <a:effectRef idx="0">
-            <a:schemeClr val="accent1"/>
-          </a:effectRef>
-          <a:fontRef idx="minor">
-            <a:schemeClr val="lt1"/>
-          </a:fontRef>
-        </p:style>
-        <p:txBody>
-          <a:bodyPr rtlCol="0" anchor="ctr"/>
-          <a:lstStyle/>
-          <a:p>
-            <a:pPr algn="ctr"/>
-            <a:endParaRPr lang="ko-KR" altLang="en-US" dirty="0"/>
-          </a:p>
-        </p:txBody>
-      </p:sp>
-      <p:pic>
-        <p:nvPicPr>
-          <p:cNvPr id="150" name="그림 149">
-            <a:extLst>
-              <a:ext uri="{FF2B5EF4-FFF2-40B4-BE49-F238E27FC236}">
-                <a16:creationId xmlns:a16="http://schemas.microsoft.com/office/drawing/2014/main" id="{5188DFA1-3C2A-401C-A315-5AB268E88D0B}"/>
-              </a:ext>
-            </a:extLst>
-          </p:cNvPr>
-          <p:cNvPicPr>
-            <a:picLocks noChangeAspect="1"/>
-          </p:cNvPicPr>
-          <p:nvPr/>
-        </p:nvPicPr>
-        <p:blipFill>
-          <a:blip r:embed="rId10">
-            <a:extLst>
-              <a:ext uri="{28A0092B-C50C-407E-A947-70E740481C1C}">
-                <a14:useLocalDpi xmlns:a14="http://schemas.microsoft.com/office/drawing/2010/main" val="0"/>
-              </a:ext>
-            </a:extLst>
-          </a:blip>
-          <a:stretch>
-            <a:fillRect/>
-          </a:stretch>
-        </p:blipFill>
-        <p:spPr>
-          <a:xfrm>
-            <a:off x="7263692" y="622877"/>
-            <a:ext cx="447180" cy="402905"/>
-          </a:xfrm>
-          <a:prstGeom prst="rect">
-            <a:avLst/>
-          </a:prstGeom>
-        </p:spPr>
-      </p:pic>
-      <p:pic>
-        <p:nvPicPr>
-          <p:cNvPr id="5" name="그림 4">
-            <a:extLst>
-              <a:ext uri="{FF2B5EF4-FFF2-40B4-BE49-F238E27FC236}">
-                <a16:creationId xmlns:a16="http://schemas.microsoft.com/office/drawing/2014/main" id="{96163B9D-24FB-4971-9C1B-2663CF488F04}"/>
-              </a:ext>
-            </a:extLst>
-          </p:cNvPr>
-          <p:cNvPicPr>
-            <a:picLocks noChangeAspect="1"/>
-          </p:cNvPicPr>
-          <p:nvPr/>
-        </p:nvPicPr>
-        <p:blipFill>
-          <a:blip r:embed="rId11">
-            <a:extLst>
-              <a:ext uri="{28A0092B-C50C-407E-A947-70E740481C1C}">
-                <a14:useLocalDpi xmlns:a14="http://schemas.microsoft.com/office/drawing/2010/main" val="0"/>
-              </a:ext>
-            </a:extLst>
-          </a:blip>
-          <a:stretch>
-            <a:fillRect/>
-          </a:stretch>
-        </p:blipFill>
-        <p:spPr>
-          <a:xfrm>
-            <a:off x="6653712" y="5862608"/>
-            <a:ext cx="242576" cy="242576"/>
-          </a:xfrm>
-          <a:prstGeom prst="rect">
-            <a:avLst/>
-          </a:prstGeom>
-        </p:spPr>
-      </p:pic>
-      <p:pic>
-        <p:nvPicPr>
-          <p:cNvPr id="7" name="그림 6">
-            <a:extLst>
-              <a:ext uri="{FF2B5EF4-FFF2-40B4-BE49-F238E27FC236}">
-                <a16:creationId xmlns:a16="http://schemas.microsoft.com/office/drawing/2014/main" id="{B562D654-FA66-45E0-BEF2-9C9CEEEF21AB}"/>
-              </a:ext>
-            </a:extLst>
-          </p:cNvPr>
-          <p:cNvPicPr>
-            <a:picLocks noChangeAspect="1"/>
-          </p:cNvPicPr>
-          <p:nvPr/>
-        </p:nvPicPr>
-        <p:blipFill>
-          <a:blip r:embed="rId12">
-            <a:extLst>
-              <a:ext uri="{28A0092B-C50C-407E-A947-70E740481C1C}">
-                <a14:useLocalDpi xmlns:a14="http://schemas.microsoft.com/office/drawing/2010/main" val="0"/>
-              </a:ext>
-            </a:extLst>
-          </a:blip>
-          <a:stretch>
-            <a:fillRect/>
-          </a:stretch>
-        </p:blipFill>
-        <p:spPr>
-          <a:xfrm>
-            <a:off x="5931465" y="5869800"/>
-            <a:ext cx="242576" cy="242576"/>
-          </a:xfrm>
-          <a:prstGeom prst="rect">
-            <a:avLst/>
-          </a:prstGeom>
-        </p:spPr>
-      </p:pic>
-      <p:pic>
-        <p:nvPicPr>
-          <p:cNvPr id="11" name="그림 10">
-            <a:extLst>
-              <a:ext uri="{FF2B5EF4-FFF2-40B4-BE49-F238E27FC236}">
-                <a16:creationId xmlns:a16="http://schemas.microsoft.com/office/drawing/2014/main" id="{FDF77F4C-5958-4219-85F3-010926870685}"/>
-              </a:ext>
-            </a:extLst>
-          </p:cNvPr>
-          <p:cNvPicPr>
-            <a:picLocks noChangeAspect="1"/>
-          </p:cNvPicPr>
-          <p:nvPr/>
-        </p:nvPicPr>
-        <p:blipFill>
-          <a:blip r:embed="rId13">
-            <a:extLst>
-              <a:ext uri="{28A0092B-C50C-407E-A947-70E740481C1C}">
-                <a14:useLocalDpi xmlns:a14="http://schemas.microsoft.com/office/drawing/2010/main" val="0"/>
-              </a:ext>
-            </a:extLst>
-          </a:blip>
-          <a:stretch>
-            <a:fillRect/>
-          </a:stretch>
-        </p:blipFill>
-        <p:spPr>
-          <a:xfrm>
-            <a:off x="4542680" y="5852086"/>
-            <a:ext cx="242239" cy="242239"/>
-          </a:xfrm>
-          <a:prstGeom prst="rect">
-            <a:avLst/>
-          </a:prstGeom>
-        </p:spPr>
-      </p:pic>
-      <p:pic>
-        <p:nvPicPr>
-          <p:cNvPr id="15" name="그림 14">
-            <a:extLst>
-              <a:ext uri="{FF2B5EF4-FFF2-40B4-BE49-F238E27FC236}">
-                <a16:creationId xmlns:a16="http://schemas.microsoft.com/office/drawing/2014/main" id="{1AC08628-4A30-4921-9DD3-481B0DA4F328}"/>
-              </a:ext>
-            </a:extLst>
-          </p:cNvPr>
-          <p:cNvPicPr>
-            <a:picLocks noChangeAspect="1"/>
-          </p:cNvPicPr>
-          <p:nvPr/>
-        </p:nvPicPr>
-        <p:blipFill>
-          <a:blip r:embed="rId14">
-            <a:extLst>
-              <a:ext uri="{28A0092B-C50C-407E-A947-70E740481C1C}">
-                <a14:useLocalDpi xmlns:a14="http://schemas.microsoft.com/office/drawing/2010/main" val="0"/>
-              </a:ext>
-            </a:extLst>
-          </a:blip>
-          <a:stretch>
-            <a:fillRect/>
-          </a:stretch>
-        </p:blipFill>
-        <p:spPr>
-          <a:xfrm>
-            <a:off x="7362301" y="5852188"/>
-            <a:ext cx="283419" cy="283419"/>
-          </a:xfrm>
-          <a:prstGeom prst="rect">
-            <a:avLst/>
-          </a:prstGeom>
-        </p:spPr>
-      </p:pic>
-      <p:pic>
-        <p:nvPicPr>
-          <p:cNvPr id="18" name="그림 17">
-            <a:extLst>
-              <a:ext uri="{FF2B5EF4-FFF2-40B4-BE49-F238E27FC236}">
-                <a16:creationId xmlns:a16="http://schemas.microsoft.com/office/drawing/2014/main" id="{EABC2E9A-79D4-4BB6-A27C-014F2DBE361B}"/>
-              </a:ext>
-            </a:extLst>
-          </p:cNvPr>
-          <p:cNvPicPr>
-            <a:picLocks noChangeAspect="1"/>
-          </p:cNvPicPr>
-          <p:nvPr/>
-        </p:nvPicPr>
-        <p:blipFill>
-          <a:blip r:embed="rId15">
-            <a:extLst>
-              <a:ext uri="{28A0092B-C50C-407E-A947-70E740481C1C}">
-                <a14:useLocalDpi xmlns:a14="http://schemas.microsoft.com/office/drawing/2010/main" val="0"/>
-              </a:ext>
-            </a:extLst>
-          </a:blip>
-          <a:stretch>
-            <a:fillRect/>
-          </a:stretch>
-        </p:blipFill>
-        <p:spPr>
-          <a:xfrm>
-            <a:off x="5121161" y="5862608"/>
-            <a:ext cx="242239" cy="242239"/>
-          </a:xfrm>
-          <a:prstGeom prst="rect">
-            <a:avLst/>
-          </a:prstGeom>
-        </p:spPr>
-      </p:pic>
-    </p:spTree>
-    <p:extLst>
-      <p:ext uri="{BB962C8B-B14F-4D97-AF65-F5344CB8AC3E}">
-        <p14:creationId xmlns:p14="http://schemas.microsoft.com/office/powerpoint/2010/main" val="1424528827"/>
-      </p:ext>
-    </p:extLst>
-  </p:cSld>
-  <p:clrMapOvr>
-    <a:masterClrMapping/>
-  </p:clrMapOvr>
-</p:sld>
-</file>
-
-<file path=ppt/slides/slide15.xml><?xml version="1.0" encoding="utf-8"?>
-<p:sld xmlns:a="http://schemas.openxmlformats.org/drawingml/2006/main" xmlns:r="http://schemas.openxmlformats.org/officeDocument/2006/relationships" xmlns:p="http://schemas.openxmlformats.org/presentationml/2006/main">
-  <p:cSld>
-    <p:spTree>
-      <p:nvGrpSpPr>
-        <p:cNvPr id="1" name=""/>
-        <p:cNvGrpSpPr/>
-        <p:nvPr/>
-      </p:nvGrpSpPr>
-      <p:grpSpPr>
-        <a:xfrm>
-          <a:off x="0" y="0"/>
-          <a:ext cx="0" cy="0"/>
-          <a:chOff x="0" y="0"/>
-          <a:chExt cx="0" cy="0"/>
-        </a:xfrm>
-      </p:grpSpPr>
-      <p:pic>
-        <p:nvPicPr>
           <p:cNvPr id="74" name="그림 73">
             <a:extLst>
               <a:ext uri="{FF2B5EF4-FFF2-40B4-BE49-F238E27FC236}">
@@ -13233,7 +11531,7 @@
 </p:sld>
 </file>
 
-<file path=ppt/slides/slide16.xml><?xml version="1.0" encoding="utf-8"?>
+<file path=ppt/slides/slide15.xml><?xml version="1.0" encoding="utf-8"?>
 <p:sld xmlns:a="http://schemas.openxmlformats.org/drawingml/2006/main" xmlns:r="http://schemas.openxmlformats.org/officeDocument/2006/relationships" xmlns:p="http://schemas.openxmlformats.org/presentationml/2006/main">
   <p:cSld>
     <p:spTree>
@@ -15778,7 +14076,7 @@
 </p:sld>
 </file>
 
-<file path=ppt/slides/slide17.xml><?xml version="1.0" encoding="utf-8"?>
+<file path=ppt/slides/slide16.xml><?xml version="1.0" encoding="utf-8"?>
 <p:sld xmlns:a="http://schemas.openxmlformats.org/drawingml/2006/main" xmlns:r="http://schemas.openxmlformats.org/officeDocument/2006/relationships" xmlns:p="http://schemas.openxmlformats.org/presentationml/2006/main">
   <p:cSld>
     <p:spTree>
@@ -20956,7 +19254,7 @@
 </p:sld>
 </file>
 
-<file path=ppt/slides/slide18.xml><?xml version="1.0" encoding="utf-8"?>
+<file path=ppt/slides/slide17.xml><?xml version="1.0" encoding="utf-8"?>
 <p:sld xmlns:a="http://schemas.openxmlformats.org/drawingml/2006/main" xmlns:r="http://schemas.openxmlformats.org/officeDocument/2006/relationships" xmlns:p="http://schemas.openxmlformats.org/presentationml/2006/main">
   <p:cSld>
     <p:spTree>
@@ -23525,7 +21823,7 @@
 </p:sld>
 </file>
 
-<file path=ppt/slides/slide19.xml><?xml version="1.0" encoding="utf-8"?>
+<file path=ppt/slides/slide18.xml><?xml version="1.0" encoding="utf-8"?>
 <p:sld xmlns:a="http://schemas.openxmlformats.org/drawingml/2006/main" xmlns:r="http://schemas.openxmlformats.org/officeDocument/2006/relationships" xmlns:p="http://schemas.openxmlformats.org/presentationml/2006/main">
   <p:cSld>
     <p:spTree>
@@ -27398,203 +25696,7 @@
 </p:sld>
 </file>
 
-<file path=ppt/slides/slide2.xml><?xml version="1.0" encoding="utf-8"?>
-<p:sld xmlns:a="http://schemas.openxmlformats.org/drawingml/2006/main" xmlns:r="http://schemas.openxmlformats.org/officeDocument/2006/relationships" xmlns:p="http://schemas.openxmlformats.org/presentationml/2006/main">
-  <p:cSld>
-    <p:spTree>
-      <p:nvGrpSpPr>
-        <p:cNvPr id="1" name=""/>
-        <p:cNvGrpSpPr/>
-        <p:nvPr/>
-      </p:nvGrpSpPr>
-      <p:grpSpPr>
-        <a:xfrm>
-          <a:off x="0" y="0"/>
-          <a:ext cx="0" cy="0"/>
-          <a:chOff x="0" y="0"/>
-          <a:chExt cx="0" cy="0"/>
-        </a:xfrm>
-      </p:grpSpPr>
-      <p:pic>
-        <p:nvPicPr>
-          <p:cNvPr id="25" name="그림 24">
-            <a:extLst>
-              <a:ext uri="{FF2B5EF4-FFF2-40B4-BE49-F238E27FC236}">
-                <a16:creationId xmlns:a16="http://schemas.microsoft.com/office/drawing/2014/main" id="{FBCAC619-E61B-4178-A28B-35E693D4B314}"/>
-              </a:ext>
-            </a:extLst>
-          </p:cNvPr>
-          <p:cNvPicPr>
-            <a:picLocks noChangeAspect="1"/>
-          </p:cNvPicPr>
-          <p:nvPr/>
-        </p:nvPicPr>
-        <p:blipFill>
-          <a:blip r:embed="rId2">
-            <a:extLst>
-              <a:ext uri="{28A0092B-C50C-407E-A947-70E740481C1C}">
-                <a14:useLocalDpi xmlns:a14="http://schemas.microsoft.com/office/drawing/2010/main" val="0"/>
-              </a:ext>
-            </a:extLst>
-          </a:blip>
-          <a:stretch>
-            <a:fillRect/>
-          </a:stretch>
-        </p:blipFill>
-        <p:spPr>
-          <a:xfrm>
-            <a:off x="4385003" y="612226"/>
-            <a:ext cx="3448527" cy="5633544"/>
-          </a:xfrm>
-          <a:prstGeom prst="rect">
-            <a:avLst/>
-          </a:prstGeom>
-        </p:spPr>
-      </p:pic>
-      <p:sp>
-        <p:nvSpPr>
-          <p:cNvPr id="13" name="사각형: 둥근 모서리 12">
-            <a:extLst>
-              <a:ext uri="{FF2B5EF4-FFF2-40B4-BE49-F238E27FC236}">
-                <a16:creationId xmlns:a16="http://schemas.microsoft.com/office/drawing/2014/main" id="{F1926C2A-BF28-4AB0-B898-C192C5DD93C5}"/>
-              </a:ext>
-            </a:extLst>
-          </p:cNvPr>
-          <p:cNvSpPr/>
-          <p:nvPr/>
-        </p:nvSpPr>
-        <p:spPr>
-          <a:xfrm>
-            <a:off x="5055703" y="5171573"/>
-            <a:ext cx="2179984" cy="343654"/>
-          </a:xfrm>
-          <a:prstGeom prst="roundRect">
-            <a:avLst/>
-          </a:prstGeom>
-          <a:noFill/>
-          <a:ln w="19050">
-            <a:solidFill>
-              <a:schemeClr val="bg1"/>
-            </a:solidFill>
-          </a:ln>
-        </p:spPr>
-        <p:style>
-          <a:lnRef idx="2">
-            <a:schemeClr val="accent1">
-              <a:shade val="50000"/>
-            </a:schemeClr>
-          </a:lnRef>
-          <a:fillRef idx="1">
-            <a:schemeClr val="accent1"/>
-          </a:fillRef>
-          <a:effectRef idx="0">
-            <a:schemeClr val="accent1"/>
-          </a:effectRef>
-          <a:fontRef idx="minor">
-            <a:schemeClr val="lt1"/>
-          </a:fontRef>
-        </p:style>
-        <p:txBody>
-          <a:bodyPr rtlCol="0" anchor="ctr"/>
-          <a:lstStyle/>
-          <a:p>
-            <a:pPr algn="ctr"/>
-            <a:r>
-              <a:rPr lang="ko-KR" altLang="en-US" sz="1200" dirty="0">
-                <a:latin typeface="a고딕15" panose="02020600000000000000" pitchFamily="18" charset="-127"/>
-                <a:ea typeface="a고딕15" panose="02020600000000000000" pitchFamily="18" charset="-127"/>
-              </a:rPr>
-              <a:t>    아로마인드 로그인</a:t>
-            </a:r>
-          </a:p>
-        </p:txBody>
-      </p:sp>
-      <p:pic>
-        <p:nvPicPr>
-          <p:cNvPr id="15" name="그림 14">
-            <a:extLst>
-              <a:ext uri="{FF2B5EF4-FFF2-40B4-BE49-F238E27FC236}">
-                <a16:creationId xmlns:a16="http://schemas.microsoft.com/office/drawing/2014/main" id="{ECE5A703-B780-4639-A010-3AC4998540DA}"/>
-              </a:ext>
-            </a:extLst>
-          </p:cNvPr>
-          <p:cNvPicPr>
-            <a:picLocks noChangeAspect="1"/>
-          </p:cNvPicPr>
-          <p:nvPr/>
-        </p:nvPicPr>
-        <p:blipFill>
-          <a:blip r:embed="rId3">
-            <a:extLst>
-              <a:ext uri="{28A0092B-C50C-407E-A947-70E740481C1C}">
-                <a14:useLocalDpi xmlns:a14="http://schemas.microsoft.com/office/drawing/2010/main" val="0"/>
-              </a:ext>
-            </a:extLst>
-          </a:blip>
-          <a:stretch>
-            <a:fillRect/>
-          </a:stretch>
-        </p:blipFill>
-        <p:spPr>
-          <a:xfrm>
-            <a:off x="4956311" y="2929553"/>
-            <a:ext cx="2279376" cy="460482"/>
-          </a:xfrm>
-          <a:prstGeom prst="rect">
-            <a:avLst/>
-          </a:prstGeom>
-        </p:spPr>
-      </p:pic>
-      <p:pic>
-        <p:nvPicPr>
-          <p:cNvPr id="17" name="그림 16">
-            <a:extLst>
-              <a:ext uri="{FF2B5EF4-FFF2-40B4-BE49-F238E27FC236}">
-                <a16:creationId xmlns:a16="http://schemas.microsoft.com/office/drawing/2014/main" id="{3C1EBCA7-0C8B-4AB8-810B-B8E7D236C198}"/>
-              </a:ext>
-            </a:extLst>
-          </p:cNvPr>
-          <p:cNvPicPr>
-            <a:picLocks noChangeAspect="1"/>
-          </p:cNvPicPr>
-          <p:nvPr/>
-        </p:nvPicPr>
-        <p:blipFill>
-          <a:blip r:embed="rId4">
-            <a:extLst>
-              <a:ext uri="{28A0092B-C50C-407E-A947-70E740481C1C}">
-                <a14:useLocalDpi xmlns:a14="http://schemas.microsoft.com/office/drawing/2010/main" val="0"/>
-              </a:ext>
-            </a:extLst>
-          </a:blip>
-          <a:stretch>
-            <a:fillRect/>
-          </a:stretch>
-        </p:blipFill>
-        <p:spPr>
-          <a:xfrm>
-            <a:off x="5347027" y="5249473"/>
-            <a:ext cx="267382" cy="214357"/>
-          </a:xfrm>
-          <a:prstGeom prst="rect">
-            <a:avLst/>
-          </a:prstGeom>
-        </p:spPr>
-      </p:pic>
-    </p:spTree>
-    <p:extLst>
-      <p:ext uri="{BB962C8B-B14F-4D97-AF65-F5344CB8AC3E}">
-        <p14:creationId xmlns:p14="http://schemas.microsoft.com/office/powerpoint/2010/main" val="2236159044"/>
-      </p:ext>
-    </p:extLst>
-  </p:cSld>
-  <p:clrMapOvr>
-    <a:masterClrMapping/>
-  </p:clrMapOvr>
-</p:sld>
-</file>
-
-<file path=ppt/slides/slide20.xml><?xml version="1.0" encoding="utf-8"?>
+<file path=ppt/slides/slide19.xml><?xml version="1.0" encoding="utf-8"?>
 <p:sld xmlns:a="http://schemas.openxmlformats.org/drawingml/2006/main" xmlns:r="http://schemas.openxmlformats.org/officeDocument/2006/relationships" xmlns:p="http://schemas.openxmlformats.org/presentationml/2006/main">
   <p:cSld>
     <p:spTree>
@@ -28178,7 +26280,7 @@
 </p:sld>
 </file>
 
-<file path=ppt/slides/slide21.xml><?xml version="1.0" encoding="utf-8"?>
+<file path=ppt/slides/slide2.xml><?xml version="1.0" encoding="utf-8"?>
 <p:sld xmlns:a="http://schemas.openxmlformats.org/drawingml/2006/main" xmlns:r="http://schemas.openxmlformats.org/officeDocument/2006/relationships" xmlns:p="http://schemas.openxmlformats.org/presentationml/2006/main">
   <p:cSld>
     <p:spTree>
@@ -28195,6 +26297,202 @@
           <a:chExt cx="0" cy="0"/>
         </a:xfrm>
       </p:grpSpPr>
+      <p:pic>
+        <p:nvPicPr>
+          <p:cNvPr id="25" name="그림 24">
+            <a:extLst>
+              <a:ext uri="{FF2B5EF4-FFF2-40B4-BE49-F238E27FC236}">
+                <a16:creationId xmlns:a16="http://schemas.microsoft.com/office/drawing/2014/main" id="{FBCAC619-E61B-4178-A28B-35E693D4B314}"/>
+              </a:ext>
+            </a:extLst>
+          </p:cNvPr>
+          <p:cNvPicPr>
+            <a:picLocks noChangeAspect="1"/>
+          </p:cNvPicPr>
+          <p:nvPr/>
+        </p:nvPicPr>
+        <p:blipFill>
+          <a:blip r:embed="rId2">
+            <a:extLst>
+              <a:ext uri="{28A0092B-C50C-407E-A947-70E740481C1C}">
+                <a14:useLocalDpi xmlns:a14="http://schemas.microsoft.com/office/drawing/2010/main" val="0"/>
+              </a:ext>
+            </a:extLst>
+          </a:blip>
+          <a:stretch>
+            <a:fillRect/>
+          </a:stretch>
+        </p:blipFill>
+        <p:spPr>
+          <a:xfrm>
+            <a:off x="4385003" y="612226"/>
+            <a:ext cx="3448527" cy="5633544"/>
+          </a:xfrm>
+          <a:prstGeom prst="rect">
+            <a:avLst/>
+          </a:prstGeom>
+        </p:spPr>
+      </p:pic>
+      <p:sp>
+        <p:nvSpPr>
+          <p:cNvPr id="13" name="사각형: 둥근 모서리 12">
+            <a:extLst>
+              <a:ext uri="{FF2B5EF4-FFF2-40B4-BE49-F238E27FC236}">
+                <a16:creationId xmlns:a16="http://schemas.microsoft.com/office/drawing/2014/main" id="{F1926C2A-BF28-4AB0-B898-C192C5DD93C5}"/>
+              </a:ext>
+            </a:extLst>
+          </p:cNvPr>
+          <p:cNvSpPr/>
+          <p:nvPr/>
+        </p:nvSpPr>
+        <p:spPr>
+          <a:xfrm>
+            <a:off x="5055703" y="5171573"/>
+            <a:ext cx="2179984" cy="343654"/>
+          </a:xfrm>
+          <a:prstGeom prst="roundRect">
+            <a:avLst/>
+          </a:prstGeom>
+          <a:noFill/>
+          <a:ln w="19050">
+            <a:solidFill>
+              <a:schemeClr val="bg1"/>
+            </a:solidFill>
+          </a:ln>
+        </p:spPr>
+        <p:style>
+          <a:lnRef idx="2">
+            <a:schemeClr val="accent1">
+              <a:shade val="50000"/>
+            </a:schemeClr>
+          </a:lnRef>
+          <a:fillRef idx="1">
+            <a:schemeClr val="accent1"/>
+          </a:fillRef>
+          <a:effectRef idx="0">
+            <a:schemeClr val="accent1"/>
+          </a:effectRef>
+          <a:fontRef idx="minor">
+            <a:schemeClr val="lt1"/>
+          </a:fontRef>
+        </p:style>
+        <p:txBody>
+          <a:bodyPr rtlCol="0" anchor="ctr"/>
+          <a:lstStyle/>
+          <a:p>
+            <a:pPr algn="ctr"/>
+            <a:r>
+              <a:rPr lang="ko-KR" altLang="en-US" sz="1200" dirty="0">
+                <a:latin typeface="a고딕15" panose="02020600000000000000" pitchFamily="18" charset="-127"/>
+                <a:ea typeface="a고딕15" panose="02020600000000000000" pitchFamily="18" charset="-127"/>
+              </a:rPr>
+              <a:t>    아로마인드 로그인</a:t>
+            </a:r>
+          </a:p>
+        </p:txBody>
+      </p:sp>
+      <p:pic>
+        <p:nvPicPr>
+          <p:cNvPr id="15" name="그림 14">
+            <a:extLst>
+              <a:ext uri="{FF2B5EF4-FFF2-40B4-BE49-F238E27FC236}">
+                <a16:creationId xmlns:a16="http://schemas.microsoft.com/office/drawing/2014/main" id="{ECE5A703-B780-4639-A010-3AC4998540DA}"/>
+              </a:ext>
+            </a:extLst>
+          </p:cNvPr>
+          <p:cNvPicPr>
+            <a:picLocks noChangeAspect="1"/>
+          </p:cNvPicPr>
+          <p:nvPr/>
+        </p:nvPicPr>
+        <p:blipFill>
+          <a:blip r:embed="rId3">
+            <a:extLst>
+              <a:ext uri="{28A0092B-C50C-407E-A947-70E740481C1C}">
+                <a14:useLocalDpi xmlns:a14="http://schemas.microsoft.com/office/drawing/2010/main" val="0"/>
+              </a:ext>
+            </a:extLst>
+          </a:blip>
+          <a:stretch>
+            <a:fillRect/>
+          </a:stretch>
+        </p:blipFill>
+        <p:spPr>
+          <a:xfrm>
+            <a:off x="4956311" y="2929553"/>
+            <a:ext cx="2279376" cy="460482"/>
+          </a:xfrm>
+          <a:prstGeom prst="rect">
+            <a:avLst/>
+          </a:prstGeom>
+        </p:spPr>
+      </p:pic>
+      <p:pic>
+        <p:nvPicPr>
+          <p:cNvPr id="17" name="그림 16">
+            <a:extLst>
+              <a:ext uri="{FF2B5EF4-FFF2-40B4-BE49-F238E27FC236}">
+                <a16:creationId xmlns:a16="http://schemas.microsoft.com/office/drawing/2014/main" id="{3C1EBCA7-0C8B-4AB8-810B-B8E7D236C198}"/>
+              </a:ext>
+            </a:extLst>
+          </p:cNvPr>
+          <p:cNvPicPr>
+            <a:picLocks noChangeAspect="1"/>
+          </p:cNvPicPr>
+          <p:nvPr/>
+        </p:nvPicPr>
+        <p:blipFill>
+          <a:blip r:embed="rId4">
+            <a:extLst>
+              <a:ext uri="{28A0092B-C50C-407E-A947-70E740481C1C}">
+                <a14:useLocalDpi xmlns:a14="http://schemas.microsoft.com/office/drawing/2010/main" val="0"/>
+              </a:ext>
+            </a:extLst>
+          </a:blip>
+          <a:stretch>
+            <a:fillRect/>
+          </a:stretch>
+        </p:blipFill>
+        <p:spPr>
+          <a:xfrm>
+            <a:off x="5347027" y="5249473"/>
+            <a:ext cx="267382" cy="214357"/>
+          </a:xfrm>
+          <a:prstGeom prst="rect">
+            <a:avLst/>
+          </a:prstGeom>
+        </p:spPr>
+      </p:pic>
+    </p:spTree>
+    <p:extLst>
+      <p:ext uri="{BB962C8B-B14F-4D97-AF65-F5344CB8AC3E}">
+        <p14:creationId xmlns:p14="http://schemas.microsoft.com/office/powerpoint/2010/main" val="2236159044"/>
+      </p:ext>
+    </p:extLst>
+  </p:cSld>
+  <p:clrMapOvr>
+    <a:masterClrMapping/>
+  </p:clrMapOvr>
+</p:sld>
+</file>
+
+<file path=ppt/slides/slide20.xml><?xml version="1.0" encoding="utf-8"?>
+<p:sld xmlns:a="http://schemas.openxmlformats.org/drawingml/2006/main" xmlns:r="http://schemas.openxmlformats.org/officeDocument/2006/relationships" xmlns:p="http://schemas.openxmlformats.org/presentationml/2006/main">
+  <p:cSld>
+    <p:spTree>
+      <p:nvGrpSpPr>
+        <p:cNvPr id="1" name=""/>
+        <p:cNvGrpSpPr/>
+        <p:nvPr/>
+      </p:nvGrpSpPr>
+      <p:grpSpPr>
+        <a:xfrm>
+          <a:off x="0" y="0"/>
+          <a:ext cx="0" cy="0"/>
+          <a:chOff x="0" y="0"/>
+          <a:chExt cx="0" cy="0"/>
+        </a:xfrm>
+      </p:grpSpPr>
       <p:sp>
         <p:nvSpPr>
           <p:cNvPr id="2" name="직사각형 1">
@@ -28275,7 +26573,7 @@
 </p:sld>
 </file>
 
-<file path=ppt/slides/slide22.xml><?xml version="1.0" encoding="utf-8"?>
+<file path=ppt/slides/slide21.xml><?xml version="1.0" encoding="utf-8"?>
 <p:sld xmlns:a="http://schemas.openxmlformats.org/drawingml/2006/main" xmlns:r="http://schemas.openxmlformats.org/officeDocument/2006/relationships" xmlns:p="http://schemas.openxmlformats.org/presentationml/2006/main">
   <p:cSld>
     <p:spTree>
@@ -29973,6 +28271,108 @@
 </p:sld>
 </file>
 
+<file path=ppt/slides/slide22.xml><?xml version="1.0" encoding="utf-8"?>
+<p:sld xmlns:a="http://schemas.openxmlformats.org/drawingml/2006/main" xmlns:r="http://schemas.openxmlformats.org/officeDocument/2006/relationships" xmlns:p="http://schemas.openxmlformats.org/presentationml/2006/main">
+  <p:cSld>
+    <p:spTree>
+      <p:nvGrpSpPr>
+        <p:cNvPr id="1" name=""/>
+        <p:cNvGrpSpPr/>
+        <p:nvPr/>
+      </p:nvGrpSpPr>
+      <p:grpSpPr>
+        <a:xfrm>
+          <a:off x="0" y="0"/>
+          <a:ext cx="0" cy="0"/>
+          <a:chOff x="0" y="0"/>
+          <a:chExt cx="0" cy="0"/>
+        </a:xfrm>
+      </p:grpSpPr>
+      <p:sp>
+        <p:nvSpPr>
+          <p:cNvPr id="2" name="직사각형 1">
+            <a:extLst>
+              <a:ext uri="{FF2B5EF4-FFF2-40B4-BE49-F238E27FC236}">
+                <a16:creationId xmlns:a16="http://schemas.microsoft.com/office/drawing/2014/main" id="{30653903-2311-4390-B9E4-BA219D0B731F}"/>
+              </a:ext>
+            </a:extLst>
+          </p:cNvPr>
+          <p:cNvSpPr/>
+          <p:nvPr/>
+        </p:nvSpPr>
+        <p:spPr>
+          <a:xfrm>
+            <a:off x="3164681" y="1964055"/>
+            <a:ext cx="5862638" cy="2667000"/>
+          </a:xfrm>
+          <a:prstGeom prst="rect">
+            <a:avLst/>
+          </a:prstGeom>
+          <a:solidFill>
+            <a:schemeClr val="bg1"/>
+          </a:solidFill>
+          <a:ln>
+            <a:noFill/>
+          </a:ln>
+        </p:spPr>
+        <p:style>
+          <a:lnRef idx="2">
+            <a:schemeClr val="dk1">
+              <a:shade val="50000"/>
+            </a:schemeClr>
+          </a:lnRef>
+          <a:fillRef idx="1">
+            <a:schemeClr val="dk1"/>
+          </a:fillRef>
+          <a:effectRef idx="0">
+            <a:schemeClr val="dk1"/>
+          </a:effectRef>
+          <a:fontRef idx="minor">
+            <a:schemeClr val="lt1"/>
+          </a:fontRef>
+        </p:style>
+        <p:txBody>
+          <a:bodyPr rtlCol="0" anchor="ctr"/>
+          <a:lstStyle/>
+          <a:p>
+            <a:pPr algn="ctr"/>
+            <a:r>
+              <a:rPr lang="en-US" altLang="ko-KR" sz="6000" b="1" dirty="0">
+                <a:solidFill>
+                  <a:schemeClr val="tx1"/>
+                </a:solidFill>
+              </a:rPr>
+              <a:t>Alarm </a:t>
+            </a:r>
+            <a:r>
+              <a:rPr lang="ko-KR" altLang="en-US" sz="6000" b="1" dirty="0">
+                <a:solidFill>
+                  <a:schemeClr val="tx1"/>
+                </a:solidFill>
+              </a:rPr>
+              <a:t>서비스</a:t>
+            </a:r>
+            <a:endParaRPr lang="en-US" altLang="ko-KR" sz="6000" b="1" dirty="0">
+              <a:solidFill>
+                <a:schemeClr val="tx1"/>
+              </a:solidFill>
+            </a:endParaRPr>
+          </a:p>
+        </p:txBody>
+      </p:sp>
+    </p:spTree>
+    <p:extLst>
+      <p:ext uri="{BB962C8B-B14F-4D97-AF65-F5344CB8AC3E}">
+        <p14:creationId xmlns:p14="http://schemas.microsoft.com/office/powerpoint/2010/main" val="2002252728"/>
+      </p:ext>
+    </p:extLst>
+  </p:cSld>
+  <p:clrMapOvr>
+    <a:masterClrMapping/>
+  </p:clrMapOvr>
+</p:sld>
+</file>
+
 <file path=ppt/slides/slide23.xml><?xml version="1.0" encoding="utf-8"?>
 <p:sld xmlns:a="http://schemas.openxmlformats.org/drawingml/2006/main" xmlns:r="http://schemas.openxmlformats.org/officeDocument/2006/relationships" xmlns:p="http://schemas.openxmlformats.org/presentationml/2006/main">
   <p:cSld>
@@ -29992,10 +28392,10 @@
       </p:grpSpPr>
       <p:sp>
         <p:nvSpPr>
-          <p:cNvPr id="2" name="직사각형 1">
-            <a:extLst>
-              <a:ext uri="{FF2B5EF4-FFF2-40B4-BE49-F238E27FC236}">
-                <a16:creationId xmlns:a16="http://schemas.microsoft.com/office/drawing/2014/main" id="{30653903-2311-4390-B9E4-BA219D0B731F}"/>
+          <p:cNvPr id="5" name="직사각형 4">
+            <a:extLst>
+              <a:ext uri="{FF2B5EF4-FFF2-40B4-BE49-F238E27FC236}">
+                <a16:creationId xmlns:a16="http://schemas.microsoft.com/office/drawing/2014/main" id="{B6E2069A-3E1F-40B7-963D-DFC2584A737B}"/>
               </a:ext>
             </a:extLst>
           </p:cNvPr>
@@ -30004,14 +28404,14 @@
         </p:nvSpPr>
         <p:spPr>
           <a:xfrm>
-            <a:off x="3164681" y="1964055"/>
-            <a:ext cx="5862638" cy="2667000"/>
+            <a:off x="4372303" y="612227"/>
+            <a:ext cx="3447393" cy="5633545"/>
           </a:xfrm>
           <a:prstGeom prst="rect">
             <a:avLst/>
           </a:prstGeom>
           <a:solidFill>
-            <a:schemeClr val="bg1"/>
+            <a:srgbClr val="F8F8F8"/>
           </a:solidFill>
           <a:ln>
             <a:noFill/>
@@ -30019,15 +28419,15 @@
         </p:spPr>
         <p:style>
           <a:lnRef idx="2">
-            <a:schemeClr val="dk1">
+            <a:schemeClr val="accent1">
               <a:shade val="50000"/>
             </a:schemeClr>
           </a:lnRef>
           <a:fillRef idx="1">
-            <a:schemeClr val="dk1"/>
+            <a:schemeClr val="accent1"/>
           </a:fillRef>
           <a:effectRef idx="0">
-            <a:schemeClr val="dk1"/>
+            <a:schemeClr val="accent1"/>
           </a:effectRef>
           <a:fontRef idx="minor">
             <a:schemeClr val="lt1"/>
@@ -30038,26 +28438,1403 @@
           <a:lstStyle/>
           <a:p>
             <a:pPr algn="ctr"/>
-            <a:r>
-              <a:rPr lang="en-US" altLang="ko-KR" sz="6000" b="1" dirty="0">
+            <a:endParaRPr lang="ko-KR" altLang="en-US"/>
+          </a:p>
+        </p:txBody>
+      </p:sp>
+      <p:pic>
+        <p:nvPicPr>
+          <p:cNvPr id="4" name="그림 3">
+            <a:extLst>
+              <a:ext uri="{FF2B5EF4-FFF2-40B4-BE49-F238E27FC236}">
+                <a16:creationId xmlns:a16="http://schemas.microsoft.com/office/drawing/2014/main" id="{BCCFC60D-685B-4310-BDA1-50520D74E3C5}"/>
+              </a:ext>
+            </a:extLst>
+          </p:cNvPr>
+          <p:cNvPicPr>
+            <a:picLocks noChangeAspect="1"/>
+          </p:cNvPicPr>
+          <p:nvPr/>
+        </p:nvPicPr>
+        <p:blipFill rotWithShape="1">
+          <a:blip r:embed="rId2">
+            <a:extLst>
+              <a:ext uri="{28A0092B-C50C-407E-A947-70E740481C1C}">
+                <a14:useLocalDpi xmlns:a14="http://schemas.microsoft.com/office/drawing/2010/main" val="0"/>
+              </a:ext>
+            </a:extLst>
+          </a:blip>
+          <a:srcRect b="48162"/>
+          <a:stretch/>
+        </p:blipFill>
+        <p:spPr>
+          <a:xfrm>
+            <a:off x="4370431" y="612227"/>
+            <a:ext cx="3433228" cy="596750"/>
+          </a:xfrm>
+          <a:prstGeom prst="rect">
+            <a:avLst/>
+          </a:prstGeom>
+        </p:spPr>
+      </p:pic>
+      <p:sp>
+        <p:nvSpPr>
+          <p:cNvPr id="36" name="사각형: 둥근 모서리 35">
+            <a:extLst>
+              <a:ext uri="{FF2B5EF4-FFF2-40B4-BE49-F238E27FC236}">
+                <a16:creationId xmlns:a16="http://schemas.microsoft.com/office/drawing/2014/main" id="{CC4BB6EE-178F-48EB-9BEE-6C0D1EFEFA66}"/>
+              </a:ext>
+            </a:extLst>
+          </p:cNvPr>
+          <p:cNvSpPr/>
+          <p:nvPr/>
+        </p:nvSpPr>
+        <p:spPr>
+          <a:xfrm>
+            <a:off x="4372303" y="1049268"/>
+            <a:ext cx="3431356" cy="5248488"/>
+          </a:xfrm>
+          <a:prstGeom prst="roundRect">
+            <a:avLst>
+              <a:gd name="adj" fmla="val 3788"/>
+            </a:avLst>
+          </a:prstGeom>
+          <a:solidFill>
+            <a:schemeClr val="bg1"/>
+          </a:solidFill>
+          <a:ln>
+            <a:solidFill>
+              <a:schemeClr val="bg1"/>
+            </a:solidFill>
+          </a:ln>
+        </p:spPr>
+        <p:style>
+          <a:lnRef idx="2">
+            <a:schemeClr val="accent1">
+              <a:shade val="50000"/>
+            </a:schemeClr>
+          </a:lnRef>
+          <a:fillRef idx="1">
+            <a:schemeClr val="accent1"/>
+          </a:fillRef>
+          <a:effectRef idx="0">
+            <a:schemeClr val="accent1"/>
+          </a:effectRef>
+          <a:fontRef idx="minor">
+            <a:schemeClr val="lt1"/>
+          </a:fontRef>
+        </p:style>
+        <p:txBody>
+          <a:bodyPr rtlCol="0" anchor="ctr"/>
+          <a:lstStyle/>
+          <a:p>
+            <a:pPr algn="ctr"/>
+            <a:endParaRPr lang="ko-KR" altLang="en-US" dirty="0"/>
+          </a:p>
+        </p:txBody>
+      </p:sp>
+      <p:sp>
+        <p:nvSpPr>
+          <p:cNvPr id="44" name="사각형: 둥근 모서리 43">
+            <a:extLst>
+              <a:ext uri="{FF2B5EF4-FFF2-40B4-BE49-F238E27FC236}">
+                <a16:creationId xmlns:a16="http://schemas.microsoft.com/office/drawing/2014/main" id="{4E6D752D-0246-43B6-A82E-C258BE6EE18F}"/>
+              </a:ext>
+            </a:extLst>
+          </p:cNvPr>
+          <p:cNvSpPr/>
+          <p:nvPr/>
+        </p:nvSpPr>
+        <p:spPr>
+          <a:xfrm>
+            <a:off x="4225020" y="6230282"/>
+            <a:ext cx="4042679" cy="446608"/>
+          </a:xfrm>
+          <a:prstGeom prst="roundRect">
+            <a:avLst>
+              <a:gd name="adj" fmla="val 3788"/>
+            </a:avLst>
+          </a:prstGeom>
+          <a:solidFill>
+            <a:schemeClr val="bg1"/>
+          </a:solidFill>
+          <a:ln>
+            <a:solidFill>
+              <a:schemeClr val="bg1"/>
+            </a:solidFill>
+          </a:ln>
+        </p:spPr>
+        <p:style>
+          <a:lnRef idx="2">
+            <a:schemeClr val="accent1">
+              <a:shade val="50000"/>
+            </a:schemeClr>
+          </a:lnRef>
+          <a:fillRef idx="1">
+            <a:schemeClr val="accent1"/>
+          </a:fillRef>
+          <a:effectRef idx="0">
+            <a:schemeClr val="accent1"/>
+          </a:effectRef>
+          <a:fontRef idx="minor">
+            <a:schemeClr val="lt1"/>
+          </a:fontRef>
+        </p:style>
+        <p:txBody>
+          <a:bodyPr rtlCol="0" anchor="ctr"/>
+          <a:lstStyle/>
+          <a:p>
+            <a:pPr algn="ctr"/>
+            <a:endParaRPr lang="ko-KR" altLang="en-US" dirty="0"/>
+          </a:p>
+        </p:txBody>
+      </p:sp>
+      <p:pic>
+        <p:nvPicPr>
+          <p:cNvPr id="76" name="그림 75">
+            <a:extLst>
+              <a:ext uri="{FF2B5EF4-FFF2-40B4-BE49-F238E27FC236}">
+                <a16:creationId xmlns:a16="http://schemas.microsoft.com/office/drawing/2014/main" id="{4AACD29E-2299-4609-A345-5268D6C0D453}"/>
+              </a:ext>
+            </a:extLst>
+          </p:cNvPr>
+          <p:cNvPicPr>
+            <a:picLocks noChangeAspect="1"/>
+          </p:cNvPicPr>
+          <p:nvPr/>
+        </p:nvPicPr>
+        <p:blipFill>
+          <a:blip r:embed="rId3">
+            <a:extLst>
+              <a:ext uri="{28A0092B-C50C-407E-A947-70E740481C1C}">
+                <a14:useLocalDpi xmlns:a14="http://schemas.microsoft.com/office/drawing/2010/main" val="0"/>
+              </a:ext>
+            </a:extLst>
+          </a:blip>
+          <a:stretch>
+            <a:fillRect/>
+          </a:stretch>
+        </p:blipFill>
+        <p:spPr>
+          <a:xfrm>
+            <a:off x="7263692" y="635577"/>
+            <a:ext cx="447180" cy="402905"/>
+          </a:xfrm>
+          <a:prstGeom prst="rect">
+            <a:avLst/>
+          </a:prstGeom>
+        </p:spPr>
+      </p:pic>
+      <p:sp>
+        <p:nvSpPr>
+          <p:cNvPr id="74" name="직사각형 73">
+            <a:extLst>
+              <a:ext uri="{FF2B5EF4-FFF2-40B4-BE49-F238E27FC236}">
+                <a16:creationId xmlns:a16="http://schemas.microsoft.com/office/drawing/2014/main" id="{AEF97452-6DBB-4133-B8D2-79B90908B217}"/>
+              </a:ext>
+            </a:extLst>
+          </p:cNvPr>
+          <p:cNvSpPr/>
+          <p:nvPr/>
+        </p:nvSpPr>
+        <p:spPr>
+          <a:xfrm>
+            <a:off x="4365453" y="5842709"/>
+            <a:ext cx="3447393" cy="382081"/>
+          </a:xfrm>
+          <a:prstGeom prst="rect">
+            <a:avLst/>
+          </a:prstGeom>
+          <a:solidFill>
+            <a:srgbClr val="F8F8F8"/>
+          </a:solidFill>
+          <a:ln>
+            <a:noFill/>
+          </a:ln>
+        </p:spPr>
+        <p:style>
+          <a:lnRef idx="2">
+            <a:schemeClr val="accent1">
+              <a:shade val="50000"/>
+            </a:schemeClr>
+          </a:lnRef>
+          <a:fillRef idx="1">
+            <a:schemeClr val="accent1"/>
+          </a:fillRef>
+          <a:effectRef idx="0">
+            <a:schemeClr val="accent1"/>
+          </a:effectRef>
+          <a:fontRef idx="minor">
+            <a:schemeClr val="lt1"/>
+          </a:fontRef>
+        </p:style>
+        <p:txBody>
+          <a:bodyPr rtlCol="0" anchor="ctr"/>
+          <a:lstStyle/>
+          <a:p>
+            <a:pPr algn="ctr"/>
+            <a:endParaRPr lang="ko-KR" altLang="en-US"/>
+          </a:p>
+        </p:txBody>
+      </p:sp>
+      <p:sp>
+        <p:nvSpPr>
+          <p:cNvPr id="77" name="직사각형 76">
+            <a:extLst>
+              <a:ext uri="{FF2B5EF4-FFF2-40B4-BE49-F238E27FC236}">
+                <a16:creationId xmlns:a16="http://schemas.microsoft.com/office/drawing/2014/main" id="{669FDF07-C79F-4857-A824-E3F599E4E3BA}"/>
+              </a:ext>
+            </a:extLst>
+          </p:cNvPr>
+          <p:cNvSpPr/>
+          <p:nvPr/>
+        </p:nvSpPr>
+        <p:spPr>
+          <a:xfrm>
+            <a:off x="3771901" y="5860008"/>
+            <a:ext cx="4160520" cy="382081"/>
+          </a:xfrm>
+          <a:prstGeom prst="rect">
+            <a:avLst/>
+          </a:prstGeom>
+          <a:solidFill>
+            <a:srgbClr val="ED6C89"/>
+          </a:solidFill>
+          <a:ln>
+            <a:solidFill>
+              <a:schemeClr val="bg1">
+                <a:lumMod val="85000"/>
+              </a:schemeClr>
+            </a:solidFill>
+          </a:ln>
+        </p:spPr>
+        <p:style>
+          <a:lnRef idx="2">
+            <a:schemeClr val="accent1">
+              <a:shade val="50000"/>
+            </a:schemeClr>
+          </a:lnRef>
+          <a:fillRef idx="1">
+            <a:schemeClr val="accent1"/>
+          </a:fillRef>
+          <a:effectRef idx="0">
+            <a:schemeClr val="accent1"/>
+          </a:effectRef>
+          <a:fontRef idx="minor">
+            <a:schemeClr val="lt1"/>
+          </a:fontRef>
+        </p:style>
+        <p:txBody>
+          <a:bodyPr rtlCol="0" anchor="ctr"/>
+          <a:lstStyle/>
+          <a:p>
+            <a:pPr algn="ctr"/>
+            <a:endParaRPr lang="ko-KR" altLang="en-US"/>
+          </a:p>
+        </p:txBody>
+      </p:sp>
+      <p:pic>
+        <p:nvPicPr>
+          <p:cNvPr id="78" name="그림 77">
+            <a:extLst>
+              <a:ext uri="{FF2B5EF4-FFF2-40B4-BE49-F238E27FC236}">
+                <a16:creationId xmlns:a16="http://schemas.microsoft.com/office/drawing/2014/main" id="{0AA96714-E0A9-4B00-BD88-4144422BABA5}"/>
+              </a:ext>
+            </a:extLst>
+          </p:cNvPr>
+          <p:cNvPicPr>
+            <a:picLocks noChangeAspect="1"/>
+          </p:cNvPicPr>
+          <p:nvPr/>
+        </p:nvPicPr>
+        <p:blipFill>
+          <a:blip r:embed="rId4">
+            <a:extLst>
+              <a:ext uri="{28A0092B-C50C-407E-A947-70E740481C1C}">
+                <a14:useLocalDpi xmlns:a14="http://schemas.microsoft.com/office/drawing/2010/main" val="0"/>
+              </a:ext>
+            </a:extLst>
+          </a:blip>
+          <a:stretch>
+            <a:fillRect/>
+          </a:stretch>
+        </p:blipFill>
+        <p:spPr>
+          <a:xfrm>
+            <a:off x="6653712" y="5932458"/>
+            <a:ext cx="242576" cy="242576"/>
+          </a:xfrm>
+          <a:prstGeom prst="rect">
+            <a:avLst/>
+          </a:prstGeom>
+        </p:spPr>
+      </p:pic>
+      <p:pic>
+        <p:nvPicPr>
+          <p:cNvPr id="79" name="그림 78">
+            <a:extLst>
+              <a:ext uri="{FF2B5EF4-FFF2-40B4-BE49-F238E27FC236}">
+                <a16:creationId xmlns:a16="http://schemas.microsoft.com/office/drawing/2014/main" id="{D7401ED7-41DD-477B-A9DE-F01BD168978C}"/>
+              </a:ext>
+            </a:extLst>
+          </p:cNvPr>
+          <p:cNvPicPr>
+            <a:picLocks noChangeAspect="1"/>
+          </p:cNvPicPr>
+          <p:nvPr/>
+        </p:nvPicPr>
+        <p:blipFill>
+          <a:blip r:embed="rId5">
+            <a:extLst>
+              <a:ext uri="{28A0092B-C50C-407E-A947-70E740481C1C}">
+                <a14:useLocalDpi xmlns:a14="http://schemas.microsoft.com/office/drawing/2010/main" val="0"/>
+              </a:ext>
+            </a:extLst>
+          </a:blip>
+          <a:stretch>
+            <a:fillRect/>
+          </a:stretch>
+        </p:blipFill>
+        <p:spPr>
+          <a:xfrm>
+            <a:off x="5931465" y="5926950"/>
+            <a:ext cx="242576" cy="242576"/>
+          </a:xfrm>
+          <a:prstGeom prst="rect">
+            <a:avLst/>
+          </a:prstGeom>
+        </p:spPr>
+      </p:pic>
+      <p:pic>
+        <p:nvPicPr>
+          <p:cNvPr id="80" name="그림 79">
+            <a:extLst>
+              <a:ext uri="{FF2B5EF4-FFF2-40B4-BE49-F238E27FC236}">
+                <a16:creationId xmlns:a16="http://schemas.microsoft.com/office/drawing/2014/main" id="{716769EE-20D9-4950-85F7-B50DEB7C90E9}"/>
+              </a:ext>
+            </a:extLst>
+          </p:cNvPr>
+          <p:cNvPicPr>
+            <a:picLocks noChangeAspect="1"/>
+          </p:cNvPicPr>
+          <p:nvPr/>
+        </p:nvPicPr>
+        <p:blipFill>
+          <a:blip r:embed="rId6">
+            <a:extLst>
+              <a:ext uri="{28A0092B-C50C-407E-A947-70E740481C1C}">
+                <a14:useLocalDpi xmlns:a14="http://schemas.microsoft.com/office/drawing/2010/main" val="0"/>
+              </a:ext>
+            </a:extLst>
+          </a:blip>
+          <a:stretch>
+            <a:fillRect/>
+          </a:stretch>
+        </p:blipFill>
+        <p:spPr>
+          <a:xfrm>
+            <a:off x="4542680" y="5934636"/>
+            <a:ext cx="242239" cy="242239"/>
+          </a:xfrm>
+          <a:prstGeom prst="rect">
+            <a:avLst/>
+          </a:prstGeom>
+        </p:spPr>
+      </p:pic>
+      <p:pic>
+        <p:nvPicPr>
+          <p:cNvPr id="81" name="그림 80">
+            <a:extLst>
+              <a:ext uri="{FF2B5EF4-FFF2-40B4-BE49-F238E27FC236}">
+                <a16:creationId xmlns:a16="http://schemas.microsoft.com/office/drawing/2014/main" id="{D1DBFE35-93F4-4BDE-ACE0-763B04003754}"/>
+              </a:ext>
+            </a:extLst>
+          </p:cNvPr>
+          <p:cNvPicPr>
+            <a:picLocks noChangeAspect="1"/>
+          </p:cNvPicPr>
+          <p:nvPr/>
+        </p:nvPicPr>
+        <p:blipFill>
+          <a:blip r:embed="rId7">
+            <a:extLst>
+              <a:ext uri="{28A0092B-C50C-407E-A947-70E740481C1C}">
+                <a14:useLocalDpi xmlns:a14="http://schemas.microsoft.com/office/drawing/2010/main" val="0"/>
+              </a:ext>
+            </a:extLst>
+          </a:blip>
+          <a:stretch>
+            <a:fillRect/>
+          </a:stretch>
+        </p:blipFill>
+        <p:spPr>
+          <a:xfrm>
+            <a:off x="7362301" y="5909338"/>
+            <a:ext cx="283419" cy="283419"/>
+          </a:xfrm>
+          <a:prstGeom prst="rect">
+            <a:avLst/>
+          </a:prstGeom>
+        </p:spPr>
+      </p:pic>
+      <p:pic>
+        <p:nvPicPr>
+          <p:cNvPr id="82" name="그림 81">
+            <a:extLst>
+              <a:ext uri="{FF2B5EF4-FFF2-40B4-BE49-F238E27FC236}">
+                <a16:creationId xmlns:a16="http://schemas.microsoft.com/office/drawing/2014/main" id="{0DD74B8C-BB69-49DF-B1F3-F8A12600B3D0}"/>
+              </a:ext>
+            </a:extLst>
+          </p:cNvPr>
+          <p:cNvPicPr>
+            <a:picLocks noChangeAspect="1"/>
+          </p:cNvPicPr>
+          <p:nvPr/>
+        </p:nvPicPr>
+        <p:blipFill>
+          <a:blip r:embed="rId8">
+            <a:extLst>
+              <a:ext uri="{28A0092B-C50C-407E-A947-70E740481C1C}">
+                <a14:useLocalDpi xmlns:a14="http://schemas.microsoft.com/office/drawing/2010/main" val="0"/>
+              </a:ext>
+            </a:extLst>
+          </a:blip>
+          <a:stretch>
+            <a:fillRect/>
+          </a:stretch>
+        </p:blipFill>
+        <p:spPr>
+          <a:xfrm>
+            <a:off x="5197361" y="5932458"/>
+            <a:ext cx="242239" cy="242239"/>
+          </a:xfrm>
+          <a:prstGeom prst="rect">
+            <a:avLst/>
+          </a:prstGeom>
+        </p:spPr>
+      </p:pic>
+      <p:sp>
+        <p:nvSpPr>
+          <p:cNvPr id="85" name="직사각형 84">
+            <a:extLst>
+              <a:ext uri="{FF2B5EF4-FFF2-40B4-BE49-F238E27FC236}">
+                <a16:creationId xmlns:a16="http://schemas.microsoft.com/office/drawing/2014/main" id="{0B8E8C85-62E9-4CAC-B365-658CDF7A63CF}"/>
+              </a:ext>
+            </a:extLst>
+          </p:cNvPr>
+          <p:cNvSpPr/>
+          <p:nvPr/>
+        </p:nvSpPr>
+        <p:spPr>
+          <a:xfrm>
+            <a:off x="4225020" y="1039376"/>
+            <a:ext cx="3672834" cy="843625"/>
+          </a:xfrm>
+          <a:prstGeom prst="rect">
+            <a:avLst/>
+          </a:prstGeom>
+          <a:solidFill>
+            <a:schemeClr val="bg1"/>
+          </a:solidFill>
+          <a:ln>
+            <a:solidFill>
+              <a:schemeClr val="bg2">
+                <a:lumMod val="50000"/>
+              </a:schemeClr>
+            </a:solidFill>
+          </a:ln>
+        </p:spPr>
+        <p:style>
+          <a:lnRef idx="2">
+            <a:schemeClr val="accent1">
+              <a:shade val="50000"/>
+            </a:schemeClr>
+          </a:lnRef>
+          <a:fillRef idx="1">
+            <a:schemeClr val="accent1"/>
+          </a:fillRef>
+          <a:effectRef idx="0">
+            <a:schemeClr val="accent1"/>
+          </a:effectRef>
+          <a:fontRef idx="minor">
+            <a:schemeClr val="lt1"/>
+          </a:fontRef>
+        </p:style>
+        <p:txBody>
+          <a:bodyPr rtlCol="0" anchor="ctr"/>
+          <a:lstStyle/>
+          <a:p>
+            <a:pPr algn="ctr"/>
+            <a:endParaRPr lang="ko-KR" altLang="en-US"/>
+          </a:p>
+        </p:txBody>
+      </p:sp>
+      <p:sp>
+        <p:nvSpPr>
+          <p:cNvPr id="2" name="TextBox 1">
+            <a:extLst>
+              <a:ext uri="{FF2B5EF4-FFF2-40B4-BE49-F238E27FC236}">
+                <a16:creationId xmlns:a16="http://schemas.microsoft.com/office/drawing/2014/main" id="{3E0B16EC-0E49-4F16-9DA6-5728D8AF0C9C}"/>
+              </a:ext>
+            </a:extLst>
+          </p:cNvPr>
+          <p:cNvSpPr txBox="1"/>
+          <p:nvPr/>
+        </p:nvSpPr>
+        <p:spPr>
+          <a:xfrm>
+            <a:off x="4542680" y="1252735"/>
+            <a:ext cx="1099570" cy="369332"/>
+          </a:xfrm>
+          <a:prstGeom prst="rect">
+            <a:avLst/>
+          </a:prstGeom>
+          <a:noFill/>
+        </p:spPr>
+        <p:txBody>
+          <a:bodyPr wrap="square" rtlCol="0">
+            <a:spAutoFit/>
+          </a:bodyPr>
+          <a:lstStyle/>
+          <a:p>
+            <a:r>
+              <a:rPr lang="ko-KR" altLang="en-US" sz="1100" dirty="0">
+                <a:latin typeface="a고딕12" panose="02020600000000000000" pitchFamily="18" charset="-127"/>
+                <a:ea typeface="a고딕12" panose="02020600000000000000" pitchFamily="18" charset="-127"/>
+              </a:rPr>
+              <a:t>오전 </a:t>
+            </a:r>
+            <a:r>
+              <a:rPr lang="en-US" altLang="ko-KR" dirty="0">
+                <a:latin typeface="a고딕12" panose="02020600000000000000" pitchFamily="18" charset="-127"/>
+                <a:ea typeface="a고딕12" panose="02020600000000000000" pitchFamily="18" charset="-127"/>
+              </a:rPr>
+              <a:t>6:00</a:t>
+            </a:r>
+            <a:r>
+              <a:rPr lang="ko-KR" altLang="en-US" dirty="0"/>
+              <a:t> </a:t>
+            </a:r>
+          </a:p>
+        </p:txBody>
+      </p:sp>
+      <p:sp>
+        <p:nvSpPr>
+          <p:cNvPr id="87" name="TextBox 86">
+            <a:extLst>
+              <a:ext uri="{FF2B5EF4-FFF2-40B4-BE49-F238E27FC236}">
+                <a16:creationId xmlns:a16="http://schemas.microsoft.com/office/drawing/2014/main" id="{D9A48EDD-DBD6-4CC0-846C-02C07E5C725C}"/>
+              </a:ext>
+            </a:extLst>
+          </p:cNvPr>
+          <p:cNvSpPr txBox="1"/>
+          <p:nvPr/>
+        </p:nvSpPr>
+        <p:spPr>
+          <a:xfrm>
+            <a:off x="5834525" y="1314566"/>
+            <a:ext cx="1310639" cy="261610"/>
+          </a:xfrm>
+          <a:prstGeom prst="rect">
+            <a:avLst/>
+          </a:prstGeom>
+          <a:noFill/>
+        </p:spPr>
+        <p:txBody>
+          <a:bodyPr wrap="square" rtlCol="0">
+            <a:spAutoFit/>
+          </a:bodyPr>
+          <a:lstStyle/>
+          <a:p>
+            <a:r>
+              <a:rPr lang="ko-KR" altLang="en-US" sz="1100" dirty="0">
+                <a:latin typeface="a고딕12" panose="02020600000000000000" pitchFamily="18" charset="-127"/>
+                <a:ea typeface="a고딕12" panose="02020600000000000000" pitchFamily="18" charset="-127"/>
+              </a:rPr>
+              <a:t>일 </a:t>
+            </a:r>
+            <a:r>
+              <a:rPr lang="ko-KR" altLang="en-US" sz="1100" dirty="0">
                 <a:solidFill>
-                  <a:schemeClr val="tx1"/>
+                  <a:srgbClr val="D57793"/>
+                </a:solidFill>
+                <a:latin typeface="a고딕12" panose="02020600000000000000" pitchFamily="18" charset="-127"/>
+                <a:ea typeface="a고딕12" panose="02020600000000000000" pitchFamily="18" charset="-127"/>
+              </a:rPr>
+              <a:t>월 화 수 목 금 </a:t>
+            </a:r>
+            <a:r>
+              <a:rPr lang="ko-KR" altLang="en-US" sz="1100" dirty="0">
+                <a:latin typeface="a고딕12" panose="02020600000000000000" pitchFamily="18" charset="-127"/>
+                <a:ea typeface="a고딕12" panose="02020600000000000000" pitchFamily="18" charset="-127"/>
+              </a:rPr>
+              <a:t>토</a:t>
+            </a:r>
+            <a:endParaRPr lang="ko-KR" altLang="en-US" dirty="0"/>
+          </a:p>
+        </p:txBody>
+      </p:sp>
+      <p:pic>
+        <p:nvPicPr>
+          <p:cNvPr id="88" name="그림 87">
+            <a:extLst>
+              <a:ext uri="{FF2B5EF4-FFF2-40B4-BE49-F238E27FC236}">
+                <a16:creationId xmlns:a16="http://schemas.microsoft.com/office/drawing/2014/main" id="{AEB03A18-9E16-4068-A51D-43F74508B595}"/>
+              </a:ext>
+            </a:extLst>
+          </p:cNvPr>
+          <p:cNvPicPr>
+            <a:picLocks noChangeAspect="1"/>
+          </p:cNvPicPr>
+          <p:nvPr/>
+        </p:nvPicPr>
+        <p:blipFill>
+          <a:blip r:embed="rId9">
+            <a:duotone>
+              <a:schemeClr val="accent2">
+                <a:shade val="45000"/>
+                <a:satMod val="135000"/>
+              </a:schemeClr>
+              <a:prstClr val="white"/>
+            </a:duotone>
+            <a:extLst>
+              <a:ext uri="{28A0092B-C50C-407E-A947-70E740481C1C}">
+                <a14:useLocalDpi xmlns:a14="http://schemas.microsoft.com/office/drawing/2010/main" val="0"/>
+              </a:ext>
+            </a:extLst>
+          </a:blip>
+          <a:stretch>
+            <a:fillRect/>
+          </a:stretch>
+        </p:blipFill>
+        <p:spPr>
+          <a:xfrm>
+            <a:off x="7191372" y="1280210"/>
+            <a:ext cx="341857" cy="341857"/>
+          </a:xfrm>
+          <a:prstGeom prst="rect">
+            <a:avLst/>
+          </a:prstGeom>
+        </p:spPr>
+      </p:pic>
+      <p:sp>
+        <p:nvSpPr>
+          <p:cNvPr id="89" name="직사각형 88">
+            <a:extLst>
+              <a:ext uri="{FF2B5EF4-FFF2-40B4-BE49-F238E27FC236}">
+                <a16:creationId xmlns:a16="http://schemas.microsoft.com/office/drawing/2014/main" id="{A59596E8-8949-4870-9B86-321BBC0E2A34}"/>
+              </a:ext>
+            </a:extLst>
+          </p:cNvPr>
+          <p:cNvSpPr/>
+          <p:nvPr/>
+        </p:nvSpPr>
+        <p:spPr>
+          <a:xfrm>
+            <a:off x="4225021" y="1883001"/>
+            <a:ext cx="3724384" cy="843625"/>
+          </a:xfrm>
+          <a:prstGeom prst="rect">
+            <a:avLst/>
+          </a:prstGeom>
+          <a:solidFill>
+            <a:schemeClr val="bg1"/>
+          </a:solidFill>
+          <a:ln>
+            <a:solidFill>
+              <a:schemeClr val="bg2">
+                <a:lumMod val="50000"/>
+              </a:schemeClr>
+            </a:solidFill>
+          </a:ln>
+        </p:spPr>
+        <p:style>
+          <a:lnRef idx="2">
+            <a:schemeClr val="accent1">
+              <a:shade val="50000"/>
+            </a:schemeClr>
+          </a:lnRef>
+          <a:fillRef idx="1">
+            <a:schemeClr val="accent1"/>
+          </a:fillRef>
+          <a:effectRef idx="0">
+            <a:schemeClr val="accent1"/>
+          </a:effectRef>
+          <a:fontRef idx="minor">
+            <a:schemeClr val="lt1"/>
+          </a:fontRef>
+        </p:style>
+        <p:txBody>
+          <a:bodyPr rtlCol="0" anchor="ctr"/>
+          <a:lstStyle/>
+          <a:p>
+            <a:pPr algn="ctr"/>
+            <a:endParaRPr lang="ko-KR" altLang="en-US"/>
+          </a:p>
+        </p:txBody>
+      </p:sp>
+      <p:sp>
+        <p:nvSpPr>
+          <p:cNvPr id="90" name="TextBox 89">
+            <a:extLst>
+              <a:ext uri="{FF2B5EF4-FFF2-40B4-BE49-F238E27FC236}">
+                <a16:creationId xmlns:a16="http://schemas.microsoft.com/office/drawing/2014/main" id="{36B209AA-C091-4BA4-B93E-224DAA808FF6}"/>
+              </a:ext>
+            </a:extLst>
+          </p:cNvPr>
+          <p:cNvSpPr txBox="1"/>
+          <p:nvPr/>
+        </p:nvSpPr>
+        <p:spPr>
+          <a:xfrm>
+            <a:off x="4542680" y="2096360"/>
+            <a:ext cx="1099570" cy="369332"/>
+          </a:xfrm>
+          <a:prstGeom prst="rect">
+            <a:avLst/>
+          </a:prstGeom>
+          <a:noFill/>
+        </p:spPr>
+        <p:txBody>
+          <a:bodyPr wrap="square" rtlCol="0">
+            <a:spAutoFit/>
+          </a:bodyPr>
+          <a:lstStyle/>
+          <a:p>
+            <a:r>
+              <a:rPr lang="ko-KR" altLang="en-US" sz="1100" dirty="0">
+                <a:solidFill>
+                  <a:schemeClr val="bg1">
+                    <a:lumMod val="75000"/>
+                  </a:schemeClr>
+                </a:solidFill>
+                <a:latin typeface="a고딕12" panose="02020600000000000000" pitchFamily="18" charset="-127"/>
+                <a:ea typeface="a고딕12" panose="02020600000000000000" pitchFamily="18" charset="-127"/>
+              </a:rPr>
+              <a:t>오전 </a:t>
+            </a:r>
+            <a:r>
+              <a:rPr lang="en-US" altLang="ko-KR" sz="1100" dirty="0">
+                <a:solidFill>
+                  <a:schemeClr val="bg1">
+                    <a:lumMod val="75000"/>
+                  </a:schemeClr>
+                </a:solidFill>
+                <a:latin typeface="a고딕12" panose="02020600000000000000" pitchFamily="18" charset="-127"/>
+                <a:ea typeface="a고딕12" panose="02020600000000000000" pitchFamily="18" charset="-127"/>
+              </a:rPr>
+              <a:t> </a:t>
+            </a:r>
+            <a:r>
+              <a:rPr lang="en-US" altLang="ko-KR" dirty="0">
+                <a:solidFill>
+                  <a:schemeClr val="bg1">
+                    <a:lumMod val="75000"/>
+                  </a:schemeClr>
+                </a:solidFill>
+                <a:latin typeface="a고딕12" panose="02020600000000000000" pitchFamily="18" charset="-127"/>
+                <a:ea typeface="a고딕12" panose="02020600000000000000" pitchFamily="18" charset="-127"/>
+              </a:rPr>
+              <a:t>8:00</a:t>
+            </a:r>
+            <a:r>
+              <a:rPr lang="ko-KR" altLang="en-US" dirty="0">
+                <a:solidFill>
+                  <a:schemeClr val="bg1">
+                    <a:lumMod val="75000"/>
+                  </a:schemeClr>
                 </a:solidFill>
               </a:rPr>
-              <a:t>Alarm </a:t>
-            </a:r>
-            <a:r>
-              <a:rPr lang="ko-KR" altLang="en-US" sz="6000" b="1" dirty="0">
+              <a:t> </a:t>
+            </a:r>
+          </a:p>
+        </p:txBody>
+      </p:sp>
+      <p:sp>
+        <p:nvSpPr>
+          <p:cNvPr id="91" name="TextBox 90">
+            <a:extLst>
+              <a:ext uri="{FF2B5EF4-FFF2-40B4-BE49-F238E27FC236}">
+                <a16:creationId xmlns:a16="http://schemas.microsoft.com/office/drawing/2014/main" id="{2B2A054A-69F3-44F9-A913-B2AC6959D946}"/>
+              </a:ext>
+            </a:extLst>
+          </p:cNvPr>
+          <p:cNvSpPr txBox="1"/>
+          <p:nvPr/>
+        </p:nvSpPr>
+        <p:spPr>
+          <a:xfrm>
+            <a:off x="5834525" y="2158191"/>
+            <a:ext cx="1310639" cy="261610"/>
+          </a:xfrm>
+          <a:prstGeom prst="rect">
+            <a:avLst/>
+          </a:prstGeom>
+          <a:noFill/>
+        </p:spPr>
+        <p:txBody>
+          <a:bodyPr wrap="square" rtlCol="0">
+            <a:spAutoFit/>
+          </a:bodyPr>
+          <a:lstStyle/>
+          <a:p>
+            <a:r>
+              <a:rPr lang="ko-KR" altLang="en-US" sz="1100" dirty="0">
+                <a:latin typeface="a고딕12" panose="02020600000000000000" pitchFamily="18" charset="-127"/>
+                <a:ea typeface="a고딕12" panose="02020600000000000000" pitchFamily="18" charset="-127"/>
+              </a:rPr>
+              <a:t>일 </a:t>
+            </a:r>
+            <a:r>
+              <a:rPr lang="ko-KR" altLang="en-US" sz="1100" dirty="0">
                 <a:solidFill>
-                  <a:schemeClr val="tx1"/>
+                  <a:srgbClr val="D57793"/>
+                </a:solidFill>
+                <a:latin typeface="a고딕12" panose="02020600000000000000" pitchFamily="18" charset="-127"/>
+                <a:ea typeface="a고딕12" panose="02020600000000000000" pitchFamily="18" charset="-127"/>
+              </a:rPr>
+              <a:t>월 화 수 목 금 </a:t>
+            </a:r>
+            <a:r>
+              <a:rPr lang="ko-KR" altLang="en-US" sz="1100" dirty="0">
+                <a:latin typeface="a고딕12" panose="02020600000000000000" pitchFamily="18" charset="-127"/>
+                <a:ea typeface="a고딕12" panose="02020600000000000000" pitchFamily="18" charset="-127"/>
+              </a:rPr>
+              <a:t>토</a:t>
+            </a:r>
+            <a:endParaRPr lang="ko-KR" altLang="en-US" dirty="0"/>
+          </a:p>
+        </p:txBody>
+      </p:sp>
+      <p:pic>
+        <p:nvPicPr>
+          <p:cNvPr id="92" name="그림 91">
+            <a:extLst>
+              <a:ext uri="{FF2B5EF4-FFF2-40B4-BE49-F238E27FC236}">
+                <a16:creationId xmlns:a16="http://schemas.microsoft.com/office/drawing/2014/main" id="{DEC60C69-1398-4A13-9A9E-F1CEB27A43C1}"/>
+              </a:ext>
+            </a:extLst>
+          </p:cNvPr>
+          <p:cNvPicPr>
+            <a:picLocks noChangeAspect="1"/>
+          </p:cNvPicPr>
+          <p:nvPr/>
+        </p:nvPicPr>
+        <p:blipFill>
+          <a:blip r:embed="rId9">
+            <a:duotone>
+              <a:schemeClr val="bg2">
+                <a:shade val="45000"/>
+                <a:satMod val="135000"/>
+              </a:schemeClr>
+              <a:prstClr val="white"/>
+            </a:duotone>
+            <a:extLst>
+              <a:ext uri="{28A0092B-C50C-407E-A947-70E740481C1C}">
+                <a14:useLocalDpi xmlns:a14="http://schemas.microsoft.com/office/drawing/2010/main" val="0"/>
+              </a:ext>
+            </a:extLst>
+          </a:blip>
+          <a:stretch>
+            <a:fillRect/>
+          </a:stretch>
+        </p:blipFill>
+        <p:spPr>
+          <a:xfrm rot="10800000">
+            <a:off x="7191372" y="2123835"/>
+            <a:ext cx="341857" cy="341857"/>
+          </a:xfrm>
+          <a:prstGeom prst="rect">
+            <a:avLst/>
+          </a:prstGeom>
+        </p:spPr>
+      </p:pic>
+      <p:sp>
+        <p:nvSpPr>
+          <p:cNvPr id="93" name="타원 92">
+            <a:extLst>
+              <a:ext uri="{FF2B5EF4-FFF2-40B4-BE49-F238E27FC236}">
+                <a16:creationId xmlns:a16="http://schemas.microsoft.com/office/drawing/2014/main" id="{F9D4746C-63DD-4A66-8E1D-950049578FDC}"/>
+              </a:ext>
+            </a:extLst>
+          </p:cNvPr>
+          <p:cNvSpPr/>
+          <p:nvPr/>
+        </p:nvSpPr>
+        <p:spPr>
+          <a:xfrm>
+            <a:off x="7267453" y="5198919"/>
+            <a:ext cx="401002" cy="400155"/>
+          </a:xfrm>
+          <a:prstGeom prst="ellipse">
+            <a:avLst/>
+          </a:prstGeom>
+          <a:solidFill>
+            <a:srgbClr val="ED6C89"/>
+          </a:solidFill>
+          <a:ln>
+            <a:noFill/>
+          </a:ln>
+        </p:spPr>
+        <p:style>
+          <a:lnRef idx="2">
+            <a:schemeClr val="accent1">
+              <a:shade val="50000"/>
+            </a:schemeClr>
+          </a:lnRef>
+          <a:fillRef idx="1">
+            <a:schemeClr val="accent1"/>
+          </a:fillRef>
+          <a:effectRef idx="0">
+            <a:schemeClr val="accent1"/>
+          </a:effectRef>
+          <a:fontRef idx="minor">
+            <a:schemeClr val="lt1"/>
+          </a:fontRef>
+        </p:style>
+        <p:txBody>
+          <a:bodyPr rtlCol="0" anchor="ctr"/>
+          <a:lstStyle/>
+          <a:p>
+            <a:pPr algn="ctr"/>
+            <a:endParaRPr lang="ko-KR" altLang="en-US"/>
+          </a:p>
+        </p:txBody>
+      </p:sp>
+      <p:sp>
+        <p:nvSpPr>
+          <p:cNvPr id="94" name="TextBox 93">
+            <a:extLst>
+              <a:ext uri="{FF2B5EF4-FFF2-40B4-BE49-F238E27FC236}">
+                <a16:creationId xmlns:a16="http://schemas.microsoft.com/office/drawing/2014/main" id="{E54A2F74-5215-4867-A97C-1EDE2C592C90}"/>
+              </a:ext>
+            </a:extLst>
+          </p:cNvPr>
+          <p:cNvSpPr txBox="1"/>
+          <p:nvPr/>
+        </p:nvSpPr>
+        <p:spPr>
+          <a:xfrm>
+            <a:off x="7253469" y="5122239"/>
+            <a:ext cx="313331" cy="523220"/>
+          </a:xfrm>
+          <a:prstGeom prst="rect">
+            <a:avLst/>
+          </a:prstGeom>
+          <a:noFill/>
+        </p:spPr>
+        <p:txBody>
+          <a:bodyPr wrap="square" rtlCol="0">
+            <a:spAutoFit/>
+          </a:bodyPr>
+          <a:lstStyle/>
+          <a:p>
+            <a:r>
+              <a:rPr lang="en-US" altLang="ko-KR" sz="2800" b="1" dirty="0">
+                <a:solidFill>
+                  <a:schemeClr val="bg1">
+                    <a:lumMod val="95000"/>
+                  </a:schemeClr>
                 </a:solidFill>
               </a:rPr>
-              <a:t>서비스</a:t>
-            </a:r>
-            <a:endParaRPr lang="en-US" altLang="ko-KR" sz="6000" b="1" dirty="0">
+              <a:t>+</a:t>
+            </a:r>
+            <a:endParaRPr lang="ko-KR" altLang="en-US" sz="2800" b="1" dirty="0">
               <a:solidFill>
-                <a:schemeClr val="tx1"/>
+                <a:schemeClr val="bg1">
+                  <a:lumMod val="95000"/>
+                </a:schemeClr>
               </a:solidFill>
+            </a:endParaRPr>
+          </a:p>
+        </p:txBody>
+      </p:sp>
+      <p:sp>
+        <p:nvSpPr>
+          <p:cNvPr id="27" name="직사각형 26">
+            <a:extLst>
+              <a:ext uri="{FF2B5EF4-FFF2-40B4-BE49-F238E27FC236}">
+                <a16:creationId xmlns:a16="http://schemas.microsoft.com/office/drawing/2014/main" id="{CF3B93B0-743D-4B81-80EC-A15D7D138300}"/>
+              </a:ext>
+            </a:extLst>
+          </p:cNvPr>
+          <p:cNvSpPr/>
+          <p:nvPr/>
+        </p:nvSpPr>
+        <p:spPr>
+          <a:xfrm>
+            <a:off x="4225020" y="2716734"/>
+            <a:ext cx="3852180" cy="843625"/>
+          </a:xfrm>
+          <a:prstGeom prst="rect">
+            <a:avLst/>
+          </a:prstGeom>
+          <a:solidFill>
+            <a:schemeClr val="bg1"/>
+          </a:solidFill>
+          <a:ln>
+            <a:solidFill>
+              <a:schemeClr val="bg2">
+                <a:lumMod val="50000"/>
+              </a:schemeClr>
+            </a:solidFill>
+          </a:ln>
+        </p:spPr>
+        <p:style>
+          <a:lnRef idx="2">
+            <a:schemeClr val="accent1">
+              <a:shade val="50000"/>
+            </a:schemeClr>
+          </a:lnRef>
+          <a:fillRef idx="1">
+            <a:schemeClr val="accent1"/>
+          </a:fillRef>
+          <a:effectRef idx="0">
+            <a:schemeClr val="accent1"/>
+          </a:effectRef>
+          <a:fontRef idx="minor">
+            <a:schemeClr val="lt1"/>
+          </a:fontRef>
+        </p:style>
+        <p:txBody>
+          <a:bodyPr rtlCol="0" anchor="ctr"/>
+          <a:lstStyle/>
+          <a:p>
+            <a:pPr algn="ctr"/>
+            <a:endParaRPr lang="ko-KR" altLang="en-US"/>
+          </a:p>
+        </p:txBody>
+      </p:sp>
+      <p:sp>
+        <p:nvSpPr>
+          <p:cNvPr id="28" name="TextBox 27">
+            <a:extLst>
+              <a:ext uri="{FF2B5EF4-FFF2-40B4-BE49-F238E27FC236}">
+                <a16:creationId xmlns:a16="http://schemas.microsoft.com/office/drawing/2014/main" id="{AF100E2A-F432-4A79-84CA-19CFE5EA9970}"/>
+              </a:ext>
+            </a:extLst>
+          </p:cNvPr>
+          <p:cNvSpPr txBox="1"/>
+          <p:nvPr/>
+        </p:nvSpPr>
+        <p:spPr>
+          <a:xfrm>
+            <a:off x="4542680" y="2930093"/>
+            <a:ext cx="1099570" cy="369332"/>
+          </a:xfrm>
+          <a:prstGeom prst="rect">
+            <a:avLst/>
+          </a:prstGeom>
+          <a:noFill/>
+        </p:spPr>
+        <p:txBody>
+          <a:bodyPr wrap="square" rtlCol="0">
+            <a:spAutoFit/>
+          </a:bodyPr>
+          <a:lstStyle/>
+          <a:p>
+            <a:r>
+              <a:rPr lang="ko-KR" altLang="en-US" sz="1100" dirty="0">
+                <a:latin typeface="a고딕12" panose="02020600000000000000" pitchFamily="18" charset="-127"/>
+                <a:ea typeface="a고딕12" panose="02020600000000000000" pitchFamily="18" charset="-127"/>
+              </a:rPr>
+              <a:t>오후 </a:t>
+            </a:r>
+            <a:r>
+              <a:rPr lang="en-US" altLang="ko-KR" dirty="0">
+                <a:latin typeface="a고딕12" panose="02020600000000000000" pitchFamily="18" charset="-127"/>
+                <a:ea typeface="a고딕12" panose="02020600000000000000" pitchFamily="18" charset="-127"/>
+              </a:rPr>
+              <a:t>12:00</a:t>
+            </a:r>
+            <a:r>
+              <a:rPr lang="ko-KR" altLang="en-US" dirty="0"/>
+              <a:t> </a:t>
+            </a:r>
+          </a:p>
+        </p:txBody>
+      </p:sp>
+      <p:sp>
+        <p:nvSpPr>
+          <p:cNvPr id="29" name="TextBox 28">
+            <a:extLst>
+              <a:ext uri="{FF2B5EF4-FFF2-40B4-BE49-F238E27FC236}">
+                <a16:creationId xmlns:a16="http://schemas.microsoft.com/office/drawing/2014/main" id="{B706F659-2C4E-4E22-895F-9B9CEDFB9E3A}"/>
+              </a:ext>
+            </a:extLst>
+          </p:cNvPr>
+          <p:cNvSpPr txBox="1"/>
+          <p:nvPr/>
+        </p:nvSpPr>
+        <p:spPr>
+          <a:xfrm>
+            <a:off x="5834525" y="2991924"/>
+            <a:ext cx="1310639" cy="261610"/>
+          </a:xfrm>
+          <a:prstGeom prst="rect">
+            <a:avLst/>
+          </a:prstGeom>
+          <a:noFill/>
+        </p:spPr>
+        <p:txBody>
+          <a:bodyPr wrap="square" rtlCol="0">
+            <a:spAutoFit/>
+          </a:bodyPr>
+          <a:lstStyle/>
+          <a:p>
+            <a:pPr algn="r"/>
+            <a:r>
+              <a:rPr lang="en-US" altLang="ko-KR" sz="1100" dirty="0">
+                <a:latin typeface="a고딕12" panose="02020600000000000000" pitchFamily="18" charset="-127"/>
+                <a:ea typeface="a고딕12" panose="02020600000000000000" pitchFamily="18" charset="-127"/>
+              </a:rPr>
+              <a:t>3</a:t>
+            </a:r>
+            <a:r>
+              <a:rPr lang="ko-KR" altLang="en-US" sz="1100" dirty="0">
+                <a:latin typeface="a고딕12" panose="02020600000000000000" pitchFamily="18" charset="-127"/>
+                <a:ea typeface="a고딕12" panose="02020600000000000000" pitchFamily="18" charset="-127"/>
+              </a:rPr>
+              <a:t>월 </a:t>
+            </a:r>
+            <a:r>
+              <a:rPr lang="en-US" altLang="ko-KR" sz="1100" dirty="0">
+                <a:latin typeface="a고딕12" panose="02020600000000000000" pitchFamily="18" charset="-127"/>
+                <a:ea typeface="a고딕12" panose="02020600000000000000" pitchFamily="18" charset="-127"/>
+              </a:rPr>
+              <a:t>22</a:t>
+            </a:r>
+            <a:r>
+              <a:rPr lang="ko-KR" altLang="en-US" sz="1100" dirty="0">
+                <a:latin typeface="a고딕12" panose="02020600000000000000" pitchFamily="18" charset="-127"/>
+                <a:ea typeface="a고딕12" panose="02020600000000000000" pitchFamily="18" charset="-127"/>
+              </a:rPr>
+              <a:t>일 </a:t>
+            </a:r>
+            <a:r>
+              <a:rPr lang="en-US" altLang="ko-KR" sz="1100" dirty="0">
+                <a:latin typeface="a고딕12" panose="02020600000000000000" pitchFamily="18" charset="-127"/>
+                <a:ea typeface="a고딕12" panose="02020600000000000000" pitchFamily="18" charset="-127"/>
+              </a:rPr>
+              <a:t>(</a:t>
+            </a:r>
+            <a:r>
+              <a:rPr lang="ko-KR" altLang="en-US" sz="1100" dirty="0">
+                <a:latin typeface="a고딕12" panose="02020600000000000000" pitchFamily="18" charset="-127"/>
+                <a:ea typeface="a고딕12" panose="02020600000000000000" pitchFamily="18" charset="-127"/>
+              </a:rPr>
+              <a:t>금</a:t>
+            </a:r>
+            <a:r>
+              <a:rPr lang="en-US" altLang="ko-KR" sz="1100" dirty="0">
+                <a:latin typeface="a고딕12" panose="02020600000000000000" pitchFamily="18" charset="-127"/>
+                <a:ea typeface="a고딕12" panose="02020600000000000000" pitchFamily="18" charset="-127"/>
+              </a:rPr>
+              <a:t>)</a:t>
+            </a:r>
+            <a:endParaRPr lang="ko-KR" altLang="en-US" dirty="0"/>
+          </a:p>
+        </p:txBody>
+      </p:sp>
+      <p:pic>
+        <p:nvPicPr>
+          <p:cNvPr id="30" name="그림 29">
+            <a:extLst>
+              <a:ext uri="{FF2B5EF4-FFF2-40B4-BE49-F238E27FC236}">
+                <a16:creationId xmlns:a16="http://schemas.microsoft.com/office/drawing/2014/main" id="{F8A11DA8-A56A-4431-ABF6-E11ACD2A2506}"/>
+              </a:ext>
+            </a:extLst>
+          </p:cNvPr>
+          <p:cNvPicPr>
+            <a:picLocks noChangeAspect="1"/>
+          </p:cNvPicPr>
+          <p:nvPr/>
+        </p:nvPicPr>
+        <p:blipFill>
+          <a:blip r:embed="rId9">
+            <a:duotone>
+              <a:schemeClr val="accent2">
+                <a:shade val="45000"/>
+                <a:satMod val="135000"/>
+              </a:schemeClr>
+              <a:prstClr val="white"/>
+            </a:duotone>
+            <a:extLst>
+              <a:ext uri="{28A0092B-C50C-407E-A947-70E740481C1C}">
+                <a14:useLocalDpi xmlns:a14="http://schemas.microsoft.com/office/drawing/2010/main" val="0"/>
+              </a:ext>
+            </a:extLst>
+          </a:blip>
+          <a:stretch>
+            <a:fillRect/>
+          </a:stretch>
+        </p:blipFill>
+        <p:spPr>
+          <a:xfrm>
+            <a:off x="7191372" y="2957568"/>
+            <a:ext cx="341857" cy="341857"/>
+          </a:xfrm>
+          <a:prstGeom prst="rect">
+            <a:avLst/>
+          </a:prstGeom>
+        </p:spPr>
+      </p:pic>
+      <p:sp>
+        <p:nvSpPr>
+          <p:cNvPr id="43" name="사각형: 둥근 모서리 42">
+            <a:extLst>
+              <a:ext uri="{FF2B5EF4-FFF2-40B4-BE49-F238E27FC236}">
+                <a16:creationId xmlns:a16="http://schemas.microsoft.com/office/drawing/2014/main" id="{88539E2D-7508-4C3F-A7CC-4D5C7CFBEF15}"/>
+              </a:ext>
+            </a:extLst>
+          </p:cNvPr>
+          <p:cNvSpPr/>
+          <p:nvPr/>
+        </p:nvSpPr>
+        <p:spPr>
+          <a:xfrm>
+            <a:off x="2496660" y="406401"/>
+            <a:ext cx="1862882" cy="6410329"/>
+          </a:xfrm>
+          <a:prstGeom prst="roundRect">
+            <a:avLst>
+              <a:gd name="adj" fmla="val 3788"/>
+            </a:avLst>
+          </a:prstGeom>
+          <a:solidFill>
+            <a:schemeClr val="bg1"/>
+          </a:solidFill>
+          <a:ln>
+            <a:solidFill>
+              <a:schemeClr val="bg1"/>
+            </a:solidFill>
+          </a:ln>
+        </p:spPr>
+        <p:style>
+          <a:lnRef idx="2">
+            <a:schemeClr val="accent1">
+              <a:shade val="50000"/>
+            </a:schemeClr>
+          </a:lnRef>
+          <a:fillRef idx="1">
+            <a:schemeClr val="accent1"/>
+          </a:fillRef>
+          <a:effectRef idx="0">
+            <a:schemeClr val="accent1"/>
+          </a:effectRef>
+          <a:fontRef idx="minor">
+            <a:schemeClr val="lt1"/>
+          </a:fontRef>
+        </p:style>
+        <p:txBody>
+          <a:bodyPr rtlCol="0" anchor="ctr"/>
+          <a:lstStyle/>
+          <a:p>
+            <a:pPr algn="ctr"/>
+            <a:endParaRPr lang="ko-KR" altLang="en-US" dirty="0"/>
+          </a:p>
+        </p:txBody>
+      </p:sp>
+      <p:sp>
+        <p:nvSpPr>
+          <p:cNvPr id="42" name="사각형: 둥근 모서리 41">
+            <a:extLst>
+              <a:ext uri="{FF2B5EF4-FFF2-40B4-BE49-F238E27FC236}">
+                <a16:creationId xmlns:a16="http://schemas.microsoft.com/office/drawing/2014/main" id="{57F93A8A-1C84-4C88-A901-35446B82019C}"/>
+              </a:ext>
+            </a:extLst>
+          </p:cNvPr>
+          <p:cNvSpPr/>
+          <p:nvPr/>
+        </p:nvSpPr>
+        <p:spPr>
+          <a:xfrm>
+            <a:off x="7808612" y="406401"/>
+            <a:ext cx="3193310" cy="6410330"/>
+          </a:xfrm>
+          <a:prstGeom prst="roundRect">
+            <a:avLst>
+              <a:gd name="adj" fmla="val 3788"/>
+            </a:avLst>
+          </a:prstGeom>
+          <a:solidFill>
+            <a:schemeClr val="bg1"/>
+          </a:solidFill>
+          <a:ln>
+            <a:solidFill>
+              <a:schemeClr val="bg1"/>
+            </a:solidFill>
+          </a:ln>
+        </p:spPr>
+        <p:style>
+          <a:lnRef idx="2">
+            <a:schemeClr val="accent1">
+              <a:shade val="50000"/>
+            </a:schemeClr>
+          </a:lnRef>
+          <a:fillRef idx="1">
+            <a:schemeClr val="accent1"/>
+          </a:fillRef>
+          <a:effectRef idx="0">
+            <a:schemeClr val="accent1"/>
+          </a:effectRef>
+          <a:fontRef idx="minor">
+            <a:schemeClr val="lt1"/>
+          </a:fontRef>
+        </p:style>
+        <p:txBody>
+          <a:bodyPr rtlCol="0" anchor="ctr"/>
+          <a:lstStyle/>
+          <a:p>
+            <a:pPr algn="ctr"/>
+            <a:endParaRPr lang="ko-KR" altLang="en-US" dirty="0"/>
+          </a:p>
+        </p:txBody>
+      </p:sp>
+      <p:sp>
+        <p:nvSpPr>
+          <p:cNvPr id="32" name="TextBox 31">
+            <a:extLst>
+              <a:ext uri="{FF2B5EF4-FFF2-40B4-BE49-F238E27FC236}">
+                <a16:creationId xmlns:a16="http://schemas.microsoft.com/office/drawing/2014/main" id="{822C217B-59D0-4D3F-BFD7-292A89C2F8FA}"/>
+              </a:ext>
+            </a:extLst>
+          </p:cNvPr>
+          <p:cNvSpPr txBox="1"/>
+          <p:nvPr/>
+        </p:nvSpPr>
+        <p:spPr>
+          <a:xfrm>
+            <a:off x="5724481" y="660242"/>
+            <a:ext cx="721859" cy="307777"/>
+          </a:xfrm>
+          <a:prstGeom prst="rect">
+            <a:avLst/>
+          </a:prstGeom>
+          <a:noFill/>
+        </p:spPr>
+        <p:txBody>
+          <a:bodyPr wrap="square" rtlCol="0">
+            <a:spAutoFit/>
+          </a:bodyPr>
+          <a:lstStyle/>
+          <a:p>
+            <a:r>
+              <a:rPr lang="en-US" altLang="ko-KR" sz="1400" dirty="0">
+                <a:solidFill>
+                  <a:schemeClr val="bg1"/>
+                </a:solidFill>
+                <a:latin typeface="a고딕13" panose="02020600000000000000" pitchFamily="18" charset="-127"/>
+                <a:ea typeface="a고딕13" panose="02020600000000000000" pitchFamily="18" charset="-127"/>
+              </a:rPr>
+              <a:t>Alarm</a:t>
+            </a:r>
+            <a:endParaRPr lang="ko-KR" altLang="en-US" sz="1400" dirty="0">
+              <a:solidFill>
+                <a:schemeClr val="bg1"/>
+              </a:solidFill>
+              <a:latin typeface="a고딕13" panose="02020600000000000000" pitchFamily="18" charset="-127"/>
+              <a:ea typeface="a고딕13" panose="02020600000000000000" pitchFamily="18" charset="-127"/>
             </a:endParaRPr>
           </a:p>
         </p:txBody>
@@ -30065,7 +29842,7 @@
     </p:spTree>
     <p:extLst>
       <p:ext uri="{BB962C8B-B14F-4D97-AF65-F5344CB8AC3E}">
-        <p14:creationId xmlns:p14="http://schemas.microsoft.com/office/powerpoint/2010/main" val="2002252728"/>
+        <p14:creationId xmlns:p14="http://schemas.microsoft.com/office/powerpoint/2010/main" val="3984480126"/>
       </p:ext>
     </p:extLst>
   </p:cSld>
@@ -30237,10 +30014,10 @@
       </p:sp>
       <p:sp>
         <p:nvSpPr>
-          <p:cNvPr id="44" name="사각형: 둥근 모서리 43">
-            <a:extLst>
-              <a:ext uri="{FF2B5EF4-FFF2-40B4-BE49-F238E27FC236}">
-                <a16:creationId xmlns:a16="http://schemas.microsoft.com/office/drawing/2014/main" id="{4E6D752D-0246-43B6-A82E-C258BE6EE18F}"/>
+          <p:cNvPr id="74" name="직사각형 73">
+            <a:extLst>
+              <a:ext uri="{FF2B5EF4-FFF2-40B4-BE49-F238E27FC236}">
+                <a16:creationId xmlns:a16="http://schemas.microsoft.com/office/drawing/2014/main" id="{AEF97452-6DBB-4133-B8D2-79B90908B217}"/>
               </a:ext>
             </a:extLst>
           </p:cNvPr>
@@ -30249,12 +30026,376 @@
         </p:nvSpPr>
         <p:spPr>
           <a:xfrm>
-            <a:off x="4225020" y="6230282"/>
-            <a:ext cx="4042679" cy="446608"/>
-          </a:xfrm>
-          <a:prstGeom prst="roundRect">
+            <a:off x="4365453" y="5842709"/>
+            <a:ext cx="3447393" cy="382081"/>
+          </a:xfrm>
+          <a:prstGeom prst="rect">
+            <a:avLst/>
+          </a:prstGeom>
+          <a:solidFill>
+            <a:srgbClr val="F8F8F8"/>
+          </a:solidFill>
+          <a:ln>
+            <a:noFill/>
+          </a:ln>
+        </p:spPr>
+        <p:style>
+          <a:lnRef idx="2">
+            <a:schemeClr val="accent1">
+              <a:shade val="50000"/>
+            </a:schemeClr>
+          </a:lnRef>
+          <a:fillRef idx="1">
+            <a:schemeClr val="accent1"/>
+          </a:fillRef>
+          <a:effectRef idx="0">
+            <a:schemeClr val="accent1"/>
+          </a:effectRef>
+          <a:fontRef idx="minor">
+            <a:schemeClr val="lt1"/>
+          </a:fontRef>
+        </p:style>
+        <p:txBody>
+          <a:bodyPr rtlCol="0" anchor="ctr"/>
+          <a:lstStyle/>
+          <a:p>
+            <a:pPr algn="ctr"/>
+            <a:endParaRPr lang="ko-KR" altLang="en-US"/>
+          </a:p>
+        </p:txBody>
+      </p:sp>
+      <p:pic>
+        <p:nvPicPr>
+          <p:cNvPr id="78" name="그림 77">
+            <a:extLst>
+              <a:ext uri="{FF2B5EF4-FFF2-40B4-BE49-F238E27FC236}">
+                <a16:creationId xmlns:a16="http://schemas.microsoft.com/office/drawing/2014/main" id="{0AA96714-E0A9-4B00-BD88-4144422BABA5}"/>
+              </a:ext>
+            </a:extLst>
+          </p:cNvPr>
+          <p:cNvPicPr>
+            <a:picLocks noChangeAspect="1"/>
+          </p:cNvPicPr>
+          <p:nvPr/>
+        </p:nvPicPr>
+        <p:blipFill>
+          <a:blip r:embed="rId3">
+            <a:extLst>
+              <a:ext uri="{28A0092B-C50C-407E-A947-70E740481C1C}">
+                <a14:useLocalDpi xmlns:a14="http://schemas.microsoft.com/office/drawing/2010/main" val="0"/>
+              </a:ext>
+            </a:extLst>
+          </a:blip>
+          <a:stretch>
+            <a:fillRect/>
+          </a:stretch>
+        </p:blipFill>
+        <p:spPr>
+          <a:xfrm>
+            <a:off x="6653712" y="5932458"/>
+            <a:ext cx="242576" cy="242576"/>
+          </a:xfrm>
+          <a:prstGeom prst="rect">
+            <a:avLst/>
+          </a:prstGeom>
+        </p:spPr>
+      </p:pic>
+      <p:pic>
+        <p:nvPicPr>
+          <p:cNvPr id="79" name="그림 78">
+            <a:extLst>
+              <a:ext uri="{FF2B5EF4-FFF2-40B4-BE49-F238E27FC236}">
+                <a16:creationId xmlns:a16="http://schemas.microsoft.com/office/drawing/2014/main" id="{D7401ED7-41DD-477B-A9DE-F01BD168978C}"/>
+              </a:ext>
+            </a:extLst>
+          </p:cNvPr>
+          <p:cNvPicPr>
+            <a:picLocks noChangeAspect="1"/>
+          </p:cNvPicPr>
+          <p:nvPr/>
+        </p:nvPicPr>
+        <p:blipFill>
+          <a:blip r:embed="rId4">
+            <a:extLst>
+              <a:ext uri="{28A0092B-C50C-407E-A947-70E740481C1C}">
+                <a14:useLocalDpi xmlns:a14="http://schemas.microsoft.com/office/drawing/2010/main" val="0"/>
+              </a:ext>
+            </a:extLst>
+          </a:blip>
+          <a:stretch>
+            <a:fillRect/>
+          </a:stretch>
+        </p:blipFill>
+        <p:spPr>
+          <a:xfrm>
+            <a:off x="5931465" y="5926950"/>
+            <a:ext cx="242576" cy="242576"/>
+          </a:xfrm>
+          <a:prstGeom prst="rect">
+            <a:avLst/>
+          </a:prstGeom>
+        </p:spPr>
+      </p:pic>
+      <p:pic>
+        <p:nvPicPr>
+          <p:cNvPr id="81" name="그림 80">
+            <a:extLst>
+              <a:ext uri="{FF2B5EF4-FFF2-40B4-BE49-F238E27FC236}">
+                <a16:creationId xmlns:a16="http://schemas.microsoft.com/office/drawing/2014/main" id="{D1DBFE35-93F4-4BDE-ACE0-763B04003754}"/>
+              </a:ext>
+            </a:extLst>
+          </p:cNvPr>
+          <p:cNvPicPr>
+            <a:picLocks noChangeAspect="1"/>
+          </p:cNvPicPr>
+          <p:nvPr/>
+        </p:nvPicPr>
+        <p:blipFill>
+          <a:blip r:embed="rId5">
+            <a:extLst>
+              <a:ext uri="{28A0092B-C50C-407E-A947-70E740481C1C}">
+                <a14:useLocalDpi xmlns:a14="http://schemas.microsoft.com/office/drawing/2010/main" val="0"/>
+              </a:ext>
+            </a:extLst>
+          </a:blip>
+          <a:stretch>
+            <a:fillRect/>
+          </a:stretch>
+        </p:blipFill>
+        <p:spPr>
+          <a:xfrm>
+            <a:off x="7362301" y="5909338"/>
+            <a:ext cx="283419" cy="283419"/>
+          </a:xfrm>
+          <a:prstGeom prst="rect">
+            <a:avLst/>
+          </a:prstGeom>
+        </p:spPr>
+      </p:pic>
+      <p:pic>
+        <p:nvPicPr>
+          <p:cNvPr id="82" name="그림 81">
+            <a:extLst>
+              <a:ext uri="{FF2B5EF4-FFF2-40B4-BE49-F238E27FC236}">
+                <a16:creationId xmlns:a16="http://schemas.microsoft.com/office/drawing/2014/main" id="{0DD74B8C-BB69-49DF-B1F3-F8A12600B3D0}"/>
+              </a:ext>
+            </a:extLst>
+          </p:cNvPr>
+          <p:cNvPicPr>
+            <a:picLocks noChangeAspect="1"/>
+          </p:cNvPicPr>
+          <p:nvPr/>
+        </p:nvPicPr>
+        <p:blipFill>
+          <a:blip r:embed="rId6">
+            <a:extLst>
+              <a:ext uri="{28A0092B-C50C-407E-A947-70E740481C1C}">
+                <a14:useLocalDpi xmlns:a14="http://schemas.microsoft.com/office/drawing/2010/main" val="0"/>
+              </a:ext>
+            </a:extLst>
+          </a:blip>
+          <a:stretch>
+            <a:fillRect/>
+          </a:stretch>
+        </p:blipFill>
+        <p:spPr>
+          <a:xfrm>
+            <a:off x="5197361" y="5932458"/>
+            <a:ext cx="242239" cy="242239"/>
+          </a:xfrm>
+          <a:prstGeom prst="rect">
+            <a:avLst/>
+          </a:prstGeom>
+        </p:spPr>
+      </p:pic>
+      <p:sp>
+        <p:nvSpPr>
+          <p:cNvPr id="95" name="직사각형 94">
+            <a:extLst>
+              <a:ext uri="{FF2B5EF4-FFF2-40B4-BE49-F238E27FC236}">
+                <a16:creationId xmlns:a16="http://schemas.microsoft.com/office/drawing/2014/main" id="{D9CC4789-49E5-41C3-AF5B-21BE8B0C5C65}"/>
+              </a:ext>
+            </a:extLst>
+          </p:cNvPr>
+          <p:cNvSpPr/>
+          <p:nvPr/>
+        </p:nvSpPr>
+        <p:spPr>
+          <a:xfrm>
+            <a:off x="4225020" y="1039376"/>
+            <a:ext cx="3672834" cy="539875"/>
+          </a:xfrm>
+          <a:prstGeom prst="rect">
+            <a:avLst/>
+          </a:prstGeom>
+          <a:solidFill>
+            <a:schemeClr val="bg1"/>
+          </a:solidFill>
+          <a:ln>
+            <a:solidFill>
+              <a:schemeClr val="bg2">
+                <a:lumMod val="90000"/>
+              </a:schemeClr>
+            </a:solidFill>
+          </a:ln>
+        </p:spPr>
+        <p:style>
+          <a:lnRef idx="2">
+            <a:schemeClr val="accent1">
+              <a:shade val="50000"/>
+            </a:schemeClr>
+          </a:lnRef>
+          <a:fillRef idx="1">
+            <a:schemeClr val="accent1"/>
+          </a:fillRef>
+          <a:effectRef idx="0">
+            <a:schemeClr val="accent1"/>
+          </a:effectRef>
+          <a:fontRef idx="minor">
+            <a:schemeClr val="lt1"/>
+          </a:fontRef>
+        </p:style>
+        <p:txBody>
+          <a:bodyPr rtlCol="0" anchor="ctr"/>
+          <a:lstStyle/>
+          <a:p>
+            <a:pPr algn="ctr"/>
+            <a:endParaRPr lang="ko-KR" altLang="en-US" dirty="0"/>
+          </a:p>
+        </p:txBody>
+      </p:sp>
+      <p:sp>
+        <p:nvSpPr>
+          <p:cNvPr id="96" name="직사각형 95">
+            <a:extLst>
+              <a:ext uri="{FF2B5EF4-FFF2-40B4-BE49-F238E27FC236}">
+                <a16:creationId xmlns:a16="http://schemas.microsoft.com/office/drawing/2014/main" id="{A86AC7D0-3764-4311-8977-0B61E00C337E}"/>
+              </a:ext>
+            </a:extLst>
+          </p:cNvPr>
+          <p:cNvSpPr/>
+          <p:nvPr/>
+        </p:nvSpPr>
+        <p:spPr>
+          <a:xfrm>
+            <a:off x="4225020" y="1561187"/>
+            <a:ext cx="3672834" cy="1867813"/>
+          </a:xfrm>
+          <a:prstGeom prst="rect">
+            <a:avLst/>
+          </a:prstGeom>
+          <a:solidFill>
+            <a:schemeClr val="bg1"/>
+          </a:solidFill>
+          <a:ln>
+            <a:solidFill>
+              <a:schemeClr val="bg2">
+                <a:lumMod val="90000"/>
+              </a:schemeClr>
+            </a:solidFill>
+          </a:ln>
+        </p:spPr>
+        <p:style>
+          <a:lnRef idx="2">
+            <a:schemeClr val="accent1">
+              <a:shade val="50000"/>
+            </a:schemeClr>
+          </a:lnRef>
+          <a:fillRef idx="1">
+            <a:schemeClr val="accent1"/>
+          </a:fillRef>
+          <a:effectRef idx="0">
+            <a:schemeClr val="accent1"/>
+          </a:effectRef>
+          <a:fontRef idx="minor">
+            <a:schemeClr val="lt1"/>
+          </a:fontRef>
+        </p:style>
+        <p:txBody>
+          <a:bodyPr rtlCol="0" anchor="ctr"/>
+          <a:lstStyle/>
+          <a:p>
+            <a:pPr algn="ctr"/>
+            <a:endParaRPr lang="ko-KR" altLang="en-US"/>
+          </a:p>
+        </p:txBody>
+      </p:sp>
+      <p:sp>
+        <p:nvSpPr>
+          <p:cNvPr id="106" name="직사각형 105">
+            <a:extLst>
+              <a:ext uri="{FF2B5EF4-FFF2-40B4-BE49-F238E27FC236}">
+                <a16:creationId xmlns:a16="http://schemas.microsoft.com/office/drawing/2014/main" id="{C0AEDC37-D24E-4678-9EFE-6D3A8900A44A}"/>
+              </a:ext>
+            </a:extLst>
+          </p:cNvPr>
+          <p:cNvSpPr/>
+          <p:nvPr/>
+        </p:nvSpPr>
+        <p:spPr>
+          <a:xfrm>
+            <a:off x="4225020" y="3426192"/>
+            <a:ext cx="3672834" cy="2804090"/>
+          </a:xfrm>
+          <a:prstGeom prst="rect">
+            <a:avLst/>
+          </a:prstGeom>
+          <a:solidFill>
+            <a:schemeClr val="bg1"/>
+          </a:solidFill>
+          <a:ln>
+            <a:solidFill>
+              <a:schemeClr val="bg2">
+                <a:lumMod val="90000"/>
+              </a:schemeClr>
+            </a:solidFill>
+          </a:ln>
+        </p:spPr>
+        <p:style>
+          <a:lnRef idx="2">
+            <a:schemeClr val="accent1">
+              <a:shade val="50000"/>
+            </a:schemeClr>
+          </a:lnRef>
+          <a:fillRef idx="1">
+            <a:schemeClr val="accent1"/>
+          </a:fillRef>
+          <a:effectRef idx="0">
+            <a:schemeClr val="accent1"/>
+          </a:effectRef>
+          <a:fontRef idx="minor">
+            <a:schemeClr val="lt1"/>
+          </a:fontRef>
+        </p:style>
+        <p:txBody>
+          <a:bodyPr rtlCol="0" anchor="ctr"/>
+          <a:lstStyle/>
+          <a:p>
+            <a:pPr algn="ctr"/>
+            <a:endParaRPr lang="ko-KR" altLang="en-US"/>
+          </a:p>
+        </p:txBody>
+      </p:sp>
+      <p:sp>
+        <p:nvSpPr>
+          <p:cNvPr id="154" name="화살표: 갈매기형 수장 153">
+            <a:extLst>
+              <a:ext uri="{FF2B5EF4-FFF2-40B4-BE49-F238E27FC236}">
+                <a16:creationId xmlns:a16="http://schemas.microsoft.com/office/drawing/2014/main" id="{A79D06A4-575E-4131-8710-C83FBCA63967}"/>
+              </a:ext>
+            </a:extLst>
+          </p:cNvPr>
+          <p:cNvSpPr/>
+          <p:nvPr/>
+        </p:nvSpPr>
+        <p:spPr>
+          <a:xfrm rot="10800000">
+            <a:off x="4521093" y="727490"/>
+            <a:ext cx="70558" cy="176497"/>
+          </a:xfrm>
+          <a:prstGeom prst="chevron">
             <a:avLst>
-              <a:gd name="adj" fmla="val 3788"/>
+              <a:gd name="adj" fmla="val 93836"/>
             </a:avLst>
           </a:prstGeom>
           <a:solidFill>
@@ -30287,16 +30428,68 @@
           <a:lstStyle/>
           <a:p>
             <a:pPr algn="ctr"/>
-            <a:endParaRPr lang="ko-KR" altLang="en-US" dirty="0"/>
+            <a:endParaRPr lang="ko-KR" altLang="en-US">
+              <a:solidFill>
+                <a:schemeClr val="tx1"/>
+              </a:solidFill>
+            </a:endParaRPr>
+          </a:p>
+        </p:txBody>
+      </p:sp>
+      <p:sp>
+        <p:nvSpPr>
+          <p:cNvPr id="155" name="TextBox 154">
+            <a:extLst>
+              <a:ext uri="{FF2B5EF4-FFF2-40B4-BE49-F238E27FC236}">
+                <a16:creationId xmlns:a16="http://schemas.microsoft.com/office/drawing/2014/main" id="{E99F07E8-502F-4CF8-AE07-835C65C1CD87}"/>
+              </a:ext>
+            </a:extLst>
+          </p:cNvPr>
+          <p:cNvSpPr txBox="1"/>
+          <p:nvPr/>
+        </p:nvSpPr>
+        <p:spPr>
+          <a:xfrm>
+            <a:off x="5724481" y="660242"/>
+            <a:ext cx="721859" cy="307777"/>
+          </a:xfrm>
+          <a:prstGeom prst="rect">
+            <a:avLst/>
+          </a:prstGeom>
+          <a:noFill/>
+        </p:spPr>
+        <p:txBody>
+          <a:bodyPr wrap="square" rtlCol="0">
+            <a:spAutoFit/>
+          </a:bodyPr>
+          <a:lstStyle/>
+          <a:p>
+            <a:r>
+              <a:rPr lang="en-US" altLang="ko-KR" sz="1400" dirty="0">
+                <a:solidFill>
+                  <a:schemeClr val="bg1"/>
+                </a:solidFill>
+                <a:latin typeface="a고딕13" panose="02020600000000000000" pitchFamily="18" charset="-127"/>
+                <a:ea typeface="a고딕13" panose="02020600000000000000" pitchFamily="18" charset="-127"/>
+              </a:rPr>
+              <a:t>Alarm</a:t>
+            </a:r>
+            <a:endParaRPr lang="ko-KR" altLang="en-US" sz="1400" dirty="0">
+              <a:solidFill>
+                <a:schemeClr val="bg1"/>
+              </a:solidFill>
+              <a:latin typeface="a고딕13" panose="02020600000000000000" pitchFamily="18" charset="-127"/>
+              <a:ea typeface="a고딕13" panose="02020600000000000000" pitchFamily="18" charset="-127"/>
+            </a:endParaRPr>
           </a:p>
         </p:txBody>
       </p:sp>
       <p:pic>
         <p:nvPicPr>
-          <p:cNvPr id="76" name="그림 75">
-            <a:extLst>
-              <a:ext uri="{FF2B5EF4-FFF2-40B4-BE49-F238E27FC236}">
-                <a16:creationId xmlns:a16="http://schemas.microsoft.com/office/drawing/2014/main" id="{4AACD29E-2299-4609-A345-5268D6C0D453}"/>
+          <p:cNvPr id="17" name="그림 16">
+            <a:extLst>
+              <a:ext uri="{FF2B5EF4-FFF2-40B4-BE49-F238E27FC236}">
+                <a16:creationId xmlns:a16="http://schemas.microsoft.com/office/drawing/2014/main" id="{8BA1F5CD-34A0-4F91-A836-E4D940B26267}"/>
               </a:ext>
             </a:extLst>
           </p:cNvPr>
@@ -30306,7 +30499,7 @@
           <p:nvPr/>
         </p:nvPicPr>
         <p:blipFill>
-          <a:blip r:embed="rId3">
+          <a:blip r:embed="rId7">
             <a:extLst>
               <a:ext uri="{28A0092B-C50C-407E-A947-70E740481C1C}">
                 <a14:useLocalDpi xmlns:a14="http://schemas.microsoft.com/office/drawing/2010/main" val="0"/>
@@ -30319,8 +30512,8 @@
         </p:blipFill>
         <p:spPr>
           <a:xfrm>
-            <a:off x="7263692" y="635577"/>
-            <a:ext cx="447180" cy="402905"/>
+            <a:off x="7333155" y="676285"/>
+            <a:ext cx="325265" cy="325265"/>
           </a:xfrm>
           <a:prstGeom prst="rect">
             <a:avLst/>
@@ -30329,10 +30522,591 @@
       </p:pic>
       <p:sp>
         <p:nvSpPr>
-          <p:cNvPr id="74" name="직사각형 73">
-            <a:extLst>
-              <a:ext uri="{FF2B5EF4-FFF2-40B4-BE49-F238E27FC236}">
-                <a16:creationId xmlns:a16="http://schemas.microsoft.com/office/drawing/2014/main" id="{AEF97452-6DBB-4133-B8D2-79B90908B217}"/>
+          <p:cNvPr id="156" name="TextBox 155">
+            <a:extLst>
+              <a:ext uri="{FF2B5EF4-FFF2-40B4-BE49-F238E27FC236}">
+                <a16:creationId xmlns:a16="http://schemas.microsoft.com/office/drawing/2014/main" id="{419B87C6-14D0-4690-BA26-69561E53A43E}"/>
+              </a:ext>
+            </a:extLst>
+          </p:cNvPr>
+          <p:cNvSpPr txBox="1"/>
+          <p:nvPr/>
+        </p:nvSpPr>
+        <p:spPr>
+          <a:xfrm>
+            <a:off x="4457593" y="1190659"/>
+            <a:ext cx="1099570" cy="261610"/>
+          </a:xfrm>
+          <a:prstGeom prst="rect">
+            <a:avLst/>
+          </a:prstGeom>
+          <a:noFill/>
+        </p:spPr>
+        <p:txBody>
+          <a:bodyPr wrap="square" rtlCol="0">
+            <a:spAutoFit/>
+          </a:bodyPr>
+          <a:lstStyle/>
+          <a:p>
+            <a:r>
+              <a:rPr lang="en-US" altLang="ko-KR" sz="1100" dirty="0">
+                <a:latin typeface="a고딕12" panose="02020600000000000000" pitchFamily="18" charset="-127"/>
+                <a:ea typeface="a고딕12" panose="02020600000000000000" pitchFamily="18" charset="-127"/>
+              </a:rPr>
+              <a:t>3</a:t>
+            </a:r>
+            <a:r>
+              <a:rPr lang="ko-KR" altLang="en-US" sz="1100" dirty="0">
+                <a:latin typeface="a고딕12" panose="02020600000000000000" pitchFamily="18" charset="-127"/>
+                <a:ea typeface="a고딕12" panose="02020600000000000000" pitchFamily="18" charset="-127"/>
+              </a:rPr>
+              <a:t>월 </a:t>
+            </a:r>
+            <a:r>
+              <a:rPr lang="en-US" altLang="ko-KR" sz="1100" dirty="0">
+                <a:latin typeface="a고딕12" panose="02020600000000000000" pitchFamily="18" charset="-127"/>
+                <a:ea typeface="a고딕12" panose="02020600000000000000" pitchFamily="18" charset="-127"/>
+              </a:rPr>
+              <a:t>11</a:t>
+            </a:r>
+            <a:r>
+              <a:rPr lang="ko-KR" altLang="en-US" sz="1100" dirty="0">
+                <a:latin typeface="a고딕12" panose="02020600000000000000" pitchFamily="18" charset="-127"/>
+                <a:ea typeface="a고딕12" panose="02020600000000000000" pitchFamily="18" charset="-127"/>
+              </a:rPr>
+              <a:t>일 </a:t>
+            </a:r>
+            <a:r>
+              <a:rPr lang="en-US" altLang="ko-KR" sz="1100" dirty="0">
+                <a:latin typeface="a고딕12" panose="02020600000000000000" pitchFamily="18" charset="-127"/>
+                <a:ea typeface="a고딕12" panose="02020600000000000000" pitchFamily="18" charset="-127"/>
+              </a:rPr>
+              <a:t>( </a:t>
+            </a:r>
+            <a:r>
+              <a:rPr lang="ko-KR" altLang="en-US" sz="1100" dirty="0">
+                <a:latin typeface="a고딕12" panose="02020600000000000000" pitchFamily="18" charset="-127"/>
+                <a:ea typeface="a고딕12" panose="02020600000000000000" pitchFamily="18" charset="-127"/>
+              </a:rPr>
+              <a:t>월 </a:t>
+            </a:r>
+            <a:r>
+              <a:rPr lang="en-US" altLang="ko-KR" sz="1100" dirty="0">
+                <a:latin typeface="a고딕12" panose="02020600000000000000" pitchFamily="18" charset="-127"/>
+                <a:ea typeface="a고딕12" panose="02020600000000000000" pitchFamily="18" charset="-127"/>
+              </a:rPr>
+              <a:t>)</a:t>
+            </a:r>
+            <a:endParaRPr lang="ko-KR" altLang="en-US" dirty="0"/>
+          </a:p>
+        </p:txBody>
+      </p:sp>
+      <p:pic>
+        <p:nvPicPr>
+          <p:cNvPr id="19" name="그림 18">
+            <a:extLst>
+              <a:ext uri="{FF2B5EF4-FFF2-40B4-BE49-F238E27FC236}">
+                <a16:creationId xmlns:a16="http://schemas.microsoft.com/office/drawing/2014/main" id="{80EDC96E-0109-4D50-BD80-A534F254FABA}"/>
+              </a:ext>
+            </a:extLst>
+          </p:cNvPr>
+          <p:cNvPicPr>
+            <a:picLocks noChangeAspect="1"/>
+          </p:cNvPicPr>
+          <p:nvPr/>
+        </p:nvPicPr>
+        <p:blipFill>
+          <a:blip r:embed="rId8">
+            <a:extLst>
+              <a:ext uri="{28A0092B-C50C-407E-A947-70E740481C1C}">
+                <a14:useLocalDpi xmlns:a14="http://schemas.microsoft.com/office/drawing/2010/main" val="0"/>
+              </a:ext>
+            </a:extLst>
+          </a:blip>
+          <a:stretch>
+            <a:fillRect/>
+          </a:stretch>
+        </p:blipFill>
+        <p:spPr>
+          <a:xfrm>
+            <a:off x="6725314" y="1225787"/>
+            <a:ext cx="205154" cy="205154"/>
+          </a:xfrm>
+          <a:prstGeom prst="rect">
+            <a:avLst/>
+          </a:prstGeom>
+        </p:spPr>
+      </p:pic>
+      <p:sp>
+        <p:nvSpPr>
+          <p:cNvPr id="20" name="TextBox 19">
+            <a:extLst>
+              <a:ext uri="{FF2B5EF4-FFF2-40B4-BE49-F238E27FC236}">
+                <a16:creationId xmlns:a16="http://schemas.microsoft.com/office/drawing/2014/main" id="{944EEB06-1B28-4DCF-AD36-7B76196512A9}"/>
+              </a:ext>
+            </a:extLst>
+          </p:cNvPr>
+          <p:cNvSpPr txBox="1"/>
+          <p:nvPr/>
+        </p:nvSpPr>
+        <p:spPr>
+          <a:xfrm>
+            <a:off x="6929559" y="1181177"/>
+            <a:ext cx="768159" cy="276999"/>
+          </a:xfrm>
+          <a:prstGeom prst="rect">
+            <a:avLst/>
+          </a:prstGeom>
+          <a:noFill/>
+        </p:spPr>
+        <p:txBody>
+          <a:bodyPr wrap="none" rtlCol="0">
+            <a:spAutoFit/>
+          </a:bodyPr>
+          <a:lstStyle/>
+          <a:p>
+            <a:r>
+              <a:rPr lang="ko-KR" altLang="en-US" sz="1200" dirty="0">
+                <a:solidFill>
+                  <a:srgbClr val="ED6C89"/>
+                </a:solidFill>
+                <a:latin typeface="a고딕14" panose="02020600000000000000" pitchFamily="18" charset="-127"/>
+                <a:ea typeface="a고딕14" panose="02020600000000000000" pitchFamily="18" charset="-127"/>
+              </a:rPr>
+              <a:t>날짜 선택</a:t>
+            </a:r>
+          </a:p>
+        </p:txBody>
+      </p:sp>
+      <p:sp>
+        <p:nvSpPr>
+          <p:cNvPr id="157" name="TextBox 156">
+            <a:extLst>
+              <a:ext uri="{FF2B5EF4-FFF2-40B4-BE49-F238E27FC236}">
+                <a16:creationId xmlns:a16="http://schemas.microsoft.com/office/drawing/2014/main" id="{EE411761-64F0-4698-9677-A1599058380C}"/>
+              </a:ext>
+            </a:extLst>
+          </p:cNvPr>
+          <p:cNvSpPr txBox="1"/>
+          <p:nvPr/>
+        </p:nvSpPr>
+        <p:spPr>
+          <a:xfrm>
+            <a:off x="4606530" y="1842894"/>
+            <a:ext cx="1099570" cy="369332"/>
+          </a:xfrm>
+          <a:prstGeom prst="rect">
+            <a:avLst/>
+          </a:prstGeom>
+          <a:noFill/>
+        </p:spPr>
+        <p:txBody>
+          <a:bodyPr wrap="square" rtlCol="0">
+            <a:spAutoFit/>
+          </a:bodyPr>
+          <a:lstStyle/>
+          <a:p>
+            <a:r>
+              <a:rPr lang="ko-KR" altLang="en-US" dirty="0">
+                <a:solidFill>
+                  <a:schemeClr val="bg1">
+                    <a:lumMod val="50000"/>
+                  </a:schemeClr>
+                </a:solidFill>
+                <a:latin typeface="a고딕12" panose="02020600000000000000" pitchFamily="18" charset="-127"/>
+                <a:ea typeface="a고딕12" panose="02020600000000000000" pitchFamily="18" charset="-127"/>
+              </a:rPr>
+              <a:t>오전</a:t>
+            </a:r>
+            <a:endParaRPr lang="ko-KR" altLang="en-US" dirty="0">
+              <a:solidFill>
+                <a:schemeClr val="bg1">
+                  <a:lumMod val="50000"/>
+                </a:schemeClr>
+              </a:solidFill>
+            </a:endParaRPr>
+          </a:p>
+        </p:txBody>
+      </p:sp>
+      <p:sp>
+        <p:nvSpPr>
+          <p:cNvPr id="158" name="TextBox 157">
+            <a:extLst>
+              <a:ext uri="{FF2B5EF4-FFF2-40B4-BE49-F238E27FC236}">
+                <a16:creationId xmlns:a16="http://schemas.microsoft.com/office/drawing/2014/main" id="{BE7ECC69-C887-4647-9466-B5AEFDBCCDB1}"/>
+              </a:ext>
+            </a:extLst>
+          </p:cNvPr>
+          <p:cNvSpPr txBox="1"/>
+          <p:nvPr/>
+        </p:nvSpPr>
+        <p:spPr>
+          <a:xfrm>
+            <a:off x="4606530" y="2321338"/>
+            <a:ext cx="1099570" cy="369332"/>
+          </a:xfrm>
+          <a:prstGeom prst="rect">
+            <a:avLst/>
+          </a:prstGeom>
+          <a:noFill/>
+        </p:spPr>
+        <p:txBody>
+          <a:bodyPr wrap="square" rtlCol="0">
+            <a:spAutoFit/>
+          </a:bodyPr>
+          <a:lstStyle/>
+          <a:p>
+            <a:r>
+              <a:rPr lang="ko-KR" altLang="en-US" dirty="0">
+                <a:solidFill>
+                  <a:srgbClr val="ED6C89"/>
+                </a:solidFill>
+                <a:latin typeface="a고딕12" panose="02020600000000000000" pitchFamily="18" charset="-127"/>
+                <a:ea typeface="a고딕12" panose="02020600000000000000" pitchFamily="18" charset="-127"/>
+              </a:rPr>
+              <a:t>오후</a:t>
+            </a:r>
+            <a:endParaRPr lang="ko-KR" altLang="en-US" dirty="0">
+              <a:solidFill>
+                <a:srgbClr val="ED6C89"/>
+              </a:solidFill>
+            </a:endParaRPr>
+          </a:p>
+        </p:txBody>
+      </p:sp>
+      <p:sp>
+        <p:nvSpPr>
+          <p:cNvPr id="159" name="TextBox 158">
+            <a:extLst>
+              <a:ext uri="{FF2B5EF4-FFF2-40B4-BE49-F238E27FC236}">
+                <a16:creationId xmlns:a16="http://schemas.microsoft.com/office/drawing/2014/main" id="{B77763CF-5D6B-4461-B3F1-BA548D12BE11}"/>
+              </a:ext>
+            </a:extLst>
+          </p:cNvPr>
+          <p:cNvSpPr txBox="1"/>
+          <p:nvPr/>
+        </p:nvSpPr>
+        <p:spPr>
+          <a:xfrm>
+            <a:off x="5748708" y="1384820"/>
+            <a:ext cx="1099570" cy="2535822"/>
+          </a:xfrm>
+          <a:prstGeom prst="rect">
+            <a:avLst/>
+          </a:prstGeom>
+          <a:noFill/>
+        </p:spPr>
+        <p:txBody>
+          <a:bodyPr wrap="square" rtlCol="0">
+            <a:spAutoFit/>
+          </a:bodyPr>
+          <a:lstStyle/>
+          <a:p>
+            <a:pPr>
+              <a:lnSpc>
+                <a:spcPct val="150000"/>
+              </a:lnSpc>
+            </a:pPr>
+            <a:r>
+              <a:rPr lang="en-US" altLang="ko-KR" dirty="0">
+                <a:solidFill>
+                  <a:schemeClr val="bg2">
+                    <a:lumMod val="50000"/>
+                  </a:schemeClr>
+                </a:solidFill>
+                <a:latin typeface="a고딕12" panose="02020600000000000000" pitchFamily="18" charset="-127"/>
+                <a:ea typeface="a고딕12" panose="02020600000000000000" pitchFamily="18" charset="-127"/>
+              </a:rPr>
+              <a:t>7</a:t>
+            </a:r>
+          </a:p>
+          <a:p>
+            <a:pPr>
+              <a:lnSpc>
+                <a:spcPct val="150000"/>
+              </a:lnSpc>
+            </a:pPr>
+            <a:r>
+              <a:rPr lang="en-US" altLang="ko-KR" dirty="0">
+                <a:solidFill>
+                  <a:schemeClr val="bg2">
+                    <a:lumMod val="50000"/>
+                  </a:schemeClr>
+                </a:solidFill>
+                <a:latin typeface="a고딕12" panose="02020600000000000000" pitchFamily="18" charset="-127"/>
+                <a:ea typeface="a고딕12" panose="02020600000000000000" pitchFamily="18" charset="-127"/>
+              </a:rPr>
+              <a:t>8</a:t>
+            </a:r>
+          </a:p>
+          <a:p>
+            <a:pPr>
+              <a:lnSpc>
+                <a:spcPct val="150000"/>
+              </a:lnSpc>
+            </a:pPr>
+            <a:r>
+              <a:rPr lang="en-US" altLang="ko-KR" b="1" dirty="0">
+                <a:solidFill>
+                  <a:srgbClr val="ED6C89"/>
+                </a:solidFill>
+                <a:latin typeface="a고딕12" panose="02020600000000000000" pitchFamily="18" charset="-127"/>
+                <a:ea typeface="a고딕12" panose="02020600000000000000" pitchFamily="18" charset="-127"/>
+              </a:rPr>
+              <a:t>9</a:t>
+            </a:r>
+          </a:p>
+          <a:p>
+            <a:pPr>
+              <a:lnSpc>
+                <a:spcPct val="150000"/>
+              </a:lnSpc>
+            </a:pPr>
+            <a:r>
+              <a:rPr lang="en-US" altLang="ko-KR" dirty="0">
+                <a:solidFill>
+                  <a:schemeClr val="bg2">
+                    <a:lumMod val="50000"/>
+                  </a:schemeClr>
+                </a:solidFill>
+                <a:latin typeface="a고딕12" panose="02020600000000000000" pitchFamily="18" charset="-127"/>
+                <a:ea typeface="a고딕12" panose="02020600000000000000" pitchFamily="18" charset="-127"/>
+              </a:rPr>
+              <a:t>10</a:t>
+            </a:r>
+          </a:p>
+          <a:p>
+            <a:pPr>
+              <a:lnSpc>
+                <a:spcPct val="150000"/>
+              </a:lnSpc>
+            </a:pPr>
+            <a:r>
+              <a:rPr lang="en-US" altLang="ko-KR" dirty="0">
+                <a:solidFill>
+                  <a:schemeClr val="bg2">
+                    <a:lumMod val="50000"/>
+                  </a:schemeClr>
+                </a:solidFill>
+                <a:latin typeface="a고딕12" panose="02020600000000000000" pitchFamily="18" charset="-127"/>
+                <a:ea typeface="a고딕12" panose="02020600000000000000" pitchFamily="18" charset="-127"/>
+              </a:rPr>
+              <a:t>11</a:t>
+            </a:r>
+          </a:p>
+          <a:p>
+            <a:pPr>
+              <a:lnSpc>
+                <a:spcPct val="150000"/>
+              </a:lnSpc>
+            </a:pPr>
+            <a:endParaRPr lang="ko-KR" altLang="en-US" dirty="0">
+              <a:solidFill>
+                <a:srgbClr val="ED6C89"/>
+              </a:solidFill>
+            </a:endParaRPr>
+          </a:p>
+        </p:txBody>
+      </p:sp>
+      <p:sp>
+        <p:nvSpPr>
+          <p:cNvPr id="160" name="TextBox 159">
+            <a:extLst>
+              <a:ext uri="{FF2B5EF4-FFF2-40B4-BE49-F238E27FC236}">
+                <a16:creationId xmlns:a16="http://schemas.microsoft.com/office/drawing/2014/main" id="{EC25E476-FEF8-4437-8801-DB264F471BAF}"/>
+              </a:ext>
+            </a:extLst>
+          </p:cNvPr>
+          <p:cNvSpPr txBox="1"/>
+          <p:nvPr/>
+        </p:nvSpPr>
+        <p:spPr>
+          <a:xfrm>
+            <a:off x="6776679" y="1384820"/>
+            <a:ext cx="1099570" cy="2535822"/>
+          </a:xfrm>
+          <a:prstGeom prst="rect">
+            <a:avLst/>
+          </a:prstGeom>
+          <a:noFill/>
+        </p:spPr>
+        <p:txBody>
+          <a:bodyPr wrap="square" rtlCol="0">
+            <a:spAutoFit/>
+          </a:bodyPr>
+          <a:lstStyle/>
+          <a:p>
+            <a:pPr>
+              <a:lnSpc>
+                <a:spcPct val="150000"/>
+              </a:lnSpc>
+            </a:pPr>
+            <a:r>
+              <a:rPr lang="en-US" altLang="ko-KR" dirty="0">
+                <a:solidFill>
+                  <a:schemeClr val="bg2">
+                    <a:lumMod val="50000"/>
+                  </a:schemeClr>
+                </a:solidFill>
+                <a:latin typeface="a고딕12" panose="02020600000000000000" pitchFamily="18" charset="-127"/>
+                <a:ea typeface="a고딕12" panose="02020600000000000000" pitchFamily="18" charset="-127"/>
+              </a:rPr>
+              <a:t>59</a:t>
+            </a:r>
+          </a:p>
+          <a:p>
+            <a:pPr>
+              <a:lnSpc>
+                <a:spcPct val="150000"/>
+              </a:lnSpc>
+            </a:pPr>
+            <a:r>
+              <a:rPr lang="en-US" altLang="ko-KR" dirty="0">
+                <a:solidFill>
+                  <a:schemeClr val="bg2">
+                    <a:lumMod val="50000"/>
+                  </a:schemeClr>
+                </a:solidFill>
+                <a:latin typeface="a고딕12" panose="02020600000000000000" pitchFamily="18" charset="-127"/>
+                <a:ea typeface="a고딕12" panose="02020600000000000000" pitchFamily="18" charset="-127"/>
+              </a:rPr>
+              <a:t>00</a:t>
+            </a:r>
+            <a:r>
+              <a:rPr lang="en-US" altLang="ko-KR" dirty="0">
+                <a:solidFill>
+                  <a:srgbClr val="ED6C89"/>
+                </a:solidFill>
+                <a:latin typeface="a고딕12" panose="02020600000000000000" pitchFamily="18" charset="-127"/>
+                <a:ea typeface="a고딕12" panose="02020600000000000000" pitchFamily="18" charset="-127"/>
+              </a:rPr>
+              <a:t>	</a:t>
+            </a:r>
+          </a:p>
+          <a:p>
+            <a:pPr>
+              <a:lnSpc>
+                <a:spcPct val="150000"/>
+              </a:lnSpc>
+            </a:pPr>
+            <a:r>
+              <a:rPr lang="en-US" altLang="ko-KR" b="1" dirty="0">
+                <a:solidFill>
+                  <a:srgbClr val="ED6C89"/>
+                </a:solidFill>
+                <a:latin typeface="a고딕12" panose="02020600000000000000" pitchFamily="18" charset="-127"/>
+                <a:ea typeface="a고딕12" panose="02020600000000000000" pitchFamily="18" charset="-127"/>
+              </a:rPr>
+              <a:t>01</a:t>
+            </a:r>
+          </a:p>
+          <a:p>
+            <a:pPr>
+              <a:lnSpc>
+                <a:spcPct val="150000"/>
+              </a:lnSpc>
+            </a:pPr>
+            <a:r>
+              <a:rPr lang="en-US" altLang="ko-KR" dirty="0">
+                <a:solidFill>
+                  <a:schemeClr val="bg2">
+                    <a:lumMod val="50000"/>
+                  </a:schemeClr>
+                </a:solidFill>
+                <a:latin typeface="a고딕12" panose="02020600000000000000" pitchFamily="18" charset="-127"/>
+                <a:ea typeface="a고딕12" panose="02020600000000000000" pitchFamily="18" charset="-127"/>
+              </a:rPr>
+              <a:t>02</a:t>
+            </a:r>
+          </a:p>
+          <a:p>
+            <a:pPr>
+              <a:lnSpc>
+                <a:spcPct val="150000"/>
+              </a:lnSpc>
+            </a:pPr>
+            <a:r>
+              <a:rPr lang="en-US" altLang="ko-KR" dirty="0">
+                <a:solidFill>
+                  <a:schemeClr val="bg2">
+                    <a:lumMod val="50000"/>
+                  </a:schemeClr>
+                </a:solidFill>
+                <a:latin typeface="a고딕12" panose="02020600000000000000" pitchFamily="18" charset="-127"/>
+                <a:ea typeface="a고딕12" panose="02020600000000000000" pitchFamily="18" charset="-127"/>
+              </a:rPr>
+              <a:t>03</a:t>
+            </a:r>
+          </a:p>
+          <a:p>
+            <a:pPr>
+              <a:lnSpc>
+                <a:spcPct val="150000"/>
+              </a:lnSpc>
+            </a:pPr>
+            <a:endParaRPr lang="ko-KR" altLang="en-US" dirty="0">
+              <a:solidFill>
+                <a:srgbClr val="ED6C89"/>
+              </a:solidFill>
+            </a:endParaRPr>
+          </a:p>
+        </p:txBody>
+      </p:sp>
+      <p:sp>
+        <p:nvSpPr>
+          <p:cNvPr id="161" name="TextBox 160">
+            <a:extLst>
+              <a:ext uri="{FF2B5EF4-FFF2-40B4-BE49-F238E27FC236}">
+                <a16:creationId xmlns:a16="http://schemas.microsoft.com/office/drawing/2014/main" id="{13679FFF-18A2-4A08-AC66-EB1D10606F61}"/>
+              </a:ext>
+            </a:extLst>
+          </p:cNvPr>
+          <p:cNvSpPr txBox="1"/>
+          <p:nvPr/>
+        </p:nvSpPr>
+        <p:spPr>
+          <a:xfrm>
+            <a:off x="6309296" y="2183503"/>
+            <a:ext cx="1099570" cy="454292"/>
+          </a:xfrm>
+          <a:prstGeom prst="rect">
+            <a:avLst/>
+          </a:prstGeom>
+          <a:noFill/>
+        </p:spPr>
+        <p:txBody>
+          <a:bodyPr wrap="square" rtlCol="0">
+            <a:spAutoFit/>
+          </a:bodyPr>
+          <a:lstStyle/>
+          <a:p>
+            <a:pPr>
+              <a:lnSpc>
+                <a:spcPct val="150000"/>
+              </a:lnSpc>
+            </a:pPr>
+            <a:r>
+              <a:rPr lang="en-US" altLang="ko-KR" b="1" dirty="0">
+                <a:solidFill>
+                  <a:srgbClr val="ED6C89"/>
+                </a:solidFill>
+              </a:rPr>
+              <a:t>:</a:t>
+            </a:r>
+            <a:endParaRPr lang="ko-KR" altLang="en-US" b="1" dirty="0">
+              <a:solidFill>
+                <a:srgbClr val="ED6C89"/>
+              </a:solidFill>
+            </a:endParaRPr>
+          </a:p>
+        </p:txBody>
+      </p:sp>
+      <p:sp>
+        <p:nvSpPr>
+          <p:cNvPr id="163" name="직사각형 162">
+            <a:extLst>
+              <a:ext uri="{FF2B5EF4-FFF2-40B4-BE49-F238E27FC236}">
+                <a16:creationId xmlns:a16="http://schemas.microsoft.com/office/drawing/2014/main" id="{061616CD-0B43-4798-83D2-A6CF781E1DBD}"/>
               </a:ext>
             </a:extLst>
           </p:cNvPr>
@@ -30341,17 +31115,21 @@
         </p:nvSpPr>
         <p:spPr>
           <a:xfrm>
-            <a:off x="4365453" y="5842709"/>
-            <a:ext cx="3447393" cy="382081"/>
+            <a:off x="4225020" y="3426192"/>
+            <a:ext cx="3672834" cy="855483"/>
           </a:xfrm>
           <a:prstGeom prst="rect">
             <a:avLst/>
           </a:prstGeom>
           <a:solidFill>
-            <a:srgbClr val="F8F8F8"/>
+            <a:schemeClr val="bg1"/>
           </a:solidFill>
           <a:ln>
-            <a:noFill/>
+            <a:solidFill>
+              <a:schemeClr val="bg2">
+                <a:lumMod val="90000"/>
+              </a:schemeClr>
+            </a:solidFill>
           </a:ln>
         </p:spPr>
         <p:style>
@@ -30375,16 +31153,342 @@
           <a:lstStyle/>
           <a:p>
             <a:pPr algn="ctr"/>
-            <a:endParaRPr lang="ko-KR" altLang="en-US"/>
-          </a:p>
-        </p:txBody>
-      </p:sp>
-      <p:sp>
-        <p:nvSpPr>
-          <p:cNvPr id="77" name="직사각형 76">
-            <a:extLst>
-              <a:ext uri="{FF2B5EF4-FFF2-40B4-BE49-F238E27FC236}">
-                <a16:creationId xmlns:a16="http://schemas.microsoft.com/office/drawing/2014/main" id="{669FDF07-C79F-4857-A824-E3F599E4E3BA}"/>
+            <a:endParaRPr lang="ko-KR" altLang="en-US" dirty="0"/>
+          </a:p>
+        </p:txBody>
+      </p:sp>
+      <p:sp>
+        <p:nvSpPr>
+          <p:cNvPr id="164" name="TextBox 163">
+            <a:extLst>
+              <a:ext uri="{FF2B5EF4-FFF2-40B4-BE49-F238E27FC236}">
+                <a16:creationId xmlns:a16="http://schemas.microsoft.com/office/drawing/2014/main" id="{B03A0951-E239-420E-A15E-FC9FF84B1FB2}"/>
+              </a:ext>
+            </a:extLst>
+          </p:cNvPr>
+          <p:cNvSpPr txBox="1"/>
+          <p:nvPr/>
+        </p:nvSpPr>
+        <p:spPr>
+          <a:xfrm>
+            <a:off x="4432193" y="3525667"/>
+            <a:ext cx="1099570" cy="307777"/>
+          </a:xfrm>
+          <a:prstGeom prst="rect">
+            <a:avLst/>
+          </a:prstGeom>
+          <a:noFill/>
+        </p:spPr>
+        <p:txBody>
+          <a:bodyPr wrap="square" rtlCol="0">
+            <a:spAutoFit/>
+          </a:bodyPr>
+          <a:lstStyle/>
+          <a:p>
+            <a:r>
+              <a:rPr lang="ko-KR" altLang="en-US" sz="1400" dirty="0">
+                <a:latin typeface="a고딕12" panose="02020600000000000000" pitchFamily="18" charset="-127"/>
+                <a:ea typeface="a고딕12" panose="02020600000000000000" pitchFamily="18" charset="-127"/>
+              </a:rPr>
+              <a:t>요일 반복</a:t>
+            </a:r>
+            <a:endParaRPr lang="ko-KR" altLang="en-US" sz="1400" dirty="0"/>
+          </a:p>
+        </p:txBody>
+      </p:sp>
+      <p:sp>
+        <p:nvSpPr>
+          <p:cNvPr id="165" name="TextBox 164">
+            <a:extLst>
+              <a:ext uri="{FF2B5EF4-FFF2-40B4-BE49-F238E27FC236}">
+                <a16:creationId xmlns:a16="http://schemas.microsoft.com/office/drawing/2014/main" id="{382991FB-E935-4559-9016-E6B8D59394E8}"/>
+              </a:ext>
+            </a:extLst>
+          </p:cNvPr>
+          <p:cNvSpPr txBox="1"/>
+          <p:nvPr/>
+        </p:nvSpPr>
+        <p:spPr>
+          <a:xfrm>
+            <a:off x="4395506" y="3937219"/>
+            <a:ext cx="245538" cy="261610"/>
+          </a:xfrm>
+          <a:prstGeom prst="rect">
+            <a:avLst/>
+          </a:prstGeom>
+          <a:noFill/>
+        </p:spPr>
+        <p:txBody>
+          <a:bodyPr wrap="square" rtlCol="0">
+            <a:spAutoFit/>
+          </a:bodyPr>
+          <a:lstStyle/>
+          <a:p>
+            <a:r>
+              <a:rPr lang="ko-KR" altLang="en-US" sz="1100" dirty="0">
+                <a:solidFill>
+                  <a:srgbClr val="FF0000"/>
+                </a:solidFill>
+                <a:latin typeface="a고딕12" panose="02020600000000000000" pitchFamily="18" charset="-127"/>
+                <a:ea typeface="a고딕12" panose="02020600000000000000" pitchFamily="18" charset="-127"/>
+              </a:rPr>
+              <a:t>일</a:t>
+            </a:r>
+            <a:endParaRPr lang="ko-KR" altLang="en-US" dirty="0">
+              <a:solidFill>
+                <a:srgbClr val="FF0000"/>
+              </a:solidFill>
+            </a:endParaRPr>
+          </a:p>
+        </p:txBody>
+      </p:sp>
+      <p:sp>
+        <p:nvSpPr>
+          <p:cNvPr id="166" name="TextBox 165">
+            <a:extLst>
+              <a:ext uri="{FF2B5EF4-FFF2-40B4-BE49-F238E27FC236}">
+                <a16:creationId xmlns:a16="http://schemas.microsoft.com/office/drawing/2014/main" id="{558DA074-DC26-4C85-9413-E75638779F93}"/>
+              </a:ext>
+            </a:extLst>
+          </p:cNvPr>
+          <p:cNvSpPr txBox="1"/>
+          <p:nvPr/>
+        </p:nvSpPr>
+        <p:spPr>
+          <a:xfrm>
+            <a:off x="4913167" y="3937219"/>
+            <a:ext cx="245538" cy="261610"/>
+          </a:xfrm>
+          <a:prstGeom prst="rect">
+            <a:avLst/>
+          </a:prstGeom>
+          <a:noFill/>
+        </p:spPr>
+        <p:txBody>
+          <a:bodyPr wrap="square" rtlCol="0">
+            <a:spAutoFit/>
+          </a:bodyPr>
+          <a:lstStyle/>
+          <a:p>
+            <a:r>
+              <a:rPr lang="ko-KR" altLang="en-US" sz="1100" dirty="0">
+                <a:latin typeface="a고딕12" panose="02020600000000000000" pitchFamily="18" charset="-127"/>
+                <a:ea typeface="a고딕12" panose="02020600000000000000" pitchFamily="18" charset="-127"/>
+              </a:rPr>
+              <a:t>월</a:t>
+            </a:r>
+            <a:endParaRPr lang="ko-KR" altLang="en-US" dirty="0"/>
+          </a:p>
+        </p:txBody>
+      </p:sp>
+      <p:sp>
+        <p:nvSpPr>
+          <p:cNvPr id="167" name="TextBox 166">
+            <a:extLst>
+              <a:ext uri="{FF2B5EF4-FFF2-40B4-BE49-F238E27FC236}">
+                <a16:creationId xmlns:a16="http://schemas.microsoft.com/office/drawing/2014/main" id="{DE1D9B86-A23F-4DE9-A118-DB84F5AAE097}"/>
+              </a:ext>
+            </a:extLst>
+          </p:cNvPr>
+          <p:cNvSpPr txBox="1"/>
+          <p:nvPr/>
+        </p:nvSpPr>
+        <p:spPr>
+          <a:xfrm>
+            <a:off x="5430828" y="3937219"/>
+            <a:ext cx="245538" cy="261610"/>
+          </a:xfrm>
+          <a:prstGeom prst="rect">
+            <a:avLst/>
+          </a:prstGeom>
+          <a:noFill/>
+        </p:spPr>
+        <p:txBody>
+          <a:bodyPr wrap="square" rtlCol="0">
+            <a:spAutoFit/>
+          </a:bodyPr>
+          <a:lstStyle/>
+          <a:p>
+            <a:r>
+              <a:rPr lang="ko-KR" altLang="en-US" sz="1100" dirty="0">
+                <a:latin typeface="a고딕12" panose="02020600000000000000" pitchFamily="18" charset="-127"/>
+                <a:ea typeface="a고딕12" panose="02020600000000000000" pitchFamily="18" charset="-127"/>
+              </a:rPr>
+              <a:t>화</a:t>
+            </a:r>
+            <a:endParaRPr lang="ko-KR" altLang="en-US" dirty="0"/>
+          </a:p>
+        </p:txBody>
+      </p:sp>
+      <p:sp>
+        <p:nvSpPr>
+          <p:cNvPr id="168" name="TextBox 167">
+            <a:extLst>
+              <a:ext uri="{FF2B5EF4-FFF2-40B4-BE49-F238E27FC236}">
+                <a16:creationId xmlns:a16="http://schemas.microsoft.com/office/drawing/2014/main" id="{ED367050-9B8E-4BD3-BD66-3C4802C60233}"/>
+              </a:ext>
+            </a:extLst>
+          </p:cNvPr>
+          <p:cNvSpPr txBox="1"/>
+          <p:nvPr/>
+        </p:nvSpPr>
+        <p:spPr>
+          <a:xfrm>
+            <a:off x="5948489" y="3937219"/>
+            <a:ext cx="245538" cy="261610"/>
+          </a:xfrm>
+          <a:prstGeom prst="rect">
+            <a:avLst/>
+          </a:prstGeom>
+          <a:noFill/>
+        </p:spPr>
+        <p:txBody>
+          <a:bodyPr wrap="square" rtlCol="0">
+            <a:spAutoFit/>
+          </a:bodyPr>
+          <a:lstStyle/>
+          <a:p>
+            <a:r>
+              <a:rPr lang="ko-KR" altLang="en-US" sz="1100" dirty="0">
+                <a:latin typeface="a고딕12" panose="02020600000000000000" pitchFamily="18" charset="-127"/>
+                <a:ea typeface="a고딕12" panose="02020600000000000000" pitchFamily="18" charset="-127"/>
+              </a:rPr>
+              <a:t>수</a:t>
+            </a:r>
+            <a:endParaRPr lang="ko-KR" altLang="en-US" dirty="0"/>
+          </a:p>
+        </p:txBody>
+      </p:sp>
+      <p:sp>
+        <p:nvSpPr>
+          <p:cNvPr id="169" name="TextBox 168">
+            <a:extLst>
+              <a:ext uri="{FF2B5EF4-FFF2-40B4-BE49-F238E27FC236}">
+                <a16:creationId xmlns:a16="http://schemas.microsoft.com/office/drawing/2014/main" id="{830DA46E-E8C0-4E15-872F-26785A2DB7EA}"/>
+              </a:ext>
+            </a:extLst>
+          </p:cNvPr>
+          <p:cNvSpPr txBox="1"/>
+          <p:nvPr/>
+        </p:nvSpPr>
+        <p:spPr>
+          <a:xfrm>
+            <a:off x="6466150" y="3937219"/>
+            <a:ext cx="245538" cy="261610"/>
+          </a:xfrm>
+          <a:prstGeom prst="rect">
+            <a:avLst/>
+          </a:prstGeom>
+          <a:noFill/>
+        </p:spPr>
+        <p:txBody>
+          <a:bodyPr wrap="square" rtlCol="0">
+            <a:spAutoFit/>
+          </a:bodyPr>
+          <a:lstStyle/>
+          <a:p>
+            <a:r>
+              <a:rPr lang="ko-KR" altLang="en-US" sz="1100" dirty="0">
+                <a:latin typeface="a고딕12" panose="02020600000000000000" pitchFamily="18" charset="-127"/>
+                <a:ea typeface="a고딕12" panose="02020600000000000000" pitchFamily="18" charset="-127"/>
+              </a:rPr>
+              <a:t>목</a:t>
+            </a:r>
+            <a:endParaRPr lang="ko-KR" altLang="en-US" dirty="0"/>
+          </a:p>
+        </p:txBody>
+      </p:sp>
+      <p:sp>
+        <p:nvSpPr>
+          <p:cNvPr id="170" name="TextBox 169">
+            <a:extLst>
+              <a:ext uri="{FF2B5EF4-FFF2-40B4-BE49-F238E27FC236}">
+                <a16:creationId xmlns:a16="http://schemas.microsoft.com/office/drawing/2014/main" id="{8E135E02-5C87-42FF-93D4-B75FDC72DC28}"/>
+              </a:ext>
+            </a:extLst>
+          </p:cNvPr>
+          <p:cNvSpPr txBox="1"/>
+          <p:nvPr/>
+        </p:nvSpPr>
+        <p:spPr>
+          <a:xfrm>
+            <a:off x="6983811" y="3937219"/>
+            <a:ext cx="245538" cy="261610"/>
+          </a:xfrm>
+          <a:prstGeom prst="rect">
+            <a:avLst/>
+          </a:prstGeom>
+          <a:noFill/>
+        </p:spPr>
+        <p:txBody>
+          <a:bodyPr wrap="square" rtlCol="0">
+            <a:spAutoFit/>
+          </a:bodyPr>
+          <a:lstStyle/>
+          <a:p>
+            <a:r>
+              <a:rPr lang="ko-KR" altLang="en-US" sz="1100" dirty="0">
+                <a:latin typeface="a고딕12" panose="02020600000000000000" pitchFamily="18" charset="-127"/>
+                <a:ea typeface="a고딕12" panose="02020600000000000000" pitchFamily="18" charset="-127"/>
+              </a:rPr>
+              <a:t>금</a:t>
+            </a:r>
+            <a:endParaRPr lang="ko-KR" altLang="en-US" dirty="0"/>
+          </a:p>
+        </p:txBody>
+      </p:sp>
+      <p:sp>
+        <p:nvSpPr>
+          <p:cNvPr id="171" name="TextBox 170">
+            <a:extLst>
+              <a:ext uri="{FF2B5EF4-FFF2-40B4-BE49-F238E27FC236}">
+                <a16:creationId xmlns:a16="http://schemas.microsoft.com/office/drawing/2014/main" id="{6BB44AC6-B380-4B7A-8D19-552E4F3ABDF3}"/>
+              </a:ext>
+            </a:extLst>
+          </p:cNvPr>
+          <p:cNvSpPr txBox="1"/>
+          <p:nvPr/>
+        </p:nvSpPr>
+        <p:spPr>
+          <a:xfrm>
+            <a:off x="7501471" y="3937219"/>
+            <a:ext cx="245538" cy="261610"/>
+          </a:xfrm>
+          <a:prstGeom prst="rect">
+            <a:avLst/>
+          </a:prstGeom>
+          <a:noFill/>
+        </p:spPr>
+        <p:txBody>
+          <a:bodyPr wrap="square" rtlCol="0">
+            <a:spAutoFit/>
+          </a:bodyPr>
+          <a:lstStyle/>
+          <a:p>
+            <a:r>
+              <a:rPr lang="ko-KR" altLang="en-US" sz="1100" dirty="0">
+                <a:solidFill>
+                  <a:srgbClr val="00B0F0"/>
+                </a:solidFill>
+                <a:latin typeface="a고딕12" panose="02020600000000000000" pitchFamily="18" charset="-127"/>
+                <a:ea typeface="a고딕12" panose="02020600000000000000" pitchFamily="18" charset="-127"/>
+              </a:rPr>
+              <a:t>토</a:t>
+            </a:r>
+            <a:endParaRPr lang="ko-KR" altLang="en-US" dirty="0">
+              <a:solidFill>
+                <a:srgbClr val="00B0F0"/>
+              </a:solidFill>
+            </a:endParaRPr>
+          </a:p>
+        </p:txBody>
+      </p:sp>
+      <p:sp>
+        <p:nvSpPr>
+          <p:cNvPr id="172" name="직사각형 171">
+            <a:extLst>
+              <a:ext uri="{FF2B5EF4-FFF2-40B4-BE49-F238E27FC236}">
+                <a16:creationId xmlns:a16="http://schemas.microsoft.com/office/drawing/2014/main" id="{B4396597-6AA4-4094-8E1D-B95D1DD7B690}"/>
               </a:ext>
             </a:extLst>
           </p:cNvPr>
@@ -30393,19 +31497,19 @@
         </p:nvSpPr>
         <p:spPr>
           <a:xfrm>
-            <a:off x="3771901" y="5860008"/>
-            <a:ext cx="4160520" cy="382081"/>
+            <a:off x="4332589" y="4275878"/>
+            <a:ext cx="3672834" cy="711348"/>
           </a:xfrm>
           <a:prstGeom prst="rect">
             <a:avLst/>
           </a:prstGeom>
           <a:solidFill>
-            <a:srgbClr val="ED6C89"/>
+            <a:schemeClr val="bg1"/>
           </a:solidFill>
           <a:ln>
             <a:solidFill>
-              <a:schemeClr val="bg1">
-                <a:lumMod val="85000"/>
+              <a:schemeClr val="bg2">
+                <a:lumMod val="90000"/>
               </a:schemeClr>
             </a:solidFill>
           </a:ln>
@@ -30431,196 +31535,95 @@
           <a:lstStyle/>
           <a:p>
             <a:pPr algn="ctr"/>
-            <a:endParaRPr lang="ko-KR" altLang="en-US"/>
-          </a:p>
-        </p:txBody>
-      </p:sp>
-      <p:pic>
-        <p:nvPicPr>
-          <p:cNvPr id="78" name="그림 77">
-            <a:extLst>
-              <a:ext uri="{FF2B5EF4-FFF2-40B4-BE49-F238E27FC236}">
-                <a16:creationId xmlns:a16="http://schemas.microsoft.com/office/drawing/2014/main" id="{0AA96714-E0A9-4B00-BD88-4144422BABA5}"/>
-              </a:ext>
-            </a:extLst>
-          </p:cNvPr>
-          <p:cNvPicPr>
-            <a:picLocks noChangeAspect="1"/>
-          </p:cNvPicPr>
-          <p:nvPr/>
-        </p:nvPicPr>
-        <p:blipFill>
-          <a:blip r:embed="rId4">
-            <a:extLst>
-              <a:ext uri="{28A0092B-C50C-407E-A947-70E740481C1C}">
-                <a14:useLocalDpi xmlns:a14="http://schemas.microsoft.com/office/drawing/2010/main" val="0"/>
-              </a:ext>
-            </a:extLst>
-          </a:blip>
-          <a:stretch>
-            <a:fillRect/>
-          </a:stretch>
-        </p:blipFill>
-        <p:spPr>
-          <a:xfrm>
-            <a:off x="6653712" y="5932458"/>
-            <a:ext cx="242576" cy="242576"/>
-          </a:xfrm>
-          <a:prstGeom prst="rect">
-            <a:avLst/>
-          </a:prstGeom>
-        </p:spPr>
-      </p:pic>
-      <p:pic>
-        <p:nvPicPr>
-          <p:cNvPr id="79" name="그림 78">
-            <a:extLst>
-              <a:ext uri="{FF2B5EF4-FFF2-40B4-BE49-F238E27FC236}">
-                <a16:creationId xmlns:a16="http://schemas.microsoft.com/office/drawing/2014/main" id="{D7401ED7-41DD-477B-A9DE-F01BD168978C}"/>
-              </a:ext>
-            </a:extLst>
-          </p:cNvPr>
-          <p:cNvPicPr>
-            <a:picLocks noChangeAspect="1"/>
-          </p:cNvPicPr>
-          <p:nvPr/>
-        </p:nvPicPr>
-        <p:blipFill>
-          <a:blip r:embed="rId5">
-            <a:extLst>
-              <a:ext uri="{28A0092B-C50C-407E-A947-70E740481C1C}">
-                <a14:useLocalDpi xmlns:a14="http://schemas.microsoft.com/office/drawing/2010/main" val="0"/>
-              </a:ext>
-            </a:extLst>
-          </a:blip>
-          <a:stretch>
-            <a:fillRect/>
-          </a:stretch>
-        </p:blipFill>
-        <p:spPr>
-          <a:xfrm>
-            <a:off x="5931465" y="5926950"/>
-            <a:ext cx="242576" cy="242576"/>
-          </a:xfrm>
-          <a:prstGeom prst="rect">
-            <a:avLst/>
-          </a:prstGeom>
-        </p:spPr>
-      </p:pic>
-      <p:pic>
-        <p:nvPicPr>
-          <p:cNvPr id="80" name="그림 79">
-            <a:extLst>
-              <a:ext uri="{FF2B5EF4-FFF2-40B4-BE49-F238E27FC236}">
-                <a16:creationId xmlns:a16="http://schemas.microsoft.com/office/drawing/2014/main" id="{716769EE-20D9-4950-85F7-B50DEB7C90E9}"/>
-              </a:ext>
-            </a:extLst>
-          </p:cNvPr>
-          <p:cNvPicPr>
-            <a:picLocks noChangeAspect="1"/>
-          </p:cNvPicPr>
-          <p:nvPr/>
-        </p:nvPicPr>
-        <p:blipFill>
-          <a:blip r:embed="rId6">
-            <a:extLst>
-              <a:ext uri="{28A0092B-C50C-407E-A947-70E740481C1C}">
-                <a14:useLocalDpi xmlns:a14="http://schemas.microsoft.com/office/drawing/2010/main" val="0"/>
-              </a:ext>
-            </a:extLst>
-          </a:blip>
-          <a:stretch>
-            <a:fillRect/>
-          </a:stretch>
-        </p:blipFill>
-        <p:spPr>
-          <a:xfrm>
-            <a:off x="4542680" y="5934636"/>
-            <a:ext cx="242239" cy="242239"/>
-          </a:xfrm>
-          <a:prstGeom prst="rect">
-            <a:avLst/>
-          </a:prstGeom>
-        </p:spPr>
-      </p:pic>
-      <p:pic>
-        <p:nvPicPr>
-          <p:cNvPr id="81" name="그림 80">
-            <a:extLst>
-              <a:ext uri="{FF2B5EF4-FFF2-40B4-BE49-F238E27FC236}">
-                <a16:creationId xmlns:a16="http://schemas.microsoft.com/office/drawing/2014/main" id="{D1DBFE35-93F4-4BDE-ACE0-763B04003754}"/>
-              </a:ext>
-            </a:extLst>
-          </p:cNvPr>
-          <p:cNvPicPr>
-            <a:picLocks noChangeAspect="1"/>
-          </p:cNvPicPr>
-          <p:nvPr/>
-        </p:nvPicPr>
-        <p:blipFill>
-          <a:blip r:embed="rId7">
-            <a:extLst>
-              <a:ext uri="{28A0092B-C50C-407E-A947-70E740481C1C}">
-                <a14:useLocalDpi xmlns:a14="http://schemas.microsoft.com/office/drawing/2010/main" val="0"/>
-              </a:ext>
-            </a:extLst>
-          </a:blip>
-          <a:stretch>
-            <a:fillRect/>
-          </a:stretch>
-        </p:blipFill>
-        <p:spPr>
-          <a:xfrm>
-            <a:off x="7362301" y="5909338"/>
-            <a:ext cx="283419" cy="283419"/>
-          </a:xfrm>
-          <a:prstGeom prst="rect">
-            <a:avLst/>
-          </a:prstGeom>
-        </p:spPr>
-      </p:pic>
-      <p:pic>
-        <p:nvPicPr>
-          <p:cNvPr id="82" name="그림 81">
-            <a:extLst>
-              <a:ext uri="{FF2B5EF4-FFF2-40B4-BE49-F238E27FC236}">
-                <a16:creationId xmlns:a16="http://schemas.microsoft.com/office/drawing/2014/main" id="{0DD74B8C-BB69-49DF-B1F3-F8A12600B3D0}"/>
-              </a:ext>
-            </a:extLst>
-          </p:cNvPr>
-          <p:cNvPicPr>
-            <a:picLocks noChangeAspect="1"/>
-          </p:cNvPicPr>
-          <p:nvPr/>
-        </p:nvPicPr>
-        <p:blipFill>
-          <a:blip r:embed="rId8">
-            <a:extLst>
-              <a:ext uri="{28A0092B-C50C-407E-A947-70E740481C1C}">
-                <a14:useLocalDpi xmlns:a14="http://schemas.microsoft.com/office/drawing/2010/main" val="0"/>
-              </a:ext>
-            </a:extLst>
-          </a:blip>
-          <a:stretch>
-            <a:fillRect/>
-          </a:stretch>
-        </p:blipFill>
-        <p:spPr>
-          <a:xfrm>
-            <a:off x="5197361" y="5932458"/>
-            <a:ext cx="242239" cy="242239"/>
-          </a:xfrm>
-          <a:prstGeom prst="rect">
-            <a:avLst/>
-          </a:prstGeom>
-        </p:spPr>
-      </p:pic>
-      <p:sp>
-        <p:nvSpPr>
-          <p:cNvPr id="85" name="직사각형 84">
-            <a:extLst>
-              <a:ext uri="{FF2B5EF4-FFF2-40B4-BE49-F238E27FC236}">
-                <a16:creationId xmlns:a16="http://schemas.microsoft.com/office/drawing/2014/main" id="{0B8E8C85-62E9-4CAC-B365-658CDF7A63CF}"/>
+            <a:endParaRPr lang="ko-KR" altLang="en-US" dirty="0"/>
+          </a:p>
+        </p:txBody>
+      </p:sp>
+      <p:sp>
+        <p:nvSpPr>
+          <p:cNvPr id="173" name="TextBox 172">
+            <a:extLst>
+              <a:ext uri="{FF2B5EF4-FFF2-40B4-BE49-F238E27FC236}">
+                <a16:creationId xmlns:a16="http://schemas.microsoft.com/office/drawing/2014/main" id="{5D2D59DA-1AEC-47C6-90E6-5DFA57FE6242}"/>
+              </a:ext>
+            </a:extLst>
+          </p:cNvPr>
+          <p:cNvSpPr txBox="1"/>
+          <p:nvPr/>
+        </p:nvSpPr>
+        <p:spPr>
+          <a:xfrm>
+            <a:off x="4432193" y="4378342"/>
+            <a:ext cx="1380918" cy="307777"/>
+          </a:xfrm>
+          <a:prstGeom prst="rect">
+            <a:avLst/>
+          </a:prstGeom>
+          <a:noFill/>
+        </p:spPr>
+        <p:txBody>
+          <a:bodyPr wrap="square" rtlCol="0">
+            <a:spAutoFit/>
+          </a:bodyPr>
+          <a:lstStyle/>
+          <a:p>
+            <a:r>
+              <a:rPr lang="ko-KR" altLang="en-US" sz="1400" dirty="0">
+                <a:latin typeface="a고딕12" panose="02020600000000000000" pitchFamily="18" charset="-127"/>
+                <a:ea typeface="a고딕12" panose="02020600000000000000" pitchFamily="18" charset="-127"/>
+              </a:rPr>
+              <a:t>알람 이름</a:t>
+            </a:r>
+          </a:p>
+        </p:txBody>
+      </p:sp>
+      <p:sp>
+        <p:nvSpPr>
+          <p:cNvPr id="174" name="TextBox 173">
+            <a:extLst>
+              <a:ext uri="{FF2B5EF4-FFF2-40B4-BE49-F238E27FC236}">
+                <a16:creationId xmlns:a16="http://schemas.microsoft.com/office/drawing/2014/main" id="{8DB1DAF9-1757-43B4-8C80-B12263697033}"/>
+              </a:ext>
+            </a:extLst>
+          </p:cNvPr>
+          <p:cNvSpPr txBox="1"/>
+          <p:nvPr/>
+        </p:nvSpPr>
+        <p:spPr>
+          <a:xfrm>
+            <a:off x="4521061" y="4597713"/>
+            <a:ext cx="1380918" cy="261610"/>
+          </a:xfrm>
+          <a:prstGeom prst="rect">
+            <a:avLst/>
+          </a:prstGeom>
+          <a:noFill/>
+        </p:spPr>
+        <p:txBody>
+          <a:bodyPr wrap="square" rtlCol="0">
+            <a:spAutoFit/>
+          </a:bodyPr>
+          <a:lstStyle/>
+          <a:p>
+            <a:r>
+              <a:rPr lang="ko-KR" altLang="en-US" sz="1100" dirty="0">
+                <a:solidFill>
+                  <a:srgbClr val="ED6C89"/>
+                </a:solidFill>
+                <a:latin typeface="a고딕12" panose="02020600000000000000" pitchFamily="18" charset="-127"/>
+                <a:ea typeface="a고딕12" panose="02020600000000000000" pitchFamily="18" charset="-127"/>
+              </a:rPr>
+              <a:t>설정 안함</a:t>
+            </a:r>
+          </a:p>
+        </p:txBody>
+      </p:sp>
+      <p:sp>
+        <p:nvSpPr>
+          <p:cNvPr id="175" name="직사각형 174">
+            <a:extLst>
+              <a:ext uri="{FF2B5EF4-FFF2-40B4-BE49-F238E27FC236}">
+                <a16:creationId xmlns:a16="http://schemas.microsoft.com/office/drawing/2014/main" id="{D0138EB9-F868-44F3-B8F3-A78F4A3D27C8}"/>
               </a:ext>
             </a:extLst>
           </p:cNvPr>
@@ -30629,8 +31632,8 @@
         </p:nvSpPr>
         <p:spPr>
           <a:xfrm>
-            <a:off x="4225020" y="1039376"/>
-            <a:ext cx="3672834" cy="843625"/>
+            <a:off x="4332589" y="4987226"/>
+            <a:ext cx="3672834" cy="735522"/>
           </a:xfrm>
           <a:prstGeom prst="rect">
             <a:avLst/>
@@ -30641,7 +31644,7 @@
           <a:ln>
             <a:solidFill>
               <a:schemeClr val="bg2">
-                <a:lumMod val="50000"/>
+                <a:lumMod val="90000"/>
               </a:schemeClr>
             </a:solidFill>
           </a:ln>
@@ -30667,16 +31670,16 @@
           <a:lstStyle/>
           <a:p>
             <a:pPr algn="ctr"/>
-            <a:endParaRPr lang="ko-KR" altLang="en-US"/>
-          </a:p>
-        </p:txBody>
-      </p:sp>
-      <p:sp>
-        <p:nvSpPr>
-          <p:cNvPr id="2" name="TextBox 1">
-            <a:extLst>
-              <a:ext uri="{FF2B5EF4-FFF2-40B4-BE49-F238E27FC236}">
-                <a16:creationId xmlns:a16="http://schemas.microsoft.com/office/drawing/2014/main" id="{3E0B16EC-0E49-4F16-9DA6-5728D8AF0C9C}"/>
+            <a:endParaRPr lang="ko-KR" altLang="en-US" dirty="0"/>
+          </a:p>
+        </p:txBody>
+      </p:sp>
+      <p:sp>
+        <p:nvSpPr>
+          <p:cNvPr id="176" name="TextBox 175">
+            <a:extLst>
+              <a:ext uri="{FF2B5EF4-FFF2-40B4-BE49-F238E27FC236}">
+                <a16:creationId xmlns:a16="http://schemas.microsoft.com/office/drawing/2014/main" id="{15FF794D-83A7-40E5-A012-5D5EA8857C87}"/>
               </a:ext>
             </a:extLst>
           </p:cNvPr>
@@ -30685,8 +31688,8 @@
         </p:nvSpPr>
         <p:spPr>
           <a:xfrm>
-            <a:off x="4542680" y="1252735"/>
-            <a:ext cx="1099570" cy="369332"/>
+            <a:off x="4405060" y="5103814"/>
+            <a:ext cx="1380918" cy="307777"/>
           </a:xfrm>
           <a:prstGeom prst="rect">
             <a:avLst/>
@@ -30700,32 +31703,28 @@
           <a:lstStyle/>
           <a:p>
             <a:r>
-              <a:rPr lang="ko-KR" altLang="en-US" sz="1100" dirty="0">
+              <a:rPr lang="ko-KR" altLang="en-US" sz="1400" dirty="0" err="1">
                 <a:latin typeface="a고딕12" panose="02020600000000000000" pitchFamily="18" charset="-127"/>
                 <a:ea typeface="a고딕12" panose="02020600000000000000" pitchFamily="18" charset="-127"/>
               </a:rPr>
-              <a:t>오전 </a:t>
-            </a:r>
-            <a:r>
-              <a:rPr lang="en-US" altLang="ko-KR" dirty="0">
+              <a:t>무드등</a:t>
+            </a:r>
+            <a:r>
+              <a:rPr lang="ko-KR" altLang="en-US" sz="1400" dirty="0">
                 <a:latin typeface="a고딕12" panose="02020600000000000000" pitchFamily="18" charset="-127"/>
                 <a:ea typeface="a고딕12" panose="02020600000000000000" pitchFamily="18" charset="-127"/>
               </a:rPr>
-              <a:t>6:00</a:t>
-            </a:r>
-            <a:r>
-              <a:rPr lang="ko-KR" altLang="en-US" dirty="0"/>
-              <a:t> </a:t>
-            </a:r>
-          </a:p>
-        </p:txBody>
-      </p:sp>
-      <p:sp>
-        <p:nvSpPr>
-          <p:cNvPr id="87" name="TextBox 86">
-            <a:extLst>
-              <a:ext uri="{FF2B5EF4-FFF2-40B4-BE49-F238E27FC236}">
-                <a16:creationId xmlns:a16="http://schemas.microsoft.com/office/drawing/2014/main" id="{D9A48EDD-DBD6-4CC0-846C-02C07E5C725C}"/>
+              <a:t> 설정</a:t>
+            </a:r>
+          </a:p>
+        </p:txBody>
+      </p:sp>
+      <p:sp>
+        <p:nvSpPr>
+          <p:cNvPr id="177" name="TextBox 176">
+            <a:extLst>
+              <a:ext uri="{FF2B5EF4-FFF2-40B4-BE49-F238E27FC236}">
+                <a16:creationId xmlns:a16="http://schemas.microsoft.com/office/drawing/2014/main" id="{DD174952-0FC7-40BB-A4CC-C88ABD5E5142}"/>
               </a:ext>
             </a:extLst>
           </p:cNvPr>
@@ -30734,8 +31733,8 @@
         </p:nvSpPr>
         <p:spPr>
           <a:xfrm>
-            <a:off x="5834525" y="1314566"/>
-            <a:ext cx="1310639" cy="261610"/>
+            <a:off x="4521061" y="5323185"/>
+            <a:ext cx="1380918" cy="261610"/>
           </a:xfrm>
           <a:prstGeom prst="rect">
             <a:avLst/>
@@ -30750,81 +31749,23 @@
           <a:p>
             <a:r>
               <a:rPr lang="ko-KR" altLang="en-US" sz="1100" dirty="0">
-                <a:latin typeface="a고딕12" panose="02020600000000000000" pitchFamily="18" charset="-127"/>
-                <a:ea typeface="a고딕12" panose="02020600000000000000" pitchFamily="18" charset="-127"/>
-              </a:rPr>
-              <a:t>일 </a:t>
-            </a:r>
-            <a:r>
-              <a:rPr lang="ko-KR" altLang="en-US" sz="1100" dirty="0">
                 <a:solidFill>
-                  <a:srgbClr val="D57793"/>
+                  <a:srgbClr val="ED6C89"/>
                 </a:solidFill>
                 <a:latin typeface="a고딕12" panose="02020600000000000000" pitchFamily="18" charset="-127"/>
                 <a:ea typeface="a고딕12" panose="02020600000000000000" pitchFamily="18" charset="-127"/>
               </a:rPr>
-              <a:t>월 화 수 목 금 </a:t>
-            </a:r>
-            <a:r>
-              <a:rPr lang="ko-KR" altLang="en-US" sz="1100" dirty="0">
-                <a:latin typeface="a고딕12" panose="02020600000000000000" pitchFamily="18" charset="-127"/>
-                <a:ea typeface="a고딕12" panose="02020600000000000000" pitchFamily="18" charset="-127"/>
-              </a:rPr>
-              <a:t>토</a:t>
-            </a:r>
-            <a:endParaRPr lang="ko-KR" altLang="en-US" dirty="0"/>
-          </a:p>
-        </p:txBody>
-      </p:sp>
-      <p:pic>
-        <p:nvPicPr>
-          <p:cNvPr id="88" name="그림 87">
-            <a:extLst>
-              <a:ext uri="{FF2B5EF4-FFF2-40B4-BE49-F238E27FC236}">
-                <a16:creationId xmlns:a16="http://schemas.microsoft.com/office/drawing/2014/main" id="{AEB03A18-9E16-4068-A51D-43F74508B595}"/>
-              </a:ext>
-            </a:extLst>
-          </p:cNvPr>
-          <p:cNvPicPr>
-            <a:picLocks noChangeAspect="1"/>
-          </p:cNvPicPr>
-          <p:nvPr/>
-        </p:nvPicPr>
-        <p:blipFill>
-          <a:blip r:embed="rId9">
-            <a:duotone>
-              <a:schemeClr val="accent2">
-                <a:shade val="45000"/>
-                <a:satMod val="135000"/>
-              </a:schemeClr>
-              <a:prstClr val="white"/>
-            </a:duotone>
-            <a:extLst>
-              <a:ext uri="{28A0092B-C50C-407E-A947-70E740481C1C}">
-                <a14:useLocalDpi xmlns:a14="http://schemas.microsoft.com/office/drawing/2010/main" val="0"/>
-              </a:ext>
-            </a:extLst>
-          </a:blip>
-          <a:stretch>
-            <a:fillRect/>
-          </a:stretch>
-        </p:blipFill>
-        <p:spPr>
-          <a:xfrm>
-            <a:off x="7191372" y="1280210"/>
-            <a:ext cx="341857" cy="341857"/>
-          </a:xfrm>
-          <a:prstGeom prst="rect">
-            <a:avLst/>
-          </a:prstGeom>
-        </p:spPr>
-      </p:pic>
-      <p:sp>
-        <p:nvSpPr>
-          <p:cNvPr id="89" name="직사각형 88">
-            <a:extLst>
-              <a:ext uri="{FF2B5EF4-FFF2-40B4-BE49-F238E27FC236}">
-                <a16:creationId xmlns:a16="http://schemas.microsoft.com/office/drawing/2014/main" id="{A59596E8-8949-4870-9B86-321BBC0E2A34}"/>
+              <a:t>설정 안함</a:t>
+            </a:r>
+          </a:p>
+        </p:txBody>
+      </p:sp>
+      <p:sp>
+        <p:nvSpPr>
+          <p:cNvPr id="178" name="직사각형 177">
+            <a:extLst>
+              <a:ext uri="{FF2B5EF4-FFF2-40B4-BE49-F238E27FC236}">
+                <a16:creationId xmlns:a16="http://schemas.microsoft.com/office/drawing/2014/main" id="{608DA581-3A24-4B25-9EE9-BB0884BFC4E2}"/>
               </a:ext>
             </a:extLst>
           </p:cNvPr>
@@ -30833,8 +31774,8 @@
         </p:nvSpPr>
         <p:spPr>
           <a:xfrm>
-            <a:off x="4225021" y="1883001"/>
-            <a:ext cx="3724384" cy="843625"/>
+            <a:off x="4332589" y="5710024"/>
+            <a:ext cx="3672834" cy="514766"/>
           </a:xfrm>
           <a:prstGeom prst="rect">
             <a:avLst/>
@@ -30845,7 +31786,7 @@
           <a:ln>
             <a:solidFill>
               <a:schemeClr val="bg2">
-                <a:lumMod val="50000"/>
+                <a:lumMod val="90000"/>
               </a:schemeClr>
             </a:solidFill>
           </a:ln>
@@ -30871,16 +31812,16 @@
           <a:lstStyle/>
           <a:p>
             <a:pPr algn="ctr"/>
-            <a:endParaRPr lang="ko-KR" altLang="en-US"/>
-          </a:p>
-        </p:txBody>
-      </p:sp>
-      <p:sp>
-        <p:nvSpPr>
-          <p:cNvPr id="90" name="TextBox 89">
-            <a:extLst>
-              <a:ext uri="{FF2B5EF4-FFF2-40B4-BE49-F238E27FC236}">
-                <a16:creationId xmlns:a16="http://schemas.microsoft.com/office/drawing/2014/main" id="{36B209AA-C091-4BA4-B93E-224DAA808FF6}"/>
+            <a:endParaRPr lang="ko-KR" altLang="en-US" dirty="0"/>
+          </a:p>
+        </p:txBody>
+      </p:sp>
+      <p:sp>
+        <p:nvSpPr>
+          <p:cNvPr id="179" name="TextBox 178">
+            <a:extLst>
+              <a:ext uri="{FF2B5EF4-FFF2-40B4-BE49-F238E27FC236}">
+                <a16:creationId xmlns:a16="http://schemas.microsoft.com/office/drawing/2014/main" id="{EA226D26-E6A5-4DAF-9718-3B533833D11D}"/>
               </a:ext>
             </a:extLst>
           </p:cNvPr>
@@ -30889,8 +31830,8 @@
         </p:nvSpPr>
         <p:spPr>
           <a:xfrm>
-            <a:off x="4542680" y="2096360"/>
-            <a:ext cx="1099570" cy="369332"/>
+            <a:off x="4401446" y="5854039"/>
+            <a:ext cx="1380918" cy="307777"/>
           </a:xfrm>
           <a:prstGeom prst="rect">
             <a:avLst/>
@@ -30904,159 +31845,72 @@
           <a:lstStyle/>
           <a:p>
             <a:r>
-              <a:rPr lang="ko-KR" altLang="en-US" sz="1100" dirty="0">
+              <a:rPr lang="ko-KR" altLang="en-US" sz="1400" dirty="0">
+                <a:latin typeface="a고딕12" panose="02020600000000000000" pitchFamily="18" charset="-127"/>
+                <a:ea typeface="a고딕12" panose="02020600000000000000" pitchFamily="18" charset="-127"/>
+              </a:rPr>
+              <a:t>분사 시간 설정</a:t>
+            </a:r>
+          </a:p>
+        </p:txBody>
+      </p:sp>
+      <p:sp>
+        <p:nvSpPr>
+          <p:cNvPr id="180" name="TextBox 179">
+            <a:extLst>
+              <a:ext uri="{FF2B5EF4-FFF2-40B4-BE49-F238E27FC236}">
+                <a16:creationId xmlns:a16="http://schemas.microsoft.com/office/drawing/2014/main" id="{8206EC64-C986-4F38-91B2-BA408F6130F1}"/>
+              </a:ext>
+            </a:extLst>
+          </p:cNvPr>
+          <p:cNvSpPr txBox="1"/>
+          <p:nvPr/>
+        </p:nvSpPr>
+        <p:spPr>
+          <a:xfrm>
+            <a:off x="4652755" y="6073410"/>
+            <a:ext cx="1380918" cy="261610"/>
+          </a:xfrm>
+          <a:prstGeom prst="rect">
+            <a:avLst/>
+          </a:prstGeom>
+          <a:noFill/>
+        </p:spPr>
+        <p:txBody>
+          <a:bodyPr wrap="square" rtlCol="0">
+            <a:spAutoFit/>
+          </a:bodyPr>
+          <a:lstStyle/>
+          <a:p>
+            <a:r>
+              <a:rPr lang="en-US" altLang="ko-KR" sz="1100" dirty="0">
                 <a:solidFill>
-                  <a:schemeClr val="bg1">
-                    <a:lumMod val="75000"/>
-                  </a:schemeClr>
+                  <a:srgbClr val="ED6C89"/>
                 </a:solidFill>
                 <a:latin typeface="a고딕12" panose="02020600000000000000" pitchFamily="18" charset="-127"/>
                 <a:ea typeface="a고딕12" panose="02020600000000000000" pitchFamily="18" charset="-127"/>
               </a:rPr>
-              <a:t>오전 </a:t>
-            </a:r>
-            <a:r>
-              <a:rPr lang="en-US" altLang="ko-KR" sz="1100" dirty="0">
+              <a:t>10</a:t>
+            </a:r>
+            <a:r>
+              <a:rPr lang="ko-KR" altLang="en-US" sz="1100" dirty="0">
                 <a:solidFill>
-                  <a:schemeClr val="bg1">
-                    <a:lumMod val="75000"/>
-                  </a:schemeClr>
+                  <a:srgbClr val="ED6C89"/>
                 </a:solidFill>
                 <a:latin typeface="a고딕12" panose="02020600000000000000" pitchFamily="18" charset="-127"/>
                 <a:ea typeface="a고딕12" panose="02020600000000000000" pitchFamily="18" charset="-127"/>
               </a:rPr>
-              <a:t> </a:t>
-            </a:r>
-            <a:r>
-              <a:rPr lang="en-US" altLang="ko-KR" dirty="0">
-                <a:solidFill>
-                  <a:schemeClr val="bg1">
-                    <a:lumMod val="75000"/>
-                  </a:schemeClr>
-                </a:solidFill>
-                <a:latin typeface="a고딕12" panose="02020600000000000000" pitchFamily="18" charset="-127"/>
-                <a:ea typeface="a고딕12" panose="02020600000000000000" pitchFamily="18" charset="-127"/>
-              </a:rPr>
-              <a:t>8:00</a:t>
-            </a:r>
-            <a:r>
-              <a:rPr lang="ko-KR" altLang="en-US" dirty="0">
-                <a:solidFill>
-                  <a:schemeClr val="bg1">
-                    <a:lumMod val="75000"/>
-                  </a:schemeClr>
-                </a:solidFill>
-              </a:rPr>
-              <a:t> </a:t>
-            </a:r>
-          </a:p>
-        </p:txBody>
-      </p:sp>
-      <p:sp>
-        <p:nvSpPr>
-          <p:cNvPr id="91" name="TextBox 90">
-            <a:extLst>
-              <a:ext uri="{FF2B5EF4-FFF2-40B4-BE49-F238E27FC236}">
-                <a16:creationId xmlns:a16="http://schemas.microsoft.com/office/drawing/2014/main" id="{2B2A054A-69F3-44F9-A913-B2AC6959D946}"/>
-              </a:ext>
-            </a:extLst>
-          </p:cNvPr>
-          <p:cNvSpPr txBox="1"/>
-          <p:nvPr/>
-        </p:nvSpPr>
-        <p:spPr>
-          <a:xfrm>
-            <a:off x="5834525" y="2158191"/>
-            <a:ext cx="1310639" cy="261610"/>
-          </a:xfrm>
-          <a:prstGeom prst="rect">
-            <a:avLst/>
-          </a:prstGeom>
-          <a:noFill/>
-        </p:spPr>
-        <p:txBody>
-          <a:bodyPr wrap="square" rtlCol="0">
-            <a:spAutoFit/>
-          </a:bodyPr>
-          <a:lstStyle/>
-          <a:p>
-            <a:r>
-              <a:rPr lang="ko-KR" altLang="en-US" sz="1100" dirty="0">
-                <a:latin typeface="a고딕12" panose="02020600000000000000" pitchFamily="18" charset="-127"/>
-                <a:ea typeface="a고딕12" panose="02020600000000000000" pitchFamily="18" charset="-127"/>
-              </a:rPr>
-              <a:t>일 </a:t>
-            </a:r>
-            <a:r>
-              <a:rPr lang="ko-KR" altLang="en-US" sz="1100" dirty="0">
-                <a:solidFill>
-                  <a:srgbClr val="D57793"/>
-                </a:solidFill>
-                <a:latin typeface="a고딕12" panose="02020600000000000000" pitchFamily="18" charset="-127"/>
-                <a:ea typeface="a고딕12" panose="02020600000000000000" pitchFamily="18" charset="-127"/>
-              </a:rPr>
-              <a:t>월 화 수 목 금 </a:t>
-            </a:r>
-            <a:r>
-              <a:rPr lang="ko-KR" altLang="en-US" sz="1100" dirty="0">
-                <a:latin typeface="a고딕12" panose="02020600000000000000" pitchFamily="18" charset="-127"/>
-                <a:ea typeface="a고딕12" panose="02020600000000000000" pitchFamily="18" charset="-127"/>
-              </a:rPr>
-              <a:t>토</a:t>
-            </a:r>
-            <a:endParaRPr lang="ko-KR" altLang="en-US" dirty="0"/>
-          </a:p>
-        </p:txBody>
-      </p:sp>
-      <p:pic>
-        <p:nvPicPr>
-          <p:cNvPr id="92" name="그림 91">
-            <a:extLst>
-              <a:ext uri="{FF2B5EF4-FFF2-40B4-BE49-F238E27FC236}">
-                <a16:creationId xmlns:a16="http://schemas.microsoft.com/office/drawing/2014/main" id="{DEC60C69-1398-4A13-9A9E-F1CEB27A43C1}"/>
-              </a:ext>
-            </a:extLst>
-          </p:cNvPr>
-          <p:cNvPicPr>
-            <a:picLocks noChangeAspect="1"/>
-          </p:cNvPicPr>
-          <p:nvPr/>
-        </p:nvPicPr>
-        <p:blipFill>
-          <a:blip r:embed="rId9">
-            <a:duotone>
-              <a:schemeClr val="bg2">
-                <a:shade val="45000"/>
-                <a:satMod val="135000"/>
-              </a:schemeClr>
-              <a:prstClr val="white"/>
-            </a:duotone>
-            <a:extLst>
-              <a:ext uri="{28A0092B-C50C-407E-A947-70E740481C1C}">
-                <a14:useLocalDpi xmlns:a14="http://schemas.microsoft.com/office/drawing/2010/main" val="0"/>
-              </a:ext>
-            </a:extLst>
-          </a:blip>
-          <a:stretch>
-            <a:fillRect/>
-          </a:stretch>
-        </p:blipFill>
-        <p:spPr>
-          <a:xfrm rot="10800000">
-            <a:off x="7191372" y="2123835"/>
-            <a:ext cx="341857" cy="341857"/>
-          </a:xfrm>
-          <a:prstGeom prst="rect">
-            <a:avLst/>
-          </a:prstGeom>
-        </p:spPr>
-      </p:pic>
-      <p:sp>
-        <p:nvSpPr>
-          <p:cNvPr id="93" name="타원 92">
-            <a:extLst>
-              <a:ext uri="{FF2B5EF4-FFF2-40B4-BE49-F238E27FC236}">
-                <a16:creationId xmlns:a16="http://schemas.microsoft.com/office/drawing/2014/main" id="{F9D4746C-63DD-4A66-8E1D-950049578FDC}"/>
+              <a:t>분</a:t>
+            </a:r>
+          </a:p>
+        </p:txBody>
+      </p:sp>
+      <p:sp>
+        <p:nvSpPr>
+          <p:cNvPr id="21" name="사각형: 둥근 모서리 20">
+            <a:extLst>
+              <a:ext uri="{FF2B5EF4-FFF2-40B4-BE49-F238E27FC236}">
+                <a16:creationId xmlns:a16="http://schemas.microsoft.com/office/drawing/2014/main" id="{2DF1A136-58C1-404A-82ED-EB4EE91BF262}"/>
               </a:ext>
             </a:extLst>
           </p:cNvPr>
@@ -31065,30 +31919,36 @@
         </p:nvSpPr>
         <p:spPr>
           <a:xfrm>
-            <a:off x="7267453" y="5198919"/>
-            <a:ext cx="401002" cy="400155"/>
-          </a:xfrm>
-          <a:prstGeom prst="ellipse">
+            <a:off x="7743852" y="3548961"/>
+            <a:ext cx="51998" cy="1924875"/>
+          </a:xfrm>
+          <a:prstGeom prst="roundRect">
             <a:avLst/>
           </a:prstGeom>
           <a:solidFill>
-            <a:srgbClr val="ED6C89"/>
+            <a:schemeClr val="bg1">
+              <a:lumMod val="65000"/>
+            </a:schemeClr>
           </a:solidFill>
           <a:ln>
-            <a:noFill/>
+            <a:solidFill>
+              <a:schemeClr val="bg1">
+                <a:lumMod val="65000"/>
+              </a:schemeClr>
+            </a:solidFill>
           </a:ln>
         </p:spPr>
         <p:style>
           <a:lnRef idx="2">
-            <a:schemeClr val="accent1">
+            <a:schemeClr val="dk1">
               <a:shade val="50000"/>
             </a:schemeClr>
           </a:lnRef>
           <a:fillRef idx="1">
-            <a:schemeClr val="accent1"/>
+            <a:schemeClr val="dk1"/>
           </a:fillRef>
           <a:effectRef idx="0">
-            <a:schemeClr val="accent1"/>
+            <a:schemeClr val="dk1"/>
           </a:effectRef>
           <a:fontRef idx="minor">
             <a:schemeClr val="lt1"/>
@@ -31105,58 +31965,10 @@
       </p:sp>
       <p:sp>
         <p:nvSpPr>
-          <p:cNvPr id="94" name="TextBox 93">
-            <a:extLst>
-              <a:ext uri="{FF2B5EF4-FFF2-40B4-BE49-F238E27FC236}">
-                <a16:creationId xmlns:a16="http://schemas.microsoft.com/office/drawing/2014/main" id="{E54A2F74-5215-4867-A97C-1EDE2C592C90}"/>
-              </a:ext>
-            </a:extLst>
-          </p:cNvPr>
-          <p:cNvSpPr txBox="1"/>
-          <p:nvPr/>
-        </p:nvSpPr>
-        <p:spPr>
-          <a:xfrm>
-            <a:off x="7253469" y="5122239"/>
-            <a:ext cx="313331" cy="523220"/>
-          </a:xfrm>
-          <a:prstGeom prst="rect">
-            <a:avLst/>
-          </a:prstGeom>
-          <a:noFill/>
-        </p:spPr>
-        <p:txBody>
-          <a:bodyPr wrap="square" rtlCol="0">
-            <a:spAutoFit/>
-          </a:bodyPr>
-          <a:lstStyle/>
-          <a:p>
-            <a:r>
-              <a:rPr lang="en-US" altLang="ko-KR" sz="2800" b="1" dirty="0">
-                <a:solidFill>
-                  <a:schemeClr val="bg1">
-                    <a:lumMod val="95000"/>
-                  </a:schemeClr>
-                </a:solidFill>
-              </a:rPr>
-              <a:t>+</a:t>
-            </a:r>
-            <a:endParaRPr lang="ko-KR" altLang="en-US" sz="2800" b="1" dirty="0">
-              <a:solidFill>
-                <a:schemeClr val="bg1">
-                  <a:lumMod val="95000"/>
-                </a:schemeClr>
-              </a:solidFill>
-            </a:endParaRPr>
-          </a:p>
-        </p:txBody>
-      </p:sp>
-      <p:sp>
-        <p:nvSpPr>
-          <p:cNvPr id="27" name="직사각형 26">
-            <a:extLst>
-              <a:ext uri="{FF2B5EF4-FFF2-40B4-BE49-F238E27FC236}">
-                <a16:creationId xmlns:a16="http://schemas.microsoft.com/office/drawing/2014/main" id="{CF3B93B0-743D-4B81-80EC-A15D7D138300}"/>
+          <p:cNvPr id="42" name="사각형: 둥근 모서리 41">
+            <a:extLst>
+              <a:ext uri="{FF2B5EF4-FFF2-40B4-BE49-F238E27FC236}">
+                <a16:creationId xmlns:a16="http://schemas.microsoft.com/office/drawing/2014/main" id="{57F93A8A-1C84-4C88-A901-35446B82019C}"/>
               </a:ext>
             </a:extLst>
           </p:cNvPr>
@@ -31165,238 +31977,8 @@
         </p:nvSpPr>
         <p:spPr>
           <a:xfrm>
-            <a:off x="4225020" y="2716734"/>
-            <a:ext cx="3852180" cy="843625"/>
-          </a:xfrm>
-          <a:prstGeom prst="rect">
-            <a:avLst/>
-          </a:prstGeom>
-          <a:solidFill>
-            <a:schemeClr val="bg1"/>
-          </a:solidFill>
-          <a:ln>
-            <a:solidFill>
-              <a:schemeClr val="bg2">
-                <a:lumMod val="50000"/>
-              </a:schemeClr>
-            </a:solidFill>
-          </a:ln>
-        </p:spPr>
-        <p:style>
-          <a:lnRef idx="2">
-            <a:schemeClr val="accent1">
-              <a:shade val="50000"/>
-            </a:schemeClr>
-          </a:lnRef>
-          <a:fillRef idx="1">
-            <a:schemeClr val="accent1"/>
-          </a:fillRef>
-          <a:effectRef idx="0">
-            <a:schemeClr val="accent1"/>
-          </a:effectRef>
-          <a:fontRef idx="minor">
-            <a:schemeClr val="lt1"/>
-          </a:fontRef>
-        </p:style>
-        <p:txBody>
-          <a:bodyPr rtlCol="0" anchor="ctr"/>
-          <a:lstStyle/>
-          <a:p>
-            <a:pPr algn="ctr"/>
-            <a:endParaRPr lang="ko-KR" altLang="en-US"/>
-          </a:p>
-        </p:txBody>
-      </p:sp>
-      <p:sp>
-        <p:nvSpPr>
-          <p:cNvPr id="28" name="TextBox 27">
-            <a:extLst>
-              <a:ext uri="{FF2B5EF4-FFF2-40B4-BE49-F238E27FC236}">
-                <a16:creationId xmlns:a16="http://schemas.microsoft.com/office/drawing/2014/main" id="{AF100E2A-F432-4A79-84CA-19CFE5EA9970}"/>
-              </a:ext>
-            </a:extLst>
-          </p:cNvPr>
-          <p:cNvSpPr txBox="1"/>
-          <p:nvPr/>
-        </p:nvSpPr>
-        <p:spPr>
-          <a:xfrm>
-            <a:off x="4542680" y="2930093"/>
-            <a:ext cx="1099570" cy="369332"/>
-          </a:xfrm>
-          <a:prstGeom prst="rect">
-            <a:avLst/>
-          </a:prstGeom>
-          <a:noFill/>
-        </p:spPr>
-        <p:txBody>
-          <a:bodyPr wrap="square" rtlCol="0">
-            <a:spAutoFit/>
-          </a:bodyPr>
-          <a:lstStyle/>
-          <a:p>
-            <a:r>
-              <a:rPr lang="ko-KR" altLang="en-US" sz="1100" dirty="0">
-                <a:latin typeface="a고딕12" panose="02020600000000000000" pitchFamily="18" charset="-127"/>
-                <a:ea typeface="a고딕12" panose="02020600000000000000" pitchFamily="18" charset="-127"/>
-              </a:rPr>
-              <a:t>오후 </a:t>
-            </a:r>
-            <a:r>
-              <a:rPr lang="en-US" altLang="ko-KR" dirty="0">
-                <a:latin typeface="a고딕12" panose="02020600000000000000" pitchFamily="18" charset="-127"/>
-                <a:ea typeface="a고딕12" panose="02020600000000000000" pitchFamily="18" charset="-127"/>
-              </a:rPr>
-              <a:t>12:00</a:t>
-            </a:r>
-            <a:r>
-              <a:rPr lang="ko-KR" altLang="en-US" dirty="0"/>
-              <a:t> </a:t>
-            </a:r>
-          </a:p>
-        </p:txBody>
-      </p:sp>
-      <p:sp>
-        <p:nvSpPr>
-          <p:cNvPr id="29" name="TextBox 28">
-            <a:extLst>
-              <a:ext uri="{FF2B5EF4-FFF2-40B4-BE49-F238E27FC236}">
-                <a16:creationId xmlns:a16="http://schemas.microsoft.com/office/drawing/2014/main" id="{B706F659-2C4E-4E22-895F-9B9CEDFB9E3A}"/>
-              </a:ext>
-            </a:extLst>
-          </p:cNvPr>
-          <p:cNvSpPr txBox="1"/>
-          <p:nvPr/>
-        </p:nvSpPr>
-        <p:spPr>
-          <a:xfrm>
-            <a:off x="5834525" y="2991924"/>
-            <a:ext cx="1310639" cy="261610"/>
-          </a:xfrm>
-          <a:prstGeom prst="rect">
-            <a:avLst/>
-          </a:prstGeom>
-          <a:noFill/>
-        </p:spPr>
-        <p:txBody>
-          <a:bodyPr wrap="square" rtlCol="0">
-            <a:spAutoFit/>
-          </a:bodyPr>
-          <a:lstStyle/>
-          <a:p>
-            <a:pPr algn="r"/>
-            <a:r>
-              <a:rPr lang="en-US" altLang="ko-KR" sz="1100" dirty="0">
-                <a:latin typeface="a고딕12" panose="02020600000000000000" pitchFamily="18" charset="-127"/>
-                <a:ea typeface="a고딕12" panose="02020600000000000000" pitchFamily="18" charset="-127"/>
-              </a:rPr>
-              <a:t>3</a:t>
-            </a:r>
-            <a:r>
-              <a:rPr lang="ko-KR" altLang="en-US" sz="1100" dirty="0">
-                <a:latin typeface="a고딕12" panose="02020600000000000000" pitchFamily="18" charset="-127"/>
-                <a:ea typeface="a고딕12" panose="02020600000000000000" pitchFamily="18" charset="-127"/>
-              </a:rPr>
-              <a:t>월 </a:t>
-            </a:r>
-            <a:r>
-              <a:rPr lang="en-US" altLang="ko-KR" sz="1100" dirty="0">
-                <a:latin typeface="a고딕12" panose="02020600000000000000" pitchFamily="18" charset="-127"/>
-                <a:ea typeface="a고딕12" panose="02020600000000000000" pitchFamily="18" charset="-127"/>
-              </a:rPr>
-              <a:t>22</a:t>
-            </a:r>
-            <a:r>
-              <a:rPr lang="ko-KR" altLang="en-US" sz="1100" dirty="0">
-                <a:latin typeface="a고딕12" panose="02020600000000000000" pitchFamily="18" charset="-127"/>
-                <a:ea typeface="a고딕12" panose="02020600000000000000" pitchFamily="18" charset="-127"/>
-              </a:rPr>
-              <a:t>일 </a:t>
-            </a:r>
-            <a:r>
-              <a:rPr lang="en-US" altLang="ko-KR" sz="1100" dirty="0">
-                <a:latin typeface="a고딕12" panose="02020600000000000000" pitchFamily="18" charset="-127"/>
-                <a:ea typeface="a고딕12" panose="02020600000000000000" pitchFamily="18" charset="-127"/>
-              </a:rPr>
-              <a:t>(</a:t>
-            </a:r>
-            <a:r>
-              <a:rPr lang="ko-KR" altLang="en-US" sz="1100" dirty="0">
-                <a:latin typeface="a고딕12" panose="02020600000000000000" pitchFamily="18" charset="-127"/>
-                <a:ea typeface="a고딕12" panose="02020600000000000000" pitchFamily="18" charset="-127"/>
-              </a:rPr>
-              <a:t>금</a:t>
-            </a:r>
-            <a:r>
-              <a:rPr lang="en-US" altLang="ko-KR" sz="1100" dirty="0">
-                <a:latin typeface="a고딕12" panose="02020600000000000000" pitchFamily="18" charset="-127"/>
-                <a:ea typeface="a고딕12" panose="02020600000000000000" pitchFamily="18" charset="-127"/>
-              </a:rPr>
-              <a:t>)</a:t>
-            </a:r>
-            <a:endParaRPr lang="ko-KR" altLang="en-US" dirty="0"/>
-          </a:p>
-        </p:txBody>
-      </p:sp>
-      <p:pic>
-        <p:nvPicPr>
-          <p:cNvPr id="30" name="그림 29">
-            <a:extLst>
-              <a:ext uri="{FF2B5EF4-FFF2-40B4-BE49-F238E27FC236}">
-                <a16:creationId xmlns:a16="http://schemas.microsoft.com/office/drawing/2014/main" id="{F8A11DA8-A56A-4431-ABF6-E11ACD2A2506}"/>
-              </a:ext>
-            </a:extLst>
-          </p:cNvPr>
-          <p:cNvPicPr>
-            <a:picLocks noChangeAspect="1"/>
-          </p:cNvPicPr>
-          <p:nvPr/>
-        </p:nvPicPr>
-        <p:blipFill>
-          <a:blip r:embed="rId9">
-            <a:duotone>
-              <a:schemeClr val="accent2">
-                <a:shade val="45000"/>
-                <a:satMod val="135000"/>
-              </a:schemeClr>
-              <a:prstClr val="white"/>
-            </a:duotone>
-            <a:extLst>
-              <a:ext uri="{28A0092B-C50C-407E-A947-70E740481C1C}">
-                <a14:useLocalDpi xmlns:a14="http://schemas.microsoft.com/office/drawing/2010/main" val="0"/>
-              </a:ext>
-            </a:extLst>
-          </a:blip>
-          <a:stretch>
-            <a:fillRect/>
-          </a:stretch>
-        </p:blipFill>
-        <p:spPr>
-          <a:xfrm>
-            <a:off x="7191372" y="2957568"/>
-            <a:ext cx="341857" cy="341857"/>
-          </a:xfrm>
-          <a:prstGeom prst="rect">
-            <a:avLst/>
-          </a:prstGeom>
-        </p:spPr>
-      </p:pic>
-      <p:sp>
-        <p:nvSpPr>
-          <p:cNvPr id="43" name="사각형: 둥근 모서리 42">
-            <a:extLst>
-              <a:ext uri="{FF2B5EF4-FFF2-40B4-BE49-F238E27FC236}">
-                <a16:creationId xmlns:a16="http://schemas.microsoft.com/office/drawing/2014/main" id="{88539E2D-7508-4C3F-A7CC-4D5C7CFBEF15}"/>
-              </a:ext>
-            </a:extLst>
-          </p:cNvPr>
-          <p:cNvSpPr/>
-          <p:nvPr/>
-        </p:nvSpPr>
-        <p:spPr>
-          <a:xfrm>
-            <a:off x="2496660" y="406401"/>
-            <a:ext cx="1862882" cy="6410329"/>
+            <a:off x="7808612" y="406401"/>
+            <a:ext cx="3193310" cy="6410330"/>
           </a:xfrm>
           <a:prstGeom prst="roundRect">
             <a:avLst>
@@ -31439,10 +32021,10 @@
       </p:sp>
       <p:sp>
         <p:nvSpPr>
-          <p:cNvPr id="42" name="사각형: 둥근 모서리 41">
-            <a:extLst>
-              <a:ext uri="{FF2B5EF4-FFF2-40B4-BE49-F238E27FC236}">
-                <a16:creationId xmlns:a16="http://schemas.microsoft.com/office/drawing/2014/main" id="{57F93A8A-1C84-4C88-A901-35446B82019C}"/>
+          <p:cNvPr id="44" name="사각형: 둥근 모서리 43">
+            <a:extLst>
+              <a:ext uri="{FF2B5EF4-FFF2-40B4-BE49-F238E27FC236}">
+                <a16:creationId xmlns:a16="http://schemas.microsoft.com/office/drawing/2014/main" id="{4E6D752D-0246-43B6-A82E-C258BE6EE18F}"/>
               </a:ext>
             </a:extLst>
           </p:cNvPr>
@@ -31451,8 +32033,8 @@
         </p:nvSpPr>
         <p:spPr>
           <a:xfrm>
-            <a:off x="7808612" y="406401"/>
-            <a:ext cx="3193310" cy="6410330"/>
+            <a:off x="4225020" y="6230282"/>
+            <a:ext cx="4042679" cy="446608"/>
           </a:xfrm>
           <a:prstGeom prst="roundRect">
             <a:avLst>
@@ -31495,56 +32077,64 @@
       </p:sp>
       <p:sp>
         <p:nvSpPr>
-          <p:cNvPr id="32" name="TextBox 31">
-            <a:extLst>
-              <a:ext uri="{FF2B5EF4-FFF2-40B4-BE49-F238E27FC236}">
-                <a16:creationId xmlns:a16="http://schemas.microsoft.com/office/drawing/2014/main" id="{822C217B-59D0-4D3F-BFD7-292A89C2F8FA}"/>
-              </a:ext>
-            </a:extLst>
-          </p:cNvPr>
-          <p:cNvSpPr txBox="1"/>
-          <p:nvPr/>
-        </p:nvSpPr>
-        <p:spPr>
-          <a:xfrm>
-            <a:off x="5724481" y="660242"/>
-            <a:ext cx="721859" cy="307777"/>
-          </a:xfrm>
-          <a:prstGeom prst="rect">
-            <a:avLst/>
-          </a:prstGeom>
-          <a:noFill/>
-        </p:spPr>
-        <p:txBody>
-          <a:bodyPr wrap="square" rtlCol="0">
-            <a:spAutoFit/>
-          </a:bodyPr>
-          <a:lstStyle/>
-          <a:p>
-            <a:r>
-              <a:rPr lang="en-US" altLang="ko-KR" sz="1400" dirty="0">
-                <a:solidFill>
-                  <a:schemeClr val="bg1"/>
-                </a:solidFill>
-                <a:latin typeface="a고딕13" panose="02020600000000000000" pitchFamily="18" charset="-127"/>
-                <a:ea typeface="a고딕13" panose="02020600000000000000" pitchFamily="18" charset="-127"/>
-              </a:rPr>
-              <a:t>Alarm</a:t>
-            </a:r>
-            <a:endParaRPr lang="ko-KR" altLang="en-US" sz="1400" dirty="0">
-              <a:solidFill>
-                <a:schemeClr val="bg1"/>
-              </a:solidFill>
-              <a:latin typeface="a고딕13" panose="02020600000000000000" pitchFamily="18" charset="-127"/>
-              <a:ea typeface="a고딕13" panose="02020600000000000000" pitchFamily="18" charset="-127"/>
-            </a:endParaRPr>
+          <p:cNvPr id="43" name="사각형: 둥근 모서리 42">
+            <a:extLst>
+              <a:ext uri="{FF2B5EF4-FFF2-40B4-BE49-F238E27FC236}">
+                <a16:creationId xmlns:a16="http://schemas.microsoft.com/office/drawing/2014/main" id="{88539E2D-7508-4C3F-A7CC-4D5C7CFBEF15}"/>
+              </a:ext>
+            </a:extLst>
+          </p:cNvPr>
+          <p:cNvSpPr/>
+          <p:nvPr/>
+        </p:nvSpPr>
+        <p:spPr>
+          <a:xfrm>
+            <a:off x="2673886" y="406401"/>
+            <a:ext cx="1685655" cy="6410329"/>
+          </a:xfrm>
+          <a:prstGeom prst="roundRect">
+            <a:avLst>
+              <a:gd name="adj" fmla="val 3788"/>
+            </a:avLst>
+          </a:prstGeom>
+          <a:solidFill>
+            <a:schemeClr val="bg1"/>
+          </a:solidFill>
+          <a:ln>
+            <a:solidFill>
+              <a:schemeClr val="bg1"/>
+            </a:solidFill>
+          </a:ln>
+        </p:spPr>
+        <p:style>
+          <a:lnRef idx="2">
+            <a:schemeClr val="accent1">
+              <a:shade val="50000"/>
+            </a:schemeClr>
+          </a:lnRef>
+          <a:fillRef idx="1">
+            <a:schemeClr val="accent1"/>
+          </a:fillRef>
+          <a:effectRef idx="0">
+            <a:schemeClr val="accent1"/>
+          </a:effectRef>
+          <a:fontRef idx="minor">
+            <a:schemeClr val="lt1"/>
+          </a:fontRef>
+        </p:style>
+        <p:txBody>
+          <a:bodyPr rtlCol="0" anchor="ctr"/>
+          <a:lstStyle/>
+          <a:p>
+            <a:pPr algn="ctr"/>
+            <a:endParaRPr lang="ko-KR" altLang="en-US" dirty="0"/>
           </a:p>
         </p:txBody>
       </p:sp>
     </p:spTree>
     <p:extLst>
       <p:ext uri="{BB962C8B-B14F-4D97-AF65-F5344CB8AC3E}">
-        <p14:creationId xmlns:p14="http://schemas.microsoft.com/office/powerpoint/2010/main" val="3984480126"/>
+        <p14:creationId xmlns:p14="http://schemas.microsoft.com/office/powerpoint/2010/main" val="1580603118"/>
       </p:ext>
     </p:extLst>
   </p:cSld>
@@ -32138,54 +32728,6 @@
           </a:p>
         </p:txBody>
       </p:sp>
-      <p:sp>
-        <p:nvSpPr>
-          <p:cNvPr id="155" name="TextBox 154">
-            <a:extLst>
-              <a:ext uri="{FF2B5EF4-FFF2-40B4-BE49-F238E27FC236}">
-                <a16:creationId xmlns:a16="http://schemas.microsoft.com/office/drawing/2014/main" id="{E99F07E8-502F-4CF8-AE07-835C65C1CD87}"/>
-              </a:ext>
-            </a:extLst>
-          </p:cNvPr>
-          <p:cNvSpPr txBox="1"/>
-          <p:nvPr/>
-        </p:nvSpPr>
-        <p:spPr>
-          <a:xfrm>
-            <a:off x="5724481" y="660242"/>
-            <a:ext cx="721859" cy="307777"/>
-          </a:xfrm>
-          <a:prstGeom prst="rect">
-            <a:avLst/>
-          </a:prstGeom>
-          <a:noFill/>
-        </p:spPr>
-        <p:txBody>
-          <a:bodyPr wrap="square" rtlCol="0">
-            <a:spAutoFit/>
-          </a:bodyPr>
-          <a:lstStyle/>
-          <a:p>
-            <a:r>
-              <a:rPr lang="en-US" altLang="ko-KR" sz="1400" dirty="0">
-                <a:solidFill>
-                  <a:schemeClr val="bg1"/>
-                </a:solidFill>
-                <a:latin typeface="a고딕13" panose="02020600000000000000" pitchFamily="18" charset="-127"/>
-                <a:ea typeface="a고딕13" panose="02020600000000000000" pitchFamily="18" charset="-127"/>
-              </a:rPr>
-              <a:t>Alarm</a:t>
-            </a:r>
-            <a:endParaRPr lang="ko-KR" altLang="en-US" sz="1400" dirty="0">
-              <a:solidFill>
-                <a:schemeClr val="bg1"/>
-              </a:solidFill>
-              <a:latin typeface="a고딕13" panose="02020600000000000000" pitchFamily="18" charset="-127"/>
-              <a:ea typeface="a고딕13" panose="02020600000000000000" pitchFamily="18" charset="-127"/>
-            </a:endParaRPr>
-          </a:p>
-        </p:txBody>
-      </p:sp>
       <p:pic>
         <p:nvPicPr>
           <p:cNvPr id="17" name="그림 16">
@@ -33667,2250 +34209,6 @@
       </p:sp>
       <p:sp>
         <p:nvSpPr>
-          <p:cNvPr id="42" name="사각형: 둥근 모서리 41">
-            <a:extLst>
-              <a:ext uri="{FF2B5EF4-FFF2-40B4-BE49-F238E27FC236}">
-                <a16:creationId xmlns:a16="http://schemas.microsoft.com/office/drawing/2014/main" id="{57F93A8A-1C84-4C88-A901-35446B82019C}"/>
-              </a:ext>
-            </a:extLst>
-          </p:cNvPr>
-          <p:cNvSpPr/>
-          <p:nvPr/>
-        </p:nvSpPr>
-        <p:spPr>
-          <a:xfrm>
-            <a:off x="7808612" y="406401"/>
-            <a:ext cx="3193310" cy="6410330"/>
-          </a:xfrm>
-          <a:prstGeom prst="roundRect">
-            <a:avLst>
-              <a:gd name="adj" fmla="val 3788"/>
-            </a:avLst>
-          </a:prstGeom>
-          <a:solidFill>
-            <a:schemeClr val="bg1"/>
-          </a:solidFill>
-          <a:ln>
-            <a:solidFill>
-              <a:schemeClr val="bg1"/>
-            </a:solidFill>
-          </a:ln>
-        </p:spPr>
-        <p:style>
-          <a:lnRef idx="2">
-            <a:schemeClr val="accent1">
-              <a:shade val="50000"/>
-            </a:schemeClr>
-          </a:lnRef>
-          <a:fillRef idx="1">
-            <a:schemeClr val="accent1"/>
-          </a:fillRef>
-          <a:effectRef idx="0">
-            <a:schemeClr val="accent1"/>
-          </a:effectRef>
-          <a:fontRef idx="minor">
-            <a:schemeClr val="lt1"/>
-          </a:fontRef>
-        </p:style>
-        <p:txBody>
-          <a:bodyPr rtlCol="0" anchor="ctr"/>
-          <a:lstStyle/>
-          <a:p>
-            <a:pPr algn="ctr"/>
-            <a:endParaRPr lang="ko-KR" altLang="en-US" dirty="0"/>
-          </a:p>
-        </p:txBody>
-      </p:sp>
-      <p:sp>
-        <p:nvSpPr>
-          <p:cNvPr id="44" name="사각형: 둥근 모서리 43">
-            <a:extLst>
-              <a:ext uri="{FF2B5EF4-FFF2-40B4-BE49-F238E27FC236}">
-                <a16:creationId xmlns:a16="http://schemas.microsoft.com/office/drawing/2014/main" id="{4E6D752D-0246-43B6-A82E-C258BE6EE18F}"/>
-              </a:ext>
-            </a:extLst>
-          </p:cNvPr>
-          <p:cNvSpPr/>
-          <p:nvPr/>
-        </p:nvSpPr>
-        <p:spPr>
-          <a:xfrm>
-            <a:off x="4225020" y="6230282"/>
-            <a:ext cx="4042679" cy="446608"/>
-          </a:xfrm>
-          <a:prstGeom prst="roundRect">
-            <a:avLst>
-              <a:gd name="adj" fmla="val 3788"/>
-            </a:avLst>
-          </a:prstGeom>
-          <a:solidFill>
-            <a:schemeClr val="bg1"/>
-          </a:solidFill>
-          <a:ln>
-            <a:solidFill>
-              <a:schemeClr val="bg1"/>
-            </a:solidFill>
-          </a:ln>
-        </p:spPr>
-        <p:style>
-          <a:lnRef idx="2">
-            <a:schemeClr val="accent1">
-              <a:shade val="50000"/>
-            </a:schemeClr>
-          </a:lnRef>
-          <a:fillRef idx="1">
-            <a:schemeClr val="accent1"/>
-          </a:fillRef>
-          <a:effectRef idx="0">
-            <a:schemeClr val="accent1"/>
-          </a:effectRef>
-          <a:fontRef idx="minor">
-            <a:schemeClr val="lt1"/>
-          </a:fontRef>
-        </p:style>
-        <p:txBody>
-          <a:bodyPr rtlCol="0" anchor="ctr"/>
-          <a:lstStyle/>
-          <a:p>
-            <a:pPr algn="ctr"/>
-            <a:endParaRPr lang="ko-KR" altLang="en-US" dirty="0"/>
-          </a:p>
-        </p:txBody>
-      </p:sp>
-      <p:sp>
-        <p:nvSpPr>
-          <p:cNvPr id="43" name="사각형: 둥근 모서리 42">
-            <a:extLst>
-              <a:ext uri="{FF2B5EF4-FFF2-40B4-BE49-F238E27FC236}">
-                <a16:creationId xmlns:a16="http://schemas.microsoft.com/office/drawing/2014/main" id="{88539E2D-7508-4C3F-A7CC-4D5C7CFBEF15}"/>
-              </a:ext>
-            </a:extLst>
-          </p:cNvPr>
-          <p:cNvSpPr/>
-          <p:nvPr/>
-        </p:nvSpPr>
-        <p:spPr>
-          <a:xfrm>
-            <a:off x="2673886" y="406401"/>
-            <a:ext cx="1685655" cy="6410329"/>
-          </a:xfrm>
-          <a:prstGeom prst="roundRect">
-            <a:avLst>
-              <a:gd name="adj" fmla="val 3788"/>
-            </a:avLst>
-          </a:prstGeom>
-          <a:solidFill>
-            <a:schemeClr val="bg1"/>
-          </a:solidFill>
-          <a:ln>
-            <a:solidFill>
-              <a:schemeClr val="bg1"/>
-            </a:solidFill>
-          </a:ln>
-        </p:spPr>
-        <p:style>
-          <a:lnRef idx="2">
-            <a:schemeClr val="accent1">
-              <a:shade val="50000"/>
-            </a:schemeClr>
-          </a:lnRef>
-          <a:fillRef idx="1">
-            <a:schemeClr val="accent1"/>
-          </a:fillRef>
-          <a:effectRef idx="0">
-            <a:schemeClr val="accent1"/>
-          </a:effectRef>
-          <a:fontRef idx="minor">
-            <a:schemeClr val="lt1"/>
-          </a:fontRef>
-        </p:style>
-        <p:txBody>
-          <a:bodyPr rtlCol="0" anchor="ctr"/>
-          <a:lstStyle/>
-          <a:p>
-            <a:pPr algn="ctr"/>
-            <a:endParaRPr lang="ko-KR" altLang="en-US" dirty="0"/>
-          </a:p>
-        </p:txBody>
-      </p:sp>
-    </p:spTree>
-    <p:extLst>
-      <p:ext uri="{BB962C8B-B14F-4D97-AF65-F5344CB8AC3E}">
-        <p14:creationId xmlns:p14="http://schemas.microsoft.com/office/powerpoint/2010/main" val="1580603118"/>
-      </p:ext>
-    </p:extLst>
-  </p:cSld>
-  <p:clrMapOvr>
-    <a:masterClrMapping/>
-  </p:clrMapOvr>
-</p:sld>
-</file>
-
-<file path=ppt/slides/slide26.xml><?xml version="1.0" encoding="utf-8"?>
-<p:sld xmlns:a="http://schemas.openxmlformats.org/drawingml/2006/main" xmlns:r="http://schemas.openxmlformats.org/officeDocument/2006/relationships" xmlns:p="http://schemas.openxmlformats.org/presentationml/2006/main">
-  <p:cSld>
-    <p:spTree>
-      <p:nvGrpSpPr>
-        <p:cNvPr id="1" name=""/>
-        <p:cNvGrpSpPr/>
-        <p:nvPr/>
-      </p:nvGrpSpPr>
-      <p:grpSpPr>
-        <a:xfrm>
-          <a:off x="0" y="0"/>
-          <a:ext cx="0" cy="0"/>
-          <a:chOff x="0" y="0"/>
-          <a:chExt cx="0" cy="0"/>
-        </a:xfrm>
-      </p:grpSpPr>
-      <p:sp>
-        <p:nvSpPr>
-          <p:cNvPr id="5" name="직사각형 4">
-            <a:extLst>
-              <a:ext uri="{FF2B5EF4-FFF2-40B4-BE49-F238E27FC236}">
-                <a16:creationId xmlns:a16="http://schemas.microsoft.com/office/drawing/2014/main" id="{B6E2069A-3E1F-40B7-963D-DFC2584A737B}"/>
-              </a:ext>
-            </a:extLst>
-          </p:cNvPr>
-          <p:cNvSpPr/>
-          <p:nvPr/>
-        </p:nvSpPr>
-        <p:spPr>
-          <a:xfrm>
-            <a:off x="4372303" y="612227"/>
-            <a:ext cx="3447393" cy="5633545"/>
-          </a:xfrm>
-          <a:prstGeom prst="rect">
-            <a:avLst/>
-          </a:prstGeom>
-          <a:solidFill>
-            <a:srgbClr val="F8F8F8"/>
-          </a:solidFill>
-          <a:ln>
-            <a:noFill/>
-          </a:ln>
-        </p:spPr>
-        <p:style>
-          <a:lnRef idx="2">
-            <a:schemeClr val="accent1">
-              <a:shade val="50000"/>
-            </a:schemeClr>
-          </a:lnRef>
-          <a:fillRef idx="1">
-            <a:schemeClr val="accent1"/>
-          </a:fillRef>
-          <a:effectRef idx="0">
-            <a:schemeClr val="accent1"/>
-          </a:effectRef>
-          <a:fontRef idx="minor">
-            <a:schemeClr val="lt1"/>
-          </a:fontRef>
-        </p:style>
-        <p:txBody>
-          <a:bodyPr rtlCol="0" anchor="ctr"/>
-          <a:lstStyle/>
-          <a:p>
-            <a:pPr algn="ctr"/>
-            <a:endParaRPr lang="ko-KR" altLang="en-US"/>
-          </a:p>
-        </p:txBody>
-      </p:sp>
-      <p:pic>
-        <p:nvPicPr>
-          <p:cNvPr id="4" name="그림 3">
-            <a:extLst>
-              <a:ext uri="{FF2B5EF4-FFF2-40B4-BE49-F238E27FC236}">
-                <a16:creationId xmlns:a16="http://schemas.microsoft.com/office/drawing/2014/main" id="{BCCFC60D-685B-4310-BDA1-50520D74E3C5}"/>
-              </a:ext>
-            </a:extLst>
-          </p:cNvPr>
-          <p:cNvPicPr>
-            <a:picLocks noChangeAspect="1"/>
-          </p:cNvPicPr>
-          <p:nvPr/>
-        </p:nvPicPr>
-        <p:blipFill rotWithShape="1">
-          <a:blip r:embed="rId2">
-            <a:extLst>
-              <a:ext uri="{28A0092B-C50C-407E-A947-70E740481C1C}">
-                <a14:useLocalDpi xmlns:a14="http://schemas.microsoft.com/office/drawing/2010/main" val="0"/>
-              </a:ext>
-            </a:extLst>
-          </a:blip>
-          <a:srcRect b="48162"/>
-          <a:stretch/>
-        </p:blipFill>
-        <p:spPr>
-          <a:xfrm>
-            <a:off x="4370431" y="612227"/>
-            <a:ext cx="3433228" cy="596750"/>
-          </a:xfrm>
-          <a:prstGeom prst="rect">
-            <a:avLst/>
-          </a:prstGeom>
-        </p:spPr>
-      </p:pic>
-      <p:sp>
-        <p:nvSpPr>
-          <p:cNvPr id="36" name="사각형: 둥근 모서리 35">
-            <a:extLst>
-              <a:ext uri="{FF2B5EF4-FFF2-40B4-BE49-F238E27FC236}">
-                <a16:creationId xmlns:a16="http://schemas.microsoft.com/office/drawing/2014/main" id="{CC4BB6EE-178F-48EB-9BEE-6C0D1EFEFA66}"/>
-              </a:ext>
-            </a:extLst>
-          </p:cNvPr>
-          <p:cNvSpPr/>
-          <p:nvPr/>
-        </p:nvSpPr>
-        <p:spPr>
-          <a:xfrm>
-            <a:off x="4372303" y="1049268"/>
-            <a:ext cx="3431356" cy="5248488"/>
-          </a:xfrm>
-          <a:prstGeom prst="roundRect">
-            <a:avLst>
-              <a:gd name="adj" fmla="val 3788"/>
-            </a:avLst>
-          </a:prstGeom>
-          <a:solidFill>
-            <a:schemeClr val="bg1"/>
-          </a:solidFill>
-          <a:ln>
-            <a:solidFill>
-              <a:schemeClr val="bg1"/>
-            </a:solidFill>
-          </a:ln>
-        </p:spPr>
-        <p:style>
-          <a:lnRef idx="2">
-            <a:schemeClr val="accent1">
-              <a:shade val="50000"/>
-            </a:schemeClr>
-          </a:lnRef>
-          <a:fillRef idx="1">
-            <a:schemeClr val="accent1"/>
-          </a:fillRef>
-          <a:effectRef idx="0">
-            <a:schemeClr val="accent1"/>
-          </a:effectRef>
-          <a:fontRef idx="minor">
-            <a:schemeClr val="lt1"/>
-          </a:fontRef>
-        </p:style>
-        <p:txBody>
-          <a:bodyPr rtlCol="0" anchor="ctr"/>
-          <a:lstStyle/>
-          <a:p>
-            <a:pPr algn="ctr"/>
-            <a:endParaRPr lang="ko-KR" altLang="en-US" dirty="0"/>
-          </a:p>
-        </p:txBody>
-      </p:sp>
-      <p:sp>
-        <p:nvSpPr>
-          <p:cNvPr id="74" name="직사각형 73">
-            <a:extLst>
-              <a:ext uri="{FF2B5EF4-FFF2-40B4-BE49-F238E27FC236}">
-                <a16:creationId xmlns:a16="http://schemas.microsoft.com/office/drawing/2014/main" id="{AEF97452-6DBB-4133-B8D2-79B90908B217}"/>
-              </a:ext>
-            </a:extLst>
-          </p:cNvPr>
-          <p:cNvSpPr/>
-          <p:nvPr/>
-        </p:nvSpPr>
-        <p:spPr>
-          <a:xfrm>
-            <a:off x="4365453" y="5842709"/>
-            <a:ext cx="3447393" cy="382081"/>
-          </a:xfrm>
-          <a:prstGeom prst="rect">
-            <a:avLst/>
-          </a:prstGeom>
-          <a:solidFill>
-            <a:srgbClr val="F8F8F8"/>
-          </a:solidFill>
-          <a:ln>
-            <a:noFill/>
-          </a:ln>
-        </p:spPr>
-        <p:style>
-          <a:lnRef idx="2">
-            <a:schemeClr val="accent1">
-              <a:shade val="50000"/>
-            </a:schemeClr>
-          </a:lnRef>
-          <a:fillRef idx="1">
-            <a:schemeClr val="accent1"/>
-          </a:fillRef>
-          <a:effectRef idx="0">
-            <a:schemeClr val="accent1"/>
-          </a:effectRef>
-          <a:fontRef idx="minor">
-            <a:schemeClr val="lt1"/>
-          </a:fontRef>
-        </p:style>
-        <p:txBody>
-          <a:bodyPr rtlCol="0" anchor="ctr"/>
-          <a:lstStyle/>
-          <a:p>
-            <a:pPr algn="ctr"/>
-            <a:endParaRPr lang="ko-KR" altLang="en-US"/>
-          </a:p>
-        </p:txBody>
-      </p:sp>
-      <p:pic>
-        <p:nvPicPr>
-          <p:cNvPr id="78" name="그림 77">
-            <a:extLst>
-              <a:ext uri="{FF2B5EF4-FFF2-40B4-BE49-F238E27FC236}">
-                <a16:creationId xmlns:a16="http://schemas.microsoft.com/office/drawing/2014/main" id="{0AA96714-E0A9-4B00-BD88-4144422BABA5}"/>
-              </a:ext>
-            </a:extLst>
-          </p:cNvPr>
-          <p:cNvPicPr>
-            <a:picLocks noChangeAspect="1"/>
-          </p:cNvPicPr>
-          <p:nvPr/>
-        </p:nvPicPr>
-        <p:blipFill>
-          <a:blip r:embed="rId3">
-            <a:extLst>
-              <a:ext uri="{28A0092B-C50C-407E-A947-70E740481C1C}">
-                <a14:useLocalDpi xmlns:a14="http://schemas.microsoft.com/office/drawing/2010/main" val="0"/>
-              </a:ext>
-            </a:extLst>
-          </a:blip>
-          <a:stretch>
-            <a:fillRect/>
-          </a:stretch>
-        </p:blipFill>
-        <p:spPr>
-          <a:xfrm>
-            <a:off x="6653712" y="5932458"/>
-            <a:ext cx="242576" cy="242576"/>
-          </a:xfrm>
-          <a:prstGeom prst="rect">
-            <a:avLst/>
-          </a:prstGeom>
-        </p:spPr>
-      </p:pic>
-      <p:pic>
-        <p:nvPicPr>
-          <p:cNvPr id="79" name="그림 78">
-            <a:extLst>
-              <a:ext uri="{FF2B5EF4-FFF2-40B4-BE49-F238E27FC236}">
-                <a16:creationId xmlns:a16="http://schemas.microsoft.com/office/drawing/2014/main" id="{D7401ED7-41DD-477B-A9DE-F01BD168978C}"/>
-              </a:ext>
-            </a:extLst>
-          </p:cNvPr>
-          <p:cNvPicPr>
-            <a:picLocks noChangeAspect="1"/>
-          </p:cNvPicPr>
-          <p:nvPr/>
-        </p:nvPicPr>
-        <p:blipFill>
-          <a:blip r:embed="rId4">
-            <a:extLst>
-              <a:ext uri="{28A0092B-C50C-407E-A947-70E740481C1C}">
-                <a14:useLocalDpi xmlns:a14="http://schemas.microsoft.com/office/drawing/2010/main" val="0"/>
-              </a:ext>
-            </a:extLst>
-          </a:blip>
-          <a:stretch>
-            <a:fillRect/>
-          </a:stretch>
-        </p:blipFill>
-        <p:spPr>
-          <a:xfrm>
-            <a:off x="5931465" y="5926950"/>
-            <a:ext cx="242576" cy="242576"/>
-          </a:xfrm>
-          <a:prstGeom prst="rect">
-            <a:avLst/>
-          </a:prstGeom>
-        </p:spPr>
-      </p:pic>
-      <p:pic>
-        <p:nvPicPr>
-          <p:cNvPr id="81" name="그림 80">
-            <a:extLst>
-              <a:ext uri="{FF2B5EF4-FFF2-40B4-BE49-F238E27FC236}">
-                <a16:creationId xmlns:a16="http://schemas.microsoft.com/office/drawing/2014/main" id="{D1DBFE35-93F4-4BDE-ACE0-763B04003754}"/>
-              </a:ext>
-            </a:extLst>
-          </p:cNvPr>
-          <p:cNvPicPr>
-            <a:picLocks noChangeAspect="1"/>
-          </p:cNvPicPr>
-          <p:nvPr/>
-        </p:nvPicPr>
-        <p:blipFill>
-          <a:blip r:embed="rId5">
-            <a:extLst>
-              <a:ext uri="{28A0092B-C50C-407E-A947-70E740481C1C}">
-                <a14:useLocalDpi xmlns:a14="http://schemas.microsoft.com/office/drawing/2010/main" val="0"/>
-              </a:ext>
-            </a:extLst>
-          </a:blip>
-          <a:stretch>
-            <a:fillRect/>
-          </a:stretch>
-        </p:blipFill>
-        <p:spPr>
-          <a:xfrm>
-            <a:off x="7362301" y="5909338"/>
-            <a:ext cx="283419" cy="283419"/>
-          </a:xfrm>
-          <a:prstGeom prst="rect">
-            <a:avLst/>
-          </a:prstGeom>
-        </p:spPr>
-      </p:pic>
-      <p:pic>
-        <p:nvPicPr>
-          <p:cNvPr id="82" name="그림 81">
-            <a:extLst>
-              <a:ext uri="{FF2B5EF4-FFF2-40B4-BE49-F238E27FC236}">
-                <a16:creationId xmlns:a16="http://schemas.microsoft.com/office/drawing/2014/main" id="{0DD74B8C-BB69-49DF-B1F3-F8A12600B3D0}"/>
-              </a:ext>
-            </a:extLst>
-          </p:cNvPr>
-          <p:cNvPicPr>
-            <a:picLocks noChangeAspect="1"/>
-          </p:cNvPicPr>
-          <p:nvPr/>
-        </p:nvPicPr>
-        <p:blipFill>
-          <a:blip r:embed="rId6">
-            <a:extLst>
-              <a:ext uri="{28A0092B-C50C-407E-A947-70E740481C1C}">
-                <a14:useLocalDpi xmlns:a14="http://schemas.microsoft.com/office/drawing/2010/main" val="0"/>
-              </a:ext>
-            </a:extLst>
-          </a:blip>
-          <a:stretch>
-            <a:fillRect/>
-          </a:stretch>
-        </p:blipFill>
-        <p:spPr>
-          <a:xfrm>
-            <a:off x="5197361" y="5932458"/>
-            <a:ext cx="242239" cy="242239"/>
-          </a:xfrm>
-          <a:prstGeom prst="rect">
-            <a:avLst/>
-          </a:prstGeom>
-        </p:spPr>
-      </p:pic>
-      <p:sp>
-        <p:nvSpPr>
-          <p:cNvPr id="95" name="직사각형 94">
-            <a:extLst>
-              <a:ext uri="{FF2B5EF4-FFF2-40B4-BE49-F238E27FC236}">
-                <a16:creationId xmlns:a16="http://schemas.microsoft.com/office/drawing/2014/main" id="{D9CC4789-49E5-41C3-AF5B-21BE8B0C5C65}"/>
-              </a:ext>
-            </a:extLst>
-          </p:cNvPr>
-          <p:cNvSpPr/>
-          <p:nvPr/>
-        </p:nvSpPr>
-        <p:spPr>
-          <a:xfrm>
-            <a:off x="4225020" y="1039376"/>
-            <a:ext cx="3672834" cy="539875"/>
-          </a:xfrm>
-          <a:prstGeom prst="rect">
-            <a:avLst/>
-          </a:prstGeom>
-          <a:solidFill>
-            <a:schemeClr val="bg1"/>
-          </a:solidFill>
-          <a:ln>
-            <a:solidFill>
-              <a:schemeClr val="bg2">
-                <a:lumMod val="90000"/>
-              </a:schemeClr>
-            </a:solidFill>
-          </a:ln>
-        </p:spPr>
-        <p:style>
-          <a:lnRef idx="2">
-            <a:schemeClr val="accent1">
-              <a:shade val="50000"/>
-            </a:schemeClr>
-          </a:lnRef>
-          <a:fillRef idx="1">
-            <a:schemeClr val="accent1"/>
-          </a:fillRef>
-          <a:effectRef idx="0">
-            <a:schemeClr val="accent1"/>
-          </a:effectRef>
-          <a:fontRef idx="minor">
-            <a:schemeClr val="lt1"/>
-          </a:fontRef>
-        </p:style>
-        <p:txBody>
-          <a:bodyPr rtlCol="0" anchor="ctr"/>
-          <a:lstStyle/>
-          <a:p>
-            <a:pPr algn="ctr"/>
-            <a:endParaRPr lang="ko-KR" altLang="en-US" dirty="0"/>
-          </a:p>
-        </p:txBody>
-      </p:sp>
-      <p:sp>
-        <p:nvSpPr>
-          <p:cNvPr id="96" name="직사각형 95">
-            <a:extLst>
-              <a:ext uri="{FF2B5EF4-FFF2-40B4-BE49-F238E27FC236}">
-                <a16:creationId xmlns:a16="http://schemas.microsoft.com/office/drawing/2014/main" id="{A86AC7D0-3764-4311-8977-0B61E00C337E}"/>
-              </a:ext>
-            </a:extLst>
-          </p:cNvPr>
-          <p:cNvSpPr/>
-          <p:nvPr/>
-        </p:nvSpPr>
-        <p:spPr>
-          <a:xfrm>
-            <a:off x="4225020" y="1561187"/>
-            <a:ext cx="3672834" cy="1867813"/>
-          </a:xfrm>
-          <a:prstGeom prst="rect">
-            <a:avLst/>
-          </a:prstGeom>
-          <a:solidFill>
-            <a:schemeClr val="bg1"/>
-          </a:solidFill>
-          <a:ln>
-            <a:solidFill>
-              <a:schemeClr val="bg2">
-                <a:lumMod val="90000"/>
-              </a:schemeClr>
-            </a:solidFill>
-          </a:ln>
-        </p:spPr>
-        <p:style>
-          <a:lnRef idx="2">
-            <a:schemeClr val="accent1">
-              <a:shade val="50000"/>
-            </a:schemeClr>
-          </a:lnRef>
-          <a:fillRef idx="1">
-            <a:schemeClr val="accent1"/>
-          </a:fillRef>
-          <a:effectRef idx="0">
-            <a:schemeClr val="accent1"/>
-          </a:effectRef>
-          <a:fontRef idx="minor">
-            <a:schemeClr val="lt1"/>
-          </a:fontRef>
-        </p:style>
-        <p:txBody>
-          <a:bodyPr rtlCol="0" anchor="ctr"/>
-          <a:lstStyle/>
-          <a:p>
-            <a:pPr algn="ctr"/>
-            <a:endParaRPr lang="ko-KR" altLang="en-US"/>
-          </a:p>
-        </p:txBody>
-      </p:sp>
-      <p:sp>
-        <p:nvSpPr>
-          <p:cNvPr id="106" name="직사각형 105">
-            <a:extLst>
-              <a:ext uri="{FF2B5EF4-FFF2-40B4-BE49-F238E27FC236}">
-                <a16:creationId xmlns:a16="http://schemas.microsoft.com/office/drawing/2014/main" id="{C0AEDC37-D24E-4678-9EFE-6D3A8900A44A}"/>
-              </a:ext>
-            </a:extLst>
-          </p:cNvPr>
-          <p:cNvSpPr/>
-          <p:nvPr/>
-        </p:nvSpPr>
-        <p:spPr>
-          <a:xfrm>
-            <a:off x="4225020" y="3426192"/>
-            <a:ext cx="3672834" cy="2804090"/>
-          </a:xfrm>
-          <a:prstGeom prst="rect">
-            <a:avLst/>
-          </a:prstGeom>
-          <a:solidFill>
-            <a:schemeClr val="bg1"/>
-          </a:solidFill>
-          <a:ln>
-            <a:solidFill>
-              <a:schemeClr val="bg2">
-                <a:lumMod val="90000"/>
-              </a:schemeClr>
-            </a:solidFill>
-          </a:ln>
-        </p:spPr>
-        <p:style>
-          <a:lnRef idx="2">
-            <a:schemeClr val="accent1">
-              <a:shade val="50000"/>
-            </a:schemeClr>
-          </a:lnRef>
-          <a:fillRef idx="1">
-            <a:schemeClr val="accent1"/>
-          </a:fillRef>
-          <a:effectRef idx="0">
-            <a:schemeClr val="accent1"/>
-          </a:effectRef>
-          <a:fontRef idx="minor">
-            <a:schemeClr val="lt1"/>
-          </a:fontRef>
-        </p:style>
-        <p:txBody>
-          <a:bodyPr rtlCol="0" anchor="ctr"/>
-          <a:lstStyle/>
-          <a:p>
-            <a:pPr algn="ctr"/>
-            <a:endParaRPr lang="ko-KR" altLang="en-US"/>
-          </a:p>
-        </p:txBody>
-      </p:sp>
-      <p:sp>
-        <p:nvSpPr>
-          <p:cNvPr id="154" name="화살표: 갈매기형 수장 153">
-            <a:extLst>
-              <a:ext uri="{FF2B5EF4-FFF2-40B4-BE49-F238E27FC236}">
-                <a16:creationId xmlns:a16="http://schemas.microsoft.com/office/drawing/2014/main" id="{A79D06A4-575E-4131-8710-C83FBCA63967}"/>
-              </a:ext>
-            </a:extLst>
-          </p:cNvPr>
-          <p:cNvSpPr/>
-          <p:nvPr/>
-        </p:nvSpPr>
-        <p:spPr>
-          <a:xfrm rot="10800000">
-            <a:off x="4521093" y="727490"/>
-            <a:ext cx="70558" cy="176497"/>
-          </a:xfrm>
-          <a:prstGeom prst="chevron">
-            <a:avLst>
-              <a:gd name="adj" fmla="val 93836"/>
-            </a:avLst>
-          </a:prstGeom>
-          <a:solidFill>
-            <a:schemeClr val="bg1"/>
-          </a:solidFill>
-          <a:ln>
-            <a:solidFill>
-              <a:schemeClr val="bg1"/>
-            </a:solidFill>
-          </a:ln>
-        </p:spPr>
-        <p:style>
-          <a:lnRef idx="2">
-            <a:schemeClr val="accent1">
-              <a:shade val="50000"/>
-            </a:schemeClr>
-          </a:lnRef>
-          <a:fillRef idx="1">
-            <a:schemeClr val="accent1"/>
-          </a:fillRef>
-          <a:effectRef idx="0">
-            <a:schemeClr val="accent1"/>
-          </a:effectRef>
-          <a:fontRef idx="minor">
-            <a:schemeClr val="lt1"/>
-          </a:fontRef>
-        </p:style>
-        <p:txBody>
-          <a:bodyPr rtlCol="0" anchor="ctr"/>
-          <a:lstStyle/>
-          <a:p>
-            <a:pPr algn="ctr"/>
-            <a:endParaRPr lang="ko-KR" altLang="en-US">
-              <a:solidFill>
-                <a:schemeClr val="tx1"/>
-              </a:solidFill>
-            </a:endParaRPr>
-          </a:p>
-        </p:txBody>
-      </p:sp>
-      <p:pic>
-        <p:nvPicPr>
-          <p:cNvPr id="17" name="그림 16">
-            <a:extLst>
-              <a:ext uri="{FF2B5EF4-FFF2-40B4-BE49-F238E27FC236}">
-                <a16:creationId xmlns:a16="http://schemas.microsoft.com/office/drawing/2014/main" id="{8BA1F5CD-34A0-4F91-A836-E4D940B26267}"/>
-              </a:ext>
-            </a:extLst>
-          </p:cNvPr>
-          <p:cNvPicPr>
-            <a:picLocks noChangeAspect="1"/>
-          </p:cNvPicPr>
-          <p:nvPr/>
-        </p:nvPicPr>
-        <p:blipFill>
-          <a:blip r:embed="rId7">
-            <a:extLst>
-              <a:ext uri="{28A0092B-C50C-407E-A947-70E740481C1C}">
-                <a14:useLocalDpi xmlns:a14="http://schemas.microsoft.com/office/drawing/2010/main" val="0"/>
-              </a:ext>
-            </a:extLst>
-          </a:blip>
-          <a:stretch>
-            <a:fillRect/>
-          </a:stretch>
-        </p:blipFill>
-        <p:spPr>
-          <a:xfrm>
-            <a:off x="7333155" y="676285"/>
-            <a:ext cx="325265" cy="325265"/>
-          </a:xfrm>
-          <a:prstGeom prst="rect">
-            <a:avLst/>
-          </a:prstGeom>
-        </p:spPr>
-      </p:pic>
-      <p:sp>
-        <p:nvSpPr>
-          <p:cNvPr id="156" name="TextBox 155">
-            <a:extLst>
-              <a:ext uri="{FF2B5EF4-FFF2-40B4-BE49-F238E27FC236}">
-                <a16:creationId xmlns:a16="http://schemas.microsoft.com/office/drawing/2014/main" id="{419B87C6-14D0-4690-BA26-69561E53A43E}"/>
-              </a:ext>
-            </a:extLst>
-          </p:cNvPr>
-          <p:cNvSpPr txBox="1"/>
-          <p:nvPr/>
-        </p:nvSpPr>
-        <p:spPr>
-          <a:xfrm>
-            <a:off x="4457593" y="1190659"/>
-            <a:ext cx="1099570" cy="261610"/>
-          </a:xfrm>
-          <a:prstGeom prst="rect">
-            <a:avLst/>
-          </a:prstGeom>
-          <a:noFill/>
-        </p:spPr>
-        <p:txBody>
-          <a:bodyPr wrap="square" rtlCol="0">
-            <a:spAutoFit/>
-          </a:bodyPr>
-          <a:lstStyle/>
-          <a:p>
-            <a:r>
-              <a:rPr lang="en-US" altLang="ko-KR" sz="1100" dirty="0">
-                <a:latin typeface="a고딕12" panose="02020600000000000000" pitchFamily="18" charset="-127"/>
-                <a:ea typeface="a고딕12" panose="02020600000000000000" pitchFamily="18" charset="-127"/>
-              </a:rPr>
-              <a:t>3</a:t>
-            </a:r>
-            <a:r>
-              <a:rPr lang="ko-KR" altLang="en-US" sz="1100" dirty="0">
-                <a:latin typeface="a고딕12" panose="02020600000000000000" pitchFamily="18" charset="-127"/>
-                <a:ea typeface="a고딕12" panose="02020600000000000000" pitchFamily="18" charset="-127"/>
-              </a:rPr>
-              <a:t>월 </a:t>
-            </a:r>
-            <a:r>
-              <a:rPr lang="en-US" altLang="ko-KR" sz="1100" dirty="0">
-                <a:latin typeface="a고딕12" panose="02020600000000000000" pitchFamily="18" charset="-127"/>
-                <a:ea typeface="a고딕12" panose="02020600000000000000" pitchFamily="18" charset="-127"/>
-              </a:rPr>
-              <a:t>11</a:t>
-            </a:r>
-            <a:r>
-              <a:rPr lang="ko-KR" altLang="en-US" sz="1100" dirty="0">
-                <a:latin typeface="a고딕12" panose="02020600000000000000" pitchFamily="18" charset="-127"/>
-                <a:ea typeface="a고딕12" panose="02020600000000000000" pitchFamily="18" charset="-127"/>
-              </a:rPr>
-              <a:t>일 </a:t>
-            </a:r>
-            <a:r>
-              <a:rPr lang="en-US" altLang="ko-KR" sz="1100" dirty="0">
-                <a:latin typeface="a고딕12" panose="02020600000000000000" pitchFamily="18" charset="-127"/>
-                <a:ea typeface="a고딕12" panose="02020600000000000000" pitchFamily="18" charset="-127"/>
-              </a:rPr>
-              <a:t>( </a:t>
-            </a:r>
-            <a:r>
-              <a:rPr lang="ko-KR" altLang="en-US" sz="1100" dirty="0">
-                <a:latin typeface="a고딕12" panose="02020600000000000000" pitchFamily="18" charset="-127"/>
-                <a:ea typeface="a고딕12" panose="02020600000000000000" pitchFamily="18" charset="-127"/>
-              </a:rPr>
-              <a:t>월 </a:t>
-            </a:r>
-            <a:r>
-              <a:rPr lang="en-US" altLang="ko-KR" sz="1100" dirty="0">
-                <a:latin typeface="a고딕12" panose="02020600000000000000" pitchFamily="18" charset="-127"/>
-                <a:ea typeface="a고딕12" panose="02020600000000000000" pitchFamily="18" charset="-127"/>
-              </a:rPr>
-              <a:t>)</a:t>
-            </a:r>
-            <a:endParaRPr lang="ko-KR" altLang="en-US" dirty="0"/>
-          </a:p>
-        </p:txBody>
-      </p:sp>
-      <p:pic>
-        <p:nvPicPr>
-          <p:cNvPr id="19" name="그림 18">
-            <a:extLst>
-              <a:ext uri="{FF2B5EF4-FFF2-40B4-BE49-F238E27FC236}">
-                <a16:creationId xmlns:a16="http://schemas.microsoft.com/office/drawing/2014/main" id="{80EDC96E-0109-4D50-BD80-A534F254FABA}"/>
-              </a:ext>
-            </a:extLst>
-          </p:cNvPr>
-          <p:cNvPicPr>
-            <a:picLocks noChangeAspect="1"/>
-          </p:cNvPicPr>
-          <p:nvPr/>
-        </p:nvPicPr>
-        <p:blipFill>
-          <a:blip r:embed="rId8">
-            <a:extLst>
-              <a:ext uri="{28A0092B-C50C-407E-A947-70E740481C1C}">
-                <a14:useLocalDpi xmlns:a14="http://schemas.microsoft.com/office/drawing/2010/main" val="0"/>
-              </a:ext>
-            </a:extLst>
-          </a:blip>
-          <a:stretch>
-            <a:fillRect/>
-          </a:stretch>
-        </p:blipFill>
-        <p:spPr>
-          <a:xfrm>
-            <a:off x="6725314" y="1225787"/>
-            <a:ext cx="205154" cy="205154"/>
-          </a:xfrm>
-          <a:prstGeom prst="rect">
-            <a:avLst/>
-          </a:prstGeom>
-        </p:spPr>
-      </p:pic>
-      <p:sp>
-        <p:nvSpPr>
-          <p:cNvPr id="20" name="TextBox 19">
-            <a:extLst>
-              <a:ext uri="{FF2B5EF4-FFF2-40B4-BE49-F238E27FC236}">
-                <a16:creationId xmlns:a16="http://schemas.microsoft.com/office/drawing/2014/main" id="{944EEB06-1B28-4DCF-AD36-7B76196512A9}"/>
-              </a:ext>
-            </a:extLst>
-          </p:cNvPr>
-          <p:cNvSpPr txBox="1"/>
-          <p:nvPr/>
-        </p:nvSpPr>
-        <p:spPr>
-          <a:xfrm>
-            <a:off x="6929559" y="1181177"/>
-            <a:ext cx="768159" cy="276999"/>
-          </a:xfrm>
-          <a:prstGeom prst="rect">
-            <a:avLst/>
-          </a:prstGeom>
-          <a:noFill/>
-        </p:spPr>
-        <p:txBody>
-          <a:bodyPr wrap="none" rtlCol="0">
-            <a:spAutoFit/>
-          </a:bodyPr>
-          <a:lstStyle/>
-          <a:p>
-            <a:r>
-              <a:rPr lang="ko-KR" altLang="en-US" sz="1200" dirty="0">
-                <a:solidFill>
-                  <a:srgbClr val="ED6C89"/>
-                </a:solidFill>
-                <a:latin typeface="a고딕14" panose="02020600000000000000" pitchFamily="18" charset="-127"/>
-                <a:ea typeface="a고딕14" panose="02020600000000000000" pitchFamily="18" charset="-127"/>
-              </a:rPr>
-              <a:t>날짜 선택</a:t>
-            </a:r>
-          </a:p>
-        </p:txBody>
-      </p:sp>
-      <p:sp>
-        <p:nvSpPr>
-          <p:cNvPr id="157" name="TextBox 156">
-            <a:extLst>
-              <a:ext uri="{FF2B5EF4-FFF2-40B4-BE49-F238E27FC236}">
-                <a16:creationId xmlns:a16="http://schemas.microsoft.com/office/drawing/2014/main" id="{EE411761-64F0-4698-9677-A1599058380C}"/>
-              </a:ext>
-            </a:extLst>
-          </p:cNvPr>
-          <p:cNvSpPr txBox="1"/>
-          <p:nvPr/>
-        </p:nvSpPr>
-        <p:spPr>
-          <a:xfrm>
-            <a:off x="4606530" y="1842894"/>
-            <a:ext cx="1099570" cy="369332"/>
-          </a:xfrm>
-          <a:prstGeom prst="rect">
-            <a:avLst/>
-          </a:prstGeom>
-          <a:noFill/>
-        </p:spPr>
-        <p:txBody>
-          <a:bodyPr wrap="square" rtlCol="0">
-            <a:spAutoFit/>
-          </a:bodyPr>
-          <a:lstStyle/>
-          <a:p>
-            <a:r>
-              <a:rPr lang="ko-KR" altLang="en-US" dirty="0">
-                <a:solidFill>
-                  <a:schemeClr val="bg1">
-                    <a:lumMod val="50000"/>
-                  </a:schemeClr>
-                </a:solidFill>
-                <a:latin typeface="a고딕12" panose="02020600000000000000" pitchFamily="18" charset="-127"/>
-                <a:ea typeface="a고딕12" panose="02020600000000000000" pitchFamily="18" charset="-127"/>
-              </a:rPr>
-              <a:t>오전</a:t>
-            </a:r>
-            <a:endParaRPr lang="ko-KR" altLang="en-US" dirty="0">
-              <a:solidFill>
-                <a:schemeClr val="bg1">
-                  <a:lumMod val="50000"/>
-                </a:schemeClr>
-              </a:solidFill>
-            </a:endParaRPr>
-          </a:p>
-        </p:txBody>
-      </p:sp>
-      <p:sp>
-        <p:nvSpPr>
-          <p:cNvPr id="158" name="TextBox 157">
-            <a:extLst>
-              <a:ext uri="{FF2B5EF4-FFF2-40B4-BE49-F238E27FC236}">
-                <a16:creationId xmlns:a16="http://schemas.microsoft.com/office/drawing/2014/main" id="{BE7ECC69-C887-4647-9466-B5AEFDBCCDB1}"/>
-              </a:ext>
-            </a:extLst>
-          </p:cNvPr>
-          <p:cNvSpPr txBox="1"/>
-          <p:nvPr/>
-        </p:nvSpPr>
-        <p:spPr>
-          <a:xfrm>
-            <a:off x="4606530" y="2321338"/>
-            <a:ext cx="1099570" cy="369332"/>
-          </a:xfrm>
-          <a:prstGeom prst="rect">
-            <a:avLst/>
-          </a:prstGeom>
-          <a:noFill/>
-        </p:spPr>
-        <p:txBody>
-          <a:bodyPr wrap="square" rtlCol="0">
-            <a:spAutoFit/>
-          </a:bodyPr>
-          <a:lstStyle/>
-          <a:p>
-            <a:r>
-              <a:rPr lang="ko-KR" altLang="en-US" dirty="0">
-                <a:solidFill>
-                  <a:srgbClr val="ED6C89"/>
-                </a:solidFill>
-                <a:latin typeface="a고딕12" panose="02020600000000000000" pitchFamily="18" charset="-127"/>
-                <a:ea typeface="a고딕12" panose="02020600000000000000" pitchFamily="18" charset="-127"/>
-              </a:rPr>
-              <a:t>오후</a:t>
-            </a:r>
-            <a:endParaRPr lang="ko-KR" altLang="en-US" dirty="0">
-              <a:solidFill>
-                <a:srgbClr val="ED6C89"/>
-              </a:solidFill>
-            </a:endParaRPr>
-          </a:p>
-        </p:txBody>
-      </p:sp>
-      <p:sp>
-        <p:nvSpPr>
-          <p:cNvPr id="159" name="TextBox 158">
-            <a:extLst>
-              <a:ext uri="{FF2B5EF4-FFF2-40B4-BE49-F238E27FC236}">
-                <a16:creationId xmlns:a16="http://schemas.microsoft.com/office/drawing/2014/main" id="{B77763CF-5D6B-4461-B3F1-BA548D12BE11}"/>
-              </a:ext>
-            </a:extLst>
-          </p:cNvPr>
-          <p:cNvSpPr txBox="1"/>
-          <p:nvPr/>
-        </p:nvSpPr>
-        <p:spPr>
-          <a:xfrm>
-            <a:off x="5748708" y="1384820"/>
-            <a:ext cx="1099570" cy="2535822"/>
-          </a:xfrm>
-          <a:prstGeom prst="rect">
-            <a:avLst/>
-          </a:prstGeom>
-          <a:noFill/>
-        </p:spPr>
-        <p:txBody>
-          <a:bodyPr wrap="square" rtlCol="0">
-            <a:spAutoFit/>
-          </a:bodyPr>
-          <a:lstStyle/>
-          <a:p>
-            <a:pPr>
-              <a:lnSpc>
-                <a:spcPct val="150000"/>
-              </a:lnSpc>
-            </a:pPr>
-            <a:r>
-              <a:rPr lang="en-US" altLang="ko-KR" dirty="0">
-                <a:solidFill>
-                  <a:schemeClr val="bg2">
-                    <a:lumMod val="50000"/>
-                  </a:schemeClr>
-                </a:solidFill>
-                <a:latin typeface="a고딕12" panose="02020600000000000000" pitchFamily="18" charset="-127"/>
-                <a:ea typeface="a고딕12" panose="02020600000000000000" pitchFamily="18" charset="-127"/>
-              </a:rPr>
-              <a:t>7</a:t>
-            </a:r>
-          </a:p>
-          <a:p>
-            <a:pPr>
-              <a:lnSpc>
-                <a:spcPct val="150000"/>
-              </a:lnSpc>
-            </a:pPr>
-            <a:r>
-              <a:rPr lang="en-US" altLang="ko-KR" dirty="0">
-                <a:solidFill>
-                  <a:schemeClr val="bg2">
-                    <a:lumMod val="50000"/>
-                  </a:schemeClr>
-                </a:solidFill>
-                <a:latin typeface="a고딕12" panose="02020600000000000000" pitchFamily="18" charset="-127"/>
-                <a:ea typeface="a고딕12" panose="02020600000000000000" pitchFamily="18" charset="-127"/>
-              </a:rPr>
-              <a:t>8</a:t>
-            </a:r>
-          </a:p>
-          <a:p>
-            <a:pPr>
-              <a:lnSpc>
-                <a:spcPct val="150000"/>
-              </a:lnSpc>
-            </a:pPr>
-            <a:r>
-              <a:rPr lang="en-US" altLang="ko-KR" b="1" dirty="0">
-                <a:solidFill>
-                  <a:srgbClr val="ED6C89"/>
-                </a:solidFill>
-                <a:latin typeface="a고딕12" panose="02020600000000000000" pitchFamily="18" charset="-127"/>
-                <a:ea typeface="a고딕12" panose="02020600000000000000" pitchFamily="18" charset="-127"/>
-              </a:rPr>
-              <a:t>9</a:t>
-            </a:r>
-          </a:p>
-          <a:p>
-            <a:pPr>
-              <a:lnSpc>
-                <a:spcPct val="150000"/>
-              </a:lnSpc>
-            </a:pPr>
-            <a:r>
-              <a:rPr lang="en-US" altLang="ko-KR" dirty="0">
-                <a:solidFill>
-                  <a:schemeClr val="bg2">
-                    <a:lumMod val="50000"/>
-                  </a:schemeClr>
-                </a:solidFill>
-                <a:latin typeface="a고딕12" panose="02020600000000000000" pitchFamily="18" charset="-127"/>
-                <a:ea typeface="a고딕12" panose="02020600000000000000" pitchFamily="18" charset="-127"/>
-              </a:rPr>
-              <a:t>10</a:t>
-            </a:r>
-          </a:p>
-          <a:p>
-            <a:pPr>
-              <a:lnSpc>
-                <a:spcPct val="150000"/>
-              </a:lnSpc>
-            </a:pPr>
-            <a:r>
-              <a:rPr lang="en-US" altLang="ko-KR" dirty="0">
-                <a:solidFill>
-                  <a:schemeClr val="bg2">
-                    <a:lumMod val="50000"/>
-                  </a:schemeClr>
-                </a:solidFill>
-                <a:latin typeface="a고딕12" panose="02020600000000000000" pitchFamily="18" charset="-127"/>
-                <a:ea typeface="a고딕12" panose="02020600000000000000" pitchFamily="18" charset="-127"/>
-              </a:rPr>
-              <a:t>11</a:t>
-            </a:r>
-          </a:p>
-          <a:p>
-            <a:pPr>
-              <a:lnSpc>
-                <a:spcPct val="150000"/>
-              </a:lnSpc>
-            </a:pPr>
-            <a:endParaRPr lang="ko-KR" altLang="en-US" dirty="0">
-              <a:solidFill>
-                <a:srgbClr val="ED6C89"/>
-              </a:solidFill>
-            </a:endParaRPr>
-          </a:p>
-        </p:txBody>
-      </p:sp>
-      <p:sp>
-        <p:nvSpPr>
-          <p:cNvPr id="160" name="TextBox 159">
-            <a:extLst>
-              <a:ext uri="{FF2B5EF4-FFF2-40B4-BE49-F238E27FC236}">
-                <a16:creationId xmlns:a16="http://schemas.microsoft.com/office/drawing/2014/main" id="{EC25E476-FEF8-4437-8801-DB264F471BAF}"/>
-              </a:ext>
-            </a:extLst>
-          </p:cNvPr>
-          <p:cNvSpPr txBox="1"/>
-          <p:nvPr/>
-        </p:nvSpPr>
-        <p:spPr>
-          <a:xfrm>
-            <a:off x="6776679" y="1384820"/>
-            <a:ext cx="1099570" cy="2535822"/>
-          </a:xfrm>
-          <a:prstGeom prst="rect">
-            <a:avLst/>
-          </a:prstGeom>
-          <a:noFill/>
-        </p:spPr>
-        <p:txBody>
-          <a:bodyPr wrap="square" rtlCol="0">
-            <a:spAutoFit/>
-          </a:bodyPr>
-          <a:lstStyle/>
-          <a:p>
-            <a:pPr>
-              <a:lnSpc>
-                <a:spcPct val="150000"/>
-              </a:lnSpc>
-            </a:pPr>
-            <a:r>
-              <a:rPr lang="en-US" altLang="ko-KR" dirty="0">
-                <a:solidFill>
-                  <a:schemeClr val="bg2">
-                    <a:lumMod val="50000"/>
-                  </a:schemeClr>
-                </a:solidFill>
-                <a:latin typeface="a고딕12" panose="02020600000000000000" pitchFamily="18" charset="-127"/>
-                <a:ea typeface="a고딕12" panose="02020600000000000000" pitchFamily="18" charset="-127"/>
-              </a:rPr>
-              <a:t>59</a:t>
-            </a:r>
-          </a:p>
-          <a:p>
-            <a:pPr>
-              <a:lnSpc>
-                <a:spcPct val="150000"/>
-              </a:lnSpc>
-            </a:pPr>
-            <a:r>
-              <a:rPr lang="en-US" altLang="ko-KR" dirty="0">
-                <a:solidFill>
-                  <a:schemeClr val="bg2">
-                    <a:lumMod val="50000"/>
-                  </a:schemeClr>
-                </a:solidFill>
-                <a:latin typeface="a고딕12" panose="02020600000000000000" pitchFamily="18" charset="-127"/>
-                <a:ea typeface="a고딕12" panose="02020600000000000000" pitchFamily="18" charset="-127"/>
-              </a:rPr>
-              <a:t>00</a:t>
-            </a:r>
-            <a:r>
-              <a:rPr lang="en-US" altLang="ko-KR" dirty="0">
-                <a:solidFill>
-                  <a:srgbClr val="ED6C89"/>
-                </a:solidFill>
-                <a:latin typeface="a고딕12" panose="02020600000000000000" pitchFamily="18" charset="-127"/>
-                <a:ea typeface="a고딕12" panose="02020600000000000000" pitchFamily="18" charset="-127"/>
-              </a:rPr>
-              <a:t>	</a:t>
-            </a:r>
-          </a:p>
-          <a:p>
-            <a:pPr>
-              <a:lnSpc>
-                <a:spcPct val="150000"/>
-              </a:lnSpc>
-            </a:pPr>
-            <a:r>
-              <a:rPr lang="en-US" altLang="ko-KR" b="1" dirty="0">
-                <a:solidFill>
-                  <a:srgbClr val="ED6C89"/>
-                </a:solidFill>
-                <a:latin typeface="a고딕12" panose="02020600000000000000" pitchFamily="18" charset="-127"/>
-                <a:ea typeface="a고딕12" panose="02020600000000000000" pitchFamily="18" charset="-127"/>
-              </a:rPr>
-              <a:t>01</a:t>
-            </a:r>
-          </a:p>
-          <a:p>
-            <a:pPr>
-              <a:lnSpc>
-                <a:spcPct val="150000"/>
-              </a:lnSpc>
-            </a:pPr>
-            <a:r>
-              <a:rPr lang="en-US" altLang="ko-KR" dirty="0">
-                <a:solidFill>
-                  <a:schemeClr val="bg2">
-                    <a:lumMod val="50000"/>
-                  </a:schemeClr>
-                </a:solidFill>
-                <a:latin typeface="a고딕12" panose="02020600000000000000" pitchFamily="18" charset="-127"/>
-                <a:ea typeface="a고딕12" panose="02020600000000000000" pitchFamily="18" charset="-127"/>
-              </a:rPr>
-              <a:t>02</a:t>
-            </a:r>
-          </a:p>
-          <a:p>
-            <a:pPr>
-              <a:lnSpc>
-                <a:spcPct val="150000"/>
-              </a:lnSpc>
-            </a:pPr>
-            <a:r>
-              <a:rPr lang="en-US" altLang="ko-KR" dirty="0">
-                <a:solidFill>
-                  <a:schemeClr val="bg2">
-                    <a:lumMod val="50000"/>
-                  </a:schemeClr>
-                </a:solidFill>
-                <a:latin typeface="a고딕12" panose="02020600000000000000" pitchFamily="18" charset="-127"/>
-                <a:ea typeface="a고딕12" panose="02020600000000000000" pitchFamily="18" charset="-127"/>
-              </a:rPr>
-              <a:t>03</a:t>
-            </a:r>
-          </a:p>
-          <a:p>
-            <a:pPr>
-              <a:lnSpc>
-                <a:spcPct val="150000"/>
-              </a:lnSpc>
-            </a:pPr>
-            <a:endParaRPr lang="ko-KR" altLang="en-US" dirty="0">
-              <a:solidFill>
-                <a:srgbClr val="ED6C89"/>
-              </a:solidFill>
-            </a:endParaRPr>
-          </a:p>
-        </p:txBody>
-      </p:sp>
-      <p:sp>
-        <p:nvSpPr>
-          <p:cNvPr id="161" name="TextBox 160">
-            <a:extLst>
-              <a:ext uri="{FF2B5EF4-FFF2-40B4-BE49-F238E27FC236}">
-                <a16:creationId xmlns:a16="http://schemas.microsoft.com/office/drawing/2014/main" id="{13679FFF-18A2-4A08-AC66-EB1D10606F61}"/>
-              </a:ext>
-            </a:extLst>
-          </p:cNvPr>
-          <p:cNvSpPr txBox="1"/>
-          <p:nvPr/>
-        </p:nvSpPr>
-        <p:spPr>
-          <a:xfrm>
-            <a:off x="6309296" y="2183503"/>
-            <a:ext cx="1099570" cy="454292"/>
-          </a:xfrm>
-          <a:prstGeom prst="rect">
-            <a:avLst/>
-          </a:prstGeom>
-          <a:noFill/>
-        </p:spPr>
-        <p:txBody>
-          <a:bodyPr wrap="square" rtlCol="0">
-            <a:spAutoFit/>
-          </a:bodyPr>
-          <a:lstStyle/>
-          <a:p>
-            <a:pPr>
-              <a:lnSpc>
-                <a:spcPct val="150000"/>
-              </a:lnSpc>
-            </a:pPr>
-            <a:r>
-              <a:rPr lang="en-US" altLang="ko-KR" b="1" dirty="0">
-                <a:solidFill>
-                  <a:srgbClr val="ED6C89"/>
-                </a:solidFill>
-              </a:rPr>
-              <a:t>:</a:t>
-            </a:r>
-            <a:endParaRPr lang="ko-KR" altLang="en-US" b="1" dirty="0">
-              <a:solidFill>
-                <a:srgbClr val="ED6C89"/>
-              </a:solidFill>
-            </a:endParaRPr>
-          </a:p>
-        </p:txBody>
-      </p:sp>
-      <p:sp>
-        <p:nvSpPr>
-          <p:cNvPr id="163" name="직사각형 162">
-            <a:extLst>
-              <a:ext uri="{FF2B5EF4-FFF2-40B4-BE49-F238E27FC236}">
-                <a16:creationId xmlns:a16="http://schemas.microsoft.com/office/drawing/2014/main" id="{061616CD-0B43-4798-83D2-A6CF781E1DBD}"/>
-              </a:ext>
-            </a:extLst>
-          </p:cNvPr>
-          <p:cNvSpPr/>
-          <p:nvPr/>
-        </p:nvSpPr>
-        <p:spPr>
-          <a:xfrm>
-            <a:off x="4225020" y="3426192"/>
-            <a:ext cx="3672834" cy="855483"/>
-          </a:xfrm>
-          <a:prstGeom prst="rect">
-            <a:avLst/>
-          </a:prstGeom>
-          <a:solidFill>
-            <a:schemeClr val="bg1"/>
-          </a:solidFill>
-          <a:ln>
-            <a:solidFill>
-              <a:schemeClr val="bg2">
-                <a:lumMod val="90000"/>
-              </a:schemeClr>
-            </a:solidFill>
-          </a:ln>
-        </p:spPr>
-        <p:style>
-          <a:lnRef idx="2">
-            <a:schemeClr val="accent1">
-              <a:shade val="50000"/>
-            </a:schemeClr>
-          </a:lnRef>
-          <a:fillRef idx="1">
-            <a:schemeClr val="accent1"/>
-          </a:fillRef>
-          <a:effectRef idx="0">
-            <a:schemeClr val="accent1"/>
-          </a:effectRef>
-          <a:fontRef idx="minor">
-            <a:schemeClr val="lt1"/>
-          </a:fontRef>
-        </p:style>
-        <p:txBody>
-          <a:bodyPr rtlCol="0" anchor="ctr"/>
-          <a:lstStyle/>
-          <a:p>
-            <a:pPr algn="ctr"/>
-            <a:endParaRPr lang="ko-KR" altLang="en-US" dirty="0"/>
-          </a:p>
-        </p:txBody>
-      </p:sp>
-      <p:sp>
-        <p:nvSpPr>
-          <p:cNvPr id="164" name="TextBox 163">
-            <a:extLst>
-              <a:ext uri="{FF2B5EF4-FFF2-40B4-BE49-F238E27FC236}">
-                <a16:creationId xmlns:a16="http://schemas.microsoft.com/office/drawing/2014/main" id="{B03A0951-E239-420E-A15E-FC9FF84B1FB2}"/>
-              </a:ext>
-            </a:extLst>
-          </p:cNvPr>
-          <p:cNvSpPr txBox="1"/>
-          <p:nvPr/>
-        </p:nvSpPr>
-        <p:spPr>
-          <a:xfrm>
-            <a:off x="4432193" y="3525667"/>
-            <a:ext cx="1099570" cy="307777"/>
-          </a:xfrm>
-          <a:prstGeom prst="rect">
-            <a:avLst/>
-          </a:prstGeom>
-          <a:noFill/>
-        </p:spPr>
-        <p:txBody>
-          <a:bodyPr wrap="square" rtlCol="0">
-            <a:spAutoFit/>
-          </a:bodyPr>
-          <a:lstStyle/>
-          <a:p>
-            <a:r>
-              <a:rPr lang="ko-KR" altLang="en-US" sz="1400" dirty="0">
-                <a:latin typeface="a고딕12" panose="02020600000000000000" pitchFamily="18" charset="-127"/>
-                <a:ea typeface="a고딕12" panose="02020600000000000000" pitchFamily="18" charset="-127"/>
-              </a:rPr>
-              <a:t>요일 반복</a:t>
-            </a:r>
-            <a:endParaRPr lang="ko-KR" altLang="en-US" sz="1400" dirty="0"/>
-          </a:p>
-        </p:txBody>
-      </p:sp>
-      <p:sp>
-        <p:nvSpPr>
-          <p:cNvPr id="165" name="TextBox 164">
-            <a:extLst>
-              <a:ext uri="{FF2B5EF4-FFF2-40B4-BE49-F238E27FC236}">
-                <a16:creationId xmlns:a16="http://schemas.microsoft.com/office/drawing/2014/main" id="{382991FB-E935-4559-9016-E6B8D59394E8}"/>
-              </a:ext>
-            </a:extLst>
-          </p:cNvPr>
-          <p:cNvSpPr txBox="1"/>
-          <p:nvPr/>
-        </p:nvSpPr>
-        <p:spPr>
-          <a:xfrm>
-            <a:off x="4395506" y="3937219"/>
-            <a:ext cx="245538" cy="261610"/>
-          </a:xfrm>
-          <a:prstGeom prst="rect">
-            <a:avLst/>
-          </a:prstGeom>
-          <a:noFill/>
-        </p:spPr>
-        <p:txBody>
-          <a:bodyPr wrap="square" rtlCol="0">
-            <a:spAutoFit/>
-          </a:bodyPr>
-          <a:lstStyle/>
-          <a:p>
-            <a:r>
-              <a:rPr lang="ko-KR" altLang="en-US" sz="1100" dirty="0">
-                <a:solidFill>
-                  <a:srgbClr val="FF0000"/>
-                </a:solidFill>
-                <a:latin typeface="a고딕12" panose="02020600000000000000" pitchFamily="18" charset="-127"/>
-                <a:ea typeface="a고딕12" panose="02020600000000000000" pitchFamily="18" charset="-127"/>
-              </a:rPr>
-              <a:t>일</a:t>
-            </a:r>
-            <a:endParaRPr lang="ko-KR" altLang="en-US" dirty="0">
-              <a:solidFill>
-                <a:srgbClr val="FF0000"/>
-              </a:solidFill>
-            </a:endParaRPr>
-          </a:p>
-        </p:txBody>
-      </p:sp>
-      <p:sp>
-        <p:nvSpPr>
-          <p:cNvPr id="166" name="TextBox 165">
-            <a:extLst>
-              <a:ext uri="{FF2B5EF4-FFF2-40B4-BE49-F238E27FC236}">
-                <a16:creationId xmlns:a16="http://schemas.microsoft.com/office/drawing/2014/main" id="{558DA074-DC26-4C85-9413-E75638779F93}"/>
-              </a:ext>
-            </a:extLst>
-          </p:cNvPr>
-          <p:cNvSpPr txBox="1"/>
-          <p:nvPr/>
-        </p:nvSpPr>
-        <p:spPr>
-          <a:xfrm>
-            <a:off x="4913167" y="3937219"/>
-            <a:ext cx="245538" cy="261610"/>
-          </a:xfrm>
-          <a:prstGeom prst="rect">
-            <a:avLst/>
-          </a:prstGeom>
-          <a:noFill/>
-        </p:spPr>
-        <p:txBody>
-          <a:bodyPr wrap="square" rtlCol="0">
-            <a:spAutoFit/>
-          </a:bodyPr>
-          <a:lstStyle/>
-          <a:p>
-            <a:r>
-              <a:rPr lang="ko-KR" altLang="en-US" sz="1100" dirty="0">
-                <a:latin typeface="a고딕12" panose="02020600000000000000" pitchFamily="18" charset="-127"/>
-                <a:ea typeface="a고딕12" panose="02020600000000000000" pitchFamily="18" charset="-127"/>
-              </a:rPr>
-              <a:t>월</a:t>
-            </a:r>
-            <a:endParaRPr lang="ko-KR" altLang="en-US" dirty="0"/>
-          </a:p>
-        </p:txBody>
-      </p:sp>
-      <p:sp>
-        <p:nvSpPr>
-          <p:cNvPr id="167" name="TextBox 166">
-            <a:extLst>
-              <a:ext uri="{FF2B5EF4-FFF2-40B4-BE49-F238E27FC236}">
-                <a16:creationId xmlns:a16="http://schemas.microsoft.com/office/drawing/2014/main" id="{DE1D9B86-A23F-4DE9-A118-DB84F5AAE097}"/>
-              </a:ext>
-            </a:extLst>
-          </p:cNvPr>
-          <p:cNvSpPr txBox="1"/>
-          <p:nvPr/>
-        </p:nvSpPr>
-        <p:spPr>
-          <a:xfrm>
-            <a:off x="5430828" y="3937219"/>
-            <a:ext cx="245538" cy="261610"/>
-          </a:xfrm>
-          <a:prstGeom prst="rect">
-            <a:avLst/>
-          </a:prstGeom>
-          <a:noFill/>
-        </p:spPr>
-        <p:txBody>
-          <a:bodyPr wrap="square" rtlCol="0">
-            <a:spAutoFit/>
-          </a:bodyPr>
-          <a:lstStyle/>
-          <a:p>
-            <a:r>
-              <a:rPr lang="ko-KR" altLang="en-US" sz="1100" dirty="0">
-                <a:latin typeface="a고딕12" panose="02020600000000000000" pitchFamily="18" charset="-127"/>
-                <a:ea typeface="a고딕12" panose="02020600000000000000" pitchFamily="18" charset="-127"/>
-              </a:rPr>
-              <a:t>화</a:t>
-            </a:r>
-            <a:endParaRPr lang="ko-KR" altLang="en-US" dirty="0"/>
-          </a:p>
-        </p:txBody>
-      </p:sp>
-      <p:sp>
-        <p:nvSpPr>
-          <p:cNvPr id="168" name="TextBox 167">
-            <a:extLst>
-              <a:ext uri="{FF2B5EF4-FFF2-40B4-BE49-F238E27FC236}">
-                <a16:creationId xmlns:a16="http://schemas.microsoft.com/office/drawing/2014/main" id="{ED367050-9B8E-4BD3-BD66-3C4802C60233}"/>
-              </a:ext>
-            </a:extLst>
-          </p:cNvPr>
-          <p:cNvSpPr txBox="1"/>
-          <p:nvPr/>
-        </p:nvSpPr>
-        <p:spPr>
-          <a:xfrm>
-            <a:off x="5948489" y="3937219"/>
-            <a:ext cx="245538" cy="261610"/>
-          </a:xfrm>
-          <a:prstGeom prst="rect">
-            <a:avLst/>
-          </a:prstGeom>
-          <a:noFill/>
-        </p:spPr>
-        <p:txBody>
-          <a:bodyPr wrap="square" rtlCol="0">
-            <a:spAutoFit/>
-          </a:bodyPr>
-          <a:lstStyle/>
-          <a:p>
-            <a:r>
-              <a:rPr lang="ko-KR" altLang="en-US" sz="1100" dirty="0">
-                <a:latin typeface="a고딕12" panose="02020600000000000000" pitchFamily="18" charset="-127"/>
-                <a:ea typeface="a고딕12" panose="02020600000000000000" pitchFamily="18" charset="-127"/>
-              </a:rPr>
-              <a:t>수</a:t>
-            </a:r>
-            <a:endParaRPr lang="ko-KR" altLang="en-US" dirty="0"/>
-          </a:p>
-        </p:txBody>
-      </p:sp>
-      <p:sp>
-        <p:nvSpPr>
-          <p:cNvPr id="169" name="TextBox 168">
-            <a:extLst>
-              <a:ext uri="{FF2B5EF4-FFF2-40B4-BE49-F238E27FC236}">
-                <a16:creationId xmlns:a16="http://schemas.microsoft.com/office/drawing/2014/main" id="{830DA46E-E8C0-4E15-872F-26785A2DB7EA}"/>
-              </a:ext>
-            </a:extLst>
-          </p:cNvPr>
-          <p:cNvSpPr txBox="1"/>
-          <p:nvPr/>
-        </p:nvSpPr>
-        <p:spPr>
-          <a:xfrm>
-            <a:off x="6466150" y="3937219"/>
-            <a:ext cx="245538" cy="261610"/>
-          </a:xfrm>
-          <a:prstGeom prst="rect">
-            <a:avLst/>
-          </a:prstGeom>
-          <a:noFill/>
-        </p:spPr>
-        <p:txBody>
-          <a:bodyPr wrap="square" rtlCol="0">
-            <a:spAutoFit/>
-          </a:bodyPr>
-          <a:lstStyle/>
-          <a:p>
-            <a:r>
-              <a:rPr lang="ko-KR" altLang="en-US" sz="1100" dirty="0">
-                <a:latin typeface="a고딕12" panose="02020600000000000000" pitchFamily="18" charset="-127"/>
-                <a:ea typeface="a고딕12" panose="02020600000000000000" pitchFamily="18" charset="-127"/>
-              </a:rPr>
-              <a:t>목</a:t>
-            </a:r>
-            <a:endParaRPr lang="ko-KR" altLang="en-US" dirty="0"/>
-          </a:p>
-        </p:txBody>
-      </p:sp>
-      <p:sp>
-        <p:nvSpPr>
-          <p:cNvPr id="170" name="TextBox 169">
-            <a:extLst>
-              <a:ext uri="{FF2B5EF4-FFF2-40B4-BE49-F238E27FC236}">
-                <a16:creationId xmlns:a16="http://schemas.microsoft.com/office/drawing/2014/main" id="{8E135E02-5C87-42FF-93D4-B75FDC72DC28}"/>
-              </a:ext>
-            </a:extLst>
-          </p:cNvPr>
-          <p:cNvSpPr txBox="1"/>
-          <p:nvPr/>
-        </p:nvSpPr>
-        <p:spPr>
-          <a:xfrm>
-            <a:off x="6983811" y="3937219"/>
-            <a:ext cx="245538" cy="261610"/>
-          </a:xfrm>
-          <a:prstGeom prst="rect">
-            <a:avLst/>
-          </a:prstGeom>
-          <a:noFill/>
-        </p:spPr>
-        <p:txBody>
-          <a:bodyPr wrap="square" rtlCol="0">
-            <a:spAutoFit/>
-          </a:bodyPr>
-          <a:lstStyle/>
-          <a:p>
-            <a:r>
-              <a:rPr lang="ko-KR" altLang="en-US" sz="1100" dirty="0">
-                <a:latin typeface="a고딕12" panose="02020600000000000000" pitchFamily="18" charset="-127"/>
-                <a:ea typeface="a고딕12" panose="02020600000000000000" pitchFamily="18" charset="-127"/>
-              </a:rPr>
-              <a:t>금</a:t>
-            </a:r>
-            <a:endParaRPr lang="ko-KR" altLang="en-US" dirty="0"/>
-          </a:p>
-        </p:txBody>
-      </p:sp>
-      <p:sp>
-        <p:nvSpPr>
-          <p:cNvPr id="171" name="TextBox 170">
-            <a:extLst>
-              <a:ext uri="{FF2B5EF4-FFF2-40B4-BE49-F238E27FC236}">
-                <a16:creationId xmlns:a16="http://schemas.microsoft.com/office/drawing/2014/main" id="{6BB44AC6-B380-4B7A-8D19-552E4F3ABDF3}"/>
-              </a:ext>
-            </a:extLst>
-          </p:cNvPr>
-          <p:cNvSpPr txBox="1"/>
-          <p:nvPr/>
-        </p:nvSpPr>
-        <p:spPr>
-          <a:xfrm>
-            <a:off x="7501471" y="3937219"/>
-            <a:ext cx="245538" cy="261610"/>
-          </a:xfrm>
-          <a:prstGeom prst="rect">
-            <a:avLst/>
-          </a:prstGeom>
-          <a:noFill/>
-        </p:spPr>
-        <p:txBody>
-          <a:bodyPr wrap="square" rtlCol="0">
-            <a:spAutoFit/>
-          </a:bodyPr>
-          <a:lstStyle/>
-          <a:p>
-            <a:r>
-              <a:rPr lang="ko-KR" altLang="en-US" sz="1100" dirty="0">
-                <a:solidFill>
-                  <a:srgbClr val="00B0F0"/>
-                </a:solidFill>
-                <a:latin typeface="a고딕12" panose="02020600000000000000" pitchFamily="18" charset="-127"/>
-                <a:ea typeface="a고딕12" panose="02020600000000000000" pitchFamily="18" charset="-127"/>
-              </a:rPr>
-              <a:t>토</a:t>
-            </a:r>
-            <a:endParaRPr lang="ko-KR" altLang="en-US" dirty="0">
-              <a:solidFill>
-                <a:srgbClr val="00B0F0"/>
-              </a:solidFill>
-            </a:endParaRPr>
-          </a:p>
-        </p:txBody>
-      </p:sp>
-      <p:sp>
-        <p:nvSpPr>
-          <p:cNvPr id="172" name="직사각형 171">
-            <a:extLst>
-              <a:ext uri="{FF2B5EF4-FFF2-40B4-BE49-F238E27FC236}">
-                <a16:creationId xmlns:a16="http://schemas.microsoft.com/office/drawing/2014/main" id="{B4396597-6AA4-4094-8E1D-B95D1DD7B690}"/>
-              </a:ext>
-            </a:extLst>
-          </p:cNvPr>
-          <p:cNvSpPr/>
-          <p:nvPr/>
-        </p:nvSpPr>
-        <p:spPr>
-          <a:xfrm>
-            <a:off x="4332589" y="4275878"/>
-            <a:ext cx="3672834" cy="711348"/>
-          </a:xfrm>
-          <a:prstGeom prst="rect">
-            <a:avLst/>
-          </a:prstGeom>
-          <a:solidFill>
-            <a:schemeClr val="bg1"/>
-          </a:solidFill>
-          <a:ln>
-            <a:solidFill>
-              <a:schemeClr val="bg2">
-                <a:lumMod val="90000"/>
-              </a:schemeClr>
-            </a:solidFill>
-          </a:ln>
-        </p:spPr>
-        <p:style>
-          <a:lnRef idx="2">
-            <a:schemeClr val="accent1">
-              <a:shade val="50000"/>
-            </a:schemeClr>
-          </a:lnRef>
-          <a:fillRef idx="1">
-            <a:schemeClr val="accent1"/>
-          </a:fillRef>
-          <a:effectRef idx="0">
-            <a:schemeClr val="accent1"/>
-          </a:effectRef>
-          <a:fontRef idx="minor">
-            <a:schemeClr val="lt1"/>
-          </a:fontRef>
-        </p:style>
-        <p:txBody>
-          <a:bodyPr rtlCol="0" anchor="ctr"/>
-          <a:lstStyle/>
-          <a:p>
-            <a:pPr algn="ctr"/>
-            <a:endParaRPr lang="ko-KR" altLang="en-US" dirty="0"/>
-          </a:p>
-        </p:txBody>
-      </p:sp>
-      <p:sp>
-        <p:nvSpPr>
-          <p:cNvPr id="173" name="TextBox 172">
-            <a:extLst>
-              <a:ext uri="{FF2B5EF4-FFF2-40B4-BE49-F238E27FC236}">
-                <a16:creationId xmlns:a16="http://schemas.microsoft.com/office/drawing/2014/main" id="{5D2D59DA-1AEC-47C6-90E6-5DFA57FE6242}"/>
-              </a:ext>
-            </a:extLst>
-          </p:cNvPr>
-          <p:cNvSpPr txBox="1"/>
-          <p:nvPr/>
-        </p:nvSpPr>
-        <p:spPr>
-          <a:xfrm>
-            <a:off x="4432193" y="4378342"/>
-            <a:ext cx="1380918" cy="307777"/>
-          </a:xfrm>
-          <a:prstGeom prst="rect">
-            <a:avLst/>
-          </a:prstGeom>
-          <a:noFill/>
-        </p:spPr>
-        <p:txBody>
-          <a:bodyPr wrap="square" rtlCol="0">
-            <a:spAutoFit/>
-          </a:bodyPr>
-          <a:lstStyle/>
-          <a:p>
-            <a:r>
-              <a:rPr lang="ko-KR" altLang="en-US" sz="1400" dirty="0">
-                <a:latin typeface="a고딕12" panose="02020600000000000000" pitchFamily="18" charset="-127"/>
-                <a:ea typeface="a고딕12" panose="02020600000000000000" pitchFamily="18" charset="-127"/>
-              </a:rPr>
-              <a:t>알람 이름</a:t>
-            </a:r>
-          </a:p>
-        </p:txBody>
-      </p:sp>
-      <p:sp>
-        <p:nvSpPr>
-          <p:cNvPr id="174" name="TextBox 173">
-            <a:extLst>
-              <a:ext uri="{FF2B5EF4-FFF2-40B4-BE49-F238E27FC236}">
-                <a16:creationId xmlns:a16="http://schemas.microsoft.com/office/drawing/2014/main" id="{8DB1DAF9-1757-43B4-8C80-B12263697033}"/>
-              </a:ext>
-            </a:extLst>
-          </p:cNvPr>
-          <p:cNvSpPr txBox="1"/>
-          <p:nvPr/>
-        </p:nvSpPr>
-        <p:spPr>
-          <a:xfrm>
-            <a:off x="4521061" y="4597713"/>
-            <a:ext cx="1380918" cy="261610"/>
-          </a:xfrm>
-          <a:prstGeom prst="rect">
-            <a:avLst/>
-          </a:prstGeom>
-          <a:noFill/>
-        </p:spPr>
-        <p:txBody>
-          <a:bodyPr wrap="square" rtlCol="0">
-            <a:spAutoFit/>
-          </a:bodyPr>
-          <a:lstStyle/>
-          <a:p>
-            <a:r>
-              <a:rPr lang="ko-KR" altLang="en-US" sz="1100" dirty="0">
-                <a:solidFill>
-                  <a:srgbClr val="ED6C89"/>
-                </a:solidFill>
-                <a:latin typeface="a고딕12" panose="02020600000000000000" pitchFamily="18" charset="-127"/>
-                <a:ea typeface="a고딕12" panose="02020600000000000000" pitchFamily="18" charset="-127"/>
-              </a:rPr>
-              <a:t>설정 안함</a:t>
-            </a:r>
-          </a:p>
-        </p:txBody>
-      </p:sp>
-      <p:sp>
-        <p:nvSpPr>
-          <p:cNvPr id="175" name="직사각형 174">
-            <a:extLst>
-              <a:ext uri="{FF2B5EF4-FFF2-40B4-BE49-F238E27FC236}">
-                <a16:creationId xmlns:a16="http://schemas.microsoft.com/office/drawing/2014/main" id="{D0138EB9-F868-44F3-B8F3-A78F4A3D27C8}"/>
-              </a:ext>
-            </a:extLst>
-          </p:cNvPr>
-          <p:cNvSpPr/>
-          <p:nvPr/>
-        </p:nvSpPr>
-        <p:spPr>
-          <a:xfrm>
-            <a:off x="4332589" y="4987226"/>
-            <a:ext cx="3672834" cy="735522"/>
-          </a:xfrm>
-          <a:prstGeom prst="rect">
-            <a:avLst/>
-          </a:prstGeom>
-          <a:solidFill>
-            <a:schemeClr val="bg1"/>
-          </a:solidFill>
-          <a:ln>
-            <a:solidFill>
-              <a:schemeClr val="bg2">
-                <a:lumMod val="90000"/>
-              </a:schemeClr>
-            </a:solidFill>
-          </a:ln>
-        </p:spPr>
-        <p:style>
-          <a:lnRef idx="2">
-            <a:schemeClr val="accent1">
-              <a:shade val="50000"/>
-            </a:schemeClr>
-          </a:lnRef>
-          <a:fillRef idx="1">
-            <a:schemeClr val="accent1"/>
-          </a:fillRef>
-          <a:effectRef idx="0">
-            <a:schemeClr val="accent1"/>
-          </a:effectRef>
-          <a:fontRef idx="minor">
-            <a:schemeClr val="lt1"/>
-          </a:fontRef>
-        </p:style>
-        <p:txBody>
-          <a:bodyPr rtlCol="0" anchor="ctr"/>
-          <a:lstStyle/>
-          <a:p>
-            <a:pPr algn="ctr"/>
-            <a:endParaRPr lang="ko-KR" altLang="en-US" dirty="0"/>
-          </a:p>
-        </p:txBody>
-      </p:sp>
-      <p:sp>
-        <p:nvSpPr>
-          <p:cNvPr id="176" name="TextBox 175">
-            <a:extLst>
-              <a:ext uri="{FF2B5EF4-FFF2-40B4-BE49-F238E27FC236}">
-                <a16:creationId xmlns:a16="http://schemas.microsoft.com/office/drawing/2014/main" id="{15FF794D-83A7-40E5-A012-5D5EA8857C87}"/>
-              </a:ext>
-            </a:extLst>
-          </p:cNvPr>
-          <p:cNvSpPr txBox="1"/>
-          <p:nvPr/>
-        </p:nvSpPr>
-        <p:spPr>
-          <a:xfrm>
-            <a:off x="4405060" y="5103814"/>
-            <a:ext cx="1380918" cy="307777"/>
-          </a:xfrm>
-          <a:prstGeom prst="rect">
-            <a:avLst/>
-          </a:prstGeom>
-          <a:noFill/>
-        </p:spPr>
-        <p:txBody>
-          <a:bodyPr wrap="square" rtlCol="0">
-            <a:spAutoFit/>
-          </a:bodyPr>
-          <a:lstStyle/>
-          <a:p>
-            <a:r>
-              <a:rPr lang="ko-KR" altLang="en-US" sz="1400" dirty="0" err="1">
-                <a:latin typeface="a고딕12" panose="02020600000000000000" pitchFamily="18" charset="-127"/>
-                <a:ea typeface="a고딕12" panose="02020600000000000000" pitchFamily="18" charset="-127"/>
-              </a:rPr>
-              <a:t>무드등</a:t>
-            </a:r>
-            <a:r>
-              <a:rPr lang="ko-KR" altLang="en-US" sz="1400" dirty="0">
-                <a:latin typeface="a고딕12" panose="02020600000000000000" pitchFamily="18" charset="-127"/>
-                <a:ea typeface="a고딕12" panose="02020600000000000000" pitchFamily="18" charset="-127"/>
-              </a:rPr>
-              <a:t> 설정</a:t>
-            </a:r>
-          </a:p>
-        </p:txBody>
-      </p:sp>
-      <p:sp>
-        <p:nvSpPr>
-          <p:cNvPr id="177" name="TextBox 176">
-            <a:extLst>
-              <a:ext uri="{FF2B5EF4-FFF2-40B4-BE49-F238E27FC236}">
-                <a16:creationId xmlns:a16="http://schemas.microsoft.com/office/drawing/2014/main" id="{DD174952-0FC7-40BB-A4CC-C88ABD5E5142}"/>
-              </a:ext>
-            </a:extLst>
-          </p:cNvPr>
-          <p:cNvSpPr txBox="1"/>
-          <p:nvPr/>
-        </p:nvSpPr>
-        <p:spPr>
-          <a:xfrm>
-            <a:off x="4521061" y="5323185"/>
-            <a:ext cx="1380918" cy="261610"/>
-          </a:xfrm>
-          <a:prstGeom prst="rect">
-            <a:avLst/>
-          </a:prstGeom>
-          <a:noFill/>
-        </p:spPr>
-        <p:txBody>
-          <a:bodyPr wrap="square" rtlCol="0">
-            <a:spAutoFit/>
-          </a:bodyPr>
-          <a:lstStyle/>
-          <a:p>
-            <a:r>
-              <a:rPr lang="ko-KR" altLang="en-US" sz="1100" dirty="0">
-                <a:solidFill>
-                  <a:srgbClr val="ED6C89"/>
-                </a:solidFill>
-                <a:latin typeface="a고딕12" panose="02020600000000000000" pitchFamily="18" charset="-127"/>
-                <a:ea typeface="a고딕12" panose="02020600000000000000" pitchFamily="18" charset="-127"/>
-              </a:rPr>
-              <a:t>설정 안함</a:t>
-            </a:r>
-          </a:p>
-        </p:txBody>
-      </p:sp>
-      <p:sp>
-        <p:nvSpPr>
-          <p:cNvPr id="178" name="직사각형 177">
-            <a:extLst>
-              <a:ext uri="{FF2B5EF4-FFF2-40B4-BE49-F238E27FC236}">
-                <a16:creationId xmlns:a16="http://schemas.microsoft.com/office/drawing/2014/main" id="{608DA581-3A24-4B25-9EE9-BB0884BFC4E2}"/>
-              </a:ext>
-            </a:extLst>
-          </p:cNvPr>
-          <p:cNvSpPr/>
-          <p:nvPr/>
-        </p:nvSpPr>
-        <p:spPr>
-          <a:xfrm>
-            <a:off x="4332589" y="5710024"/>
-            <a:ext cx="3672834" cy="514766"/>
-          </a:xfrm>
-          <a:prstGeom prst="rect">
-            <a:avLst/>
-          </a:prstGeom>
-          <a:solidFill>
-            <a:schemeClr val="bg1"/>
-          </a:solidFill>
-          <a:ln>
-            <a:solidFill>
-              <a:schemeClr val="bg2">
-                <a:lumMod val="90000"/>
-              </a:schemeClr>
-            </a:solidFill>
-          </a:ln>
-        </p:spPr>
-        <p:style>
-          <a:lnRef idx="2">
-            <a:schemeClr val="accent1">
-              <a:shade val="50000"/>
-            </a:schemeClr>
-          </a:lnRef>
-          <a:fillRef idx="1">
-            <a:schemeClr val="accent1"/>
-          </a:fillRef>
-          <a:effectRef idx="0">
-            <a:schemeClr val="accent1"/>
-          </a:effectRef>
-          <a:fontRef idx="minor">
-            <a:schemeClr val="lt1"/>
-          </a:fontRef>
-        </p:style>
-        <p:txBody>
-          <a:bodyPr rtlCol="0" anchor="ctr"/>
-          <a:lstStyle/>
-          <a:p>
-            <a:pPr algn="ctr"/>
-            <a:endParaRPr lang="ko-KR" altLang="en-US" dirty="0"/>
-          </a:p>
-        </p:txBody>
-      </p:sp>
-      <p:sp>
-        <p:nvSpPr>
-          <p:cNvPr id="179" name="TextBox 178">
-            <a:extLst>
-              <a:ext uri="{FF2B5EF4-FFF2-40B4-BE49-F238E27FC236}">
-                <a16:creationId xmlns:a16="http://schemas.microsoft.com/office/drawing/2014/main" id="{EA226D26-E6A5-4DAF-9718-3B533833D11D}"/>
-              </a:ext>
-            </a:extLst>
-          </p:cNvPr>
-          <p:cNvSpPr txBox="1"/>
-          <p:nvPr/>
-        </p:nvSpPr>
-        <p:spPr>
-          <a:xfrm>
-            <a:off x="4401446" y="5854039"/>
-            <a:ext cx="1380918" cy="307777"/>
-          </a:xfrm>
-          <a:prstGeom prst="rect">
-            <a:avLst/>
-          </a:prstGeom>
-          <a:noFill/>
-        </p:spPr>
-        <p:txBody>
-          <a:bodyPr wrap="square" rtlCol="0">
-            <a:spAutoFit/>
-          </a:bodyPr>
-          <a:lstStyle/>
-          <a:p>
-            <a:r>
-              <a:rPr lang="ko-KR" altLang="en-US" sz="1400" dirty="0">
-                <a:latin typeface="a고딕12" panose="02020600000000000000" pitchFamily="18" charset="-127"/>
-                <a:ea typeface="a고딕12" panose="02020600000000000000" pitchFamily="18" charset="-127"/>
-              </a:rPr>
-              <a:t>분사 시간 설정</a:t>
-            </a:r>
-          </a:p>
-        </p:txBody>
-      </p:sp>
-      <p:sp>
-        <p:nvSpPr>
-          <p:cNvPr id="180" name="TextBox 179">
-            <a:extLst>
-              <a:ext uri="{FF2B5EF4-FFF2-40B4-BE49-F238E27FC236}">
-                <a16:creationId xmlns:a16="http://schemas.microsoft.com/office/drawing/2014/main" id="{8206EC64-C986-4F38-91B2-BA408F6130F1}"/>
-              </a:ext>
-            </a:extLst>
-          </p:cNvPr>
-          <p:cNvSpPr txBox="1"/>
-          <p:nvPr/>
-        </p:nvSpPr>
-        <p:spPr>
-          <a:xfrm>
-            <a:off x="4652755" y="6073410"/>
-            <a:ext cx="1380918" cy="261610"/>
-          </a:xfrm>
-          <a:prstGeom prst="rect">
-            <a:avLst/>
-          </a:prstGeom>
-          <a:noFill/>
-        </p:spPr>
-        <p:txBody>
-          <a:bodyPr wrap="square" rtlCol="0">
-            <a:spAutoFit/>
-          </a:bodyPr>
-          <a:lstStyle/>
-          <a:p>
-            <a:r>
-              <a:rPr lang="en-US" altLang="ko-KR" sz="1100" dirty="0">
-                <a:solidFill>
-                  <a:srgbClr val="ED6C89"/>
-                </a:solidFill>
-                <a:latin typeface="a고딕12" panose="02020600000000000000" pitchFamily="18" charset="-127"/>
-                <a:ea typeface="a고딕12" panose="02020600000000000000" pitchFamily="18" charset="-127"/>
-              </a:rPr>
-              <a:t>10</a:t>
-            </a:r>
-            <a:r>
-              <a:rPr lang="ko-KR" altLang="en-US" sz="1100" dirty="0">
-                <a:solidFill>
-                  <a:srgbClr val="ED6C89"/>
-                </a:solidFill>
-                <a:latin typeface="a고딕12" panose="02020600000000000000" pitchFamily="18" charset="-127"/>
-                <a:ea typeface="a고딕12" panose="02020600000000000000" pitchFamily="18" charset="-127"/>
-              </a:rPr>
-              <a:t>분</a:t>
-            </a:r>
-          </a:p>
-        </p:txBody>
-      </p:sp>
-      <p:sp>
-        <p:nvSpPr>
-          <p:cNvPr id="21" name="사각형: 둥근 모서리 20">
-            <a:extLst>
-              <a:ext uri="{FF2B5EF4-FFF2-40B4-BE49-F238E27FC236}">
-                <a16:creationId xmlns:a16="http://schemas.microsoft.com/office/drawing/2014/main" id="{2DF1A136-58C1-404A-82ED-EB4EE91BF262}"/>
-              </a:ext>
-            </a:extLst>
-          </p:cNvPr>
-          <p:cNvSpPr/>
-          <p:nvPr/>
-        </p:nvSpPr>
-        <p:spPr>
-          <a:xfrm>
-            <a:off x="7743852" y="3548961"/>
-            <a:ext cx="51998" cy="1924875"/>
-          </a:xfrm>
-          <a:prstGeom prst="roundRect">
-            <a:avLst/>
-          </a:prstGeom>
-          <a:solidFill>
-            <a:schemeClr val="bg1">
-              <a:lumMod val="65000"/>
-            </a:schemeClr>
-          </a:solidFill>
-          <a:ln>
-            <a:solidFill>
-              <a:schemeClr val="bg1">
-                <a:lumMod val="65000"/>
-              </a:schemeClr>
-            </a:solidFill>
-          </a:ln>
-        </p:spPr>
-        <p:style>
-          <a:lnRef idx="2">
-            <a:schemeClr val="dk1">
-              <a:shade val="50000"/>
-            </a:schemeClr>
-          </a:lnRef>
-          <a:fillRef idx="1">
-            <a:schemeClr val="dk1"/>
-          </a:fillRef>
-          <a:effectRef idx="0">
-            <a:schemeClr val="dk1"/>
-          </a:effectRef>
-          <a:fontRef idx="minor">
-            <a:schemeClr val="lt1"/>
-          </a:fontRef>
-        </p:style>
-        <p:txBody>
-          <a:bodyPr rtlCol="0" anchor="ctr"/>
-          <a:lstStyle/>
-          <a:p>
-            <a:pPr algn="ctr"/>
-            <a:endParaRPr lang="ko-KR" altLang="en-US"/>
-          </a:p>
-        </p:txBody>
-      </p:sp>
-      <p:sp>
-        <p:nvSpPr>
           <p:cNvPr id="44" name="사각형: 둥근 모서리 43">
             <a:extLst>
               <a:ext uri="{FF2B5EF4-FFF2-40B4-BE49-F238E27FC236}">
@@ -36408,7 +34706,7 @@
 </p:sld>
 </file>
 
-<file path=ppt/slides/slide27.xml><?xml version="1.0" encoding="utf-8"?>
+<file path=ppt/slides/slide26.xml><?xml version="1.0" encoding="utf-8"?>
 <p:sld xmlns:a="http://schemas.openxmlformats.org/drawingml/2006/main" xmlns:r="http://schemas.openxmlformats.org/officeDocument/2006/relationships" xmlns:p="http://schemas.openxmlformats.org/presentationml/2006/main">
   <p:cSld>
     <p:spTree>
@@ -39274,7 +37572,7 @@
 </p:sld>
 </file>
 
-<file path=ppt/slides/slide28.xml><?xml version="1.0" encoding="utf-8"?>
+<file path=ppt/slides/slide27.xml><?xml version="1.0" encoding="utf-8"?>
 <p:sld xmlns:a="http://schemas.openxmlformats.org/drawingml/2006/main" xmlns:r="http://schemas.openxmlformats.org/officeDocument/2006/relationships" xmlns:p="http://schemas.openxmlformats.org/presentationml/2006/main">
   <p:cSld>
     <p:spTree>
